--- a/Spark_学习分享.pptx
+++ b/Spark_学习分享.pptx
@@ -10,9 +10,13 @@
     <p:sldId id="258" r:id="rId4"/>
     <p:sldId id="259" r:id="rId5"/>
     <p:sldId id="260" r:id="rId6"/>
-    <p:sldId id="261" r:id="rId7"/>
-    <p:sldId id="262" r:id="rId8"/>
-    <p:sldId id="263" r:id="rId9"/>
+    <p:sldId id="264" r:id="rId7"/>
+    <p:sldId id="261" r:id="rId8"/>
+    <p:sldId id="262" r:id="rId9"/>
+    <p:sldId id="263" r:id="rId10"/>
+    <p:sldId id="265" r:id="rId11"/>
+    <p:sldId id="267" r:id="rId12"/>
+    <p:sldId id="266" r:id="rId13"/>
   </p:sldIdLst>
   <p:sldSz cx="9144000" cy="6858000" type="screen4x3"/>
   <p:notesSz cx="6858000" cy="9144000"/>
@@ -251,7 +255,7 @@
           <a:p>
             <a:fld id="{A51B94C0-3894-421F-B0A3-450A0BD70801}" type="datetimeFigureOut">
               <a:rPr lang="zh-CN" altLang="en-US" smtClean="0"/>
-              <a:t>2014-4-3</a:t>
+              <a:t>2014-4-4</a:t>
             </a:fld>
             <a:endParaRPr lang="zh-CN" altLang="en-US"/>
           </a:p>
@@ -1120,7 +1124,7 @@
           <a:p>
             <a:fld id="{A51B94C0-3894-421F-B0A3-450A0BD70801}" type="datetimeFigureOut">
               <a:rPr lang="zh-CN" altLang="en-US" smtClean="0"/>
-              <a:t>2014-4-3</a:t>
+              <a:t>2014-4-4</a:t>
             </a:fld>
             <a:endParaRPr lang="zh-CN" altLang="en-US"/>
           </a:p>
@@ -1295,7 +1299,7 @@
           <a:p>
             <a:fld id="{A51B94C0-3894-421F-B0A3-450A0BD70801}" type="datetimeFigureOut">
               <a:rPr lang="zh-CN" altLang="en-US" smtClean="0"/>
-              <a:t>2014-4-3</a:t>
+              <a:t>2014-4-4</a:t>
             </a:fld>
             <a:endParaRPr lang="zh-CN" altLang="en-US"/>
           </a:p>
@@ -1465,7 +1469,7 @@
           <a:p>
             <a:fld id="{A51B94C0-3894-421F-B0A3-450A0BD70801}" type="datetimeFigureOut">
               <a:rPr lang="zh-CN" altLang="en-US" smtClean="0"/>
-              <a:t>2014-4-3</a:t>
+              <a:t>2014-4-4</a:t>
             </a:fld>
             <a:endParaRPr lang="zh-CN" altLang="en-US"/>
           </a:p>
@@ -1675,7 +1679,7 @@
           <a:p>
             <a:fld id="{A51B94C0-3894-421F-B0A3-450A0BD70801}" type="datetimeFigureOut">
               <a:rPr lang="zh-CN" altLang="en-US" smtClean="0"/>
-              <a:t>2014-4-3</a:t>
+              <a:t>2014-4-4</a:t>
             </a:fld>
             <a:endParaRPr lang="zh-CN" altLang="en-US"/>
           </a:p>
@@ -2489,7 +2493,7 @@
           <a:p>
             <a:fld id="{A51B94C0-3894-421F-B0A3-450A0BD70801}" type="datetimeFigureOut">
               <a:rPr lang="zh-CN" altLang="en-US" smtClean="0"/>
-              <a:t>2014-4-3</a:t>
+              <a:t>2014-4-4</a:t>
             </a:fld>
             <a:endParaRPr lang="zh-CN" altLang="en-US"/>
           </a:p>
@@ -2725,7 +2729,7 @@
           <a:p>
             <a:fld id="{A51B94C0-3894-421F-B0A3-450A0BD70801}" type="datetimeFigureOut">
               <a:rPr lang="zh-CN" altLang="en-US" smtClean="0"/>
-              <a:t>2014-4-3</a:t>
+              <a:t>2014-4-4</a:t>
             </a:fld>
             <a:endParaRPr lang="zh-CN" altLang="en-US"/>
           </a:p>
@@ -3048,7 +3052,7 @@
           <a:p>
             <a:fld id="{A51B94C0-3894-421F-B0A3-450A0BD70801}" type="datetimeFigureOut">
               <a:rPr lang="zh-CN" altLang="en-US" smtClean="0"/>
-              <a:t>2014-4-3</a:t>
+              <a:t>2014-4-4</a:t>
             </a:fld>
             <a:endParaRPr lang="zh-CN" altLang="en-US"/>
           </a:p>
@@ -3138,7 +3142,7 @@
           <a:p>
             <a:fld id="{A51B94C0-3894-421F-B0A3-450A0BD70801}" type="datetimeFigureOut">
               <a:rPr lang="zh-CN" altLang="en-US" smtClean="0"/>
-              <a:t>2014-4-3</a:t>
+              <a:t>2014-4-4</a:t>
             </a:fld>
             <a:endParaRPr lang="zh-CN" altLang="en-US"/>
           </a:p>
@@ -3655,7 +3659,7 @@
           <a:p>
             <a:fld id="{A51B94C0-3894-421F-B0A3-450A0BD70801}" type="datetimeFigureOut">
               <a:rPr lang="zh-CN" altLang="en-US" smtClean="0"/>
-              <a:t>2014-4-3</a:t>
+              <a:t>2014-4-4</a:t>
             </a:fld>
             <a:endParaRPr lang="zh-CN" altLang="en-US"/>
           </a:p>
@@ -4166,7 +4170,7 @@
           <a:p>
             <a:fld id="{A51B94C0-3894-421F-B0A3-450A0BD70801}" type="datetimeFigureOut">
               <a:rPr lang="zh-CN" altLang="en-US" smtClean="0"/>
-              <a:t>2014-4-3</a:t>
+              <a:t>2014-4-4</a:t>
             </a:fld>
             <a:endParaRPr lang="zh-CN" altLang="en-US"/>
           </a:p>
@@ -4411,7 +4415,7 @@
           <a:p>
             <a:fld id="{A51B94C0-3894-421F-B0A3-450A0BD70801}" type="datetimeFigureOut">
               <a:rPr lang="zh-CN" altLang="en-US" smtClean="0"/>
-              <a:t>2014-4-3</a:t>
+              <a:t>2014-4-4</a:t>
             </a:fld>
             <a:endParaRPr lang="zh-CN" altLang="en-US"/>
           </a:p>
@@ -5100,6 +5104,577 @@
 </p:sld>
 </file>
 
+<file path=ppt/slides/slide10.xml><?xml version="1.0" encoding="utf-8"?>
+<p:sld xmlns:a="http://schemas.openxmlformats.org/drawingml/2006/main" xmlns:r="http://schemas.openxmlformats.org/officeDocument/2006/relationships" xmlns:p="http://schemas.openxmlformats.org/presentationml/2006/main">
+  <p:cSld>
+    <p:spTree>
+      <p:nvGrpSpPr>
+        <p:cNvPr id="1" name=""/>
+        <p:cNvGrpSpPr/>
+        <p:nvPr/>
+      </p:nvGrpSpPr>
+      <p:grpSpPr>
+        <a:xfrm>
+          <a:off x="0" y="0"/>
+          <a:ext cx="0" cy="0"/>
+          <a:chOff x="0" y="0"/>
+          <a:chExt cx="0" cy="0"/>
+        </a:xfrm>
+      </p:grpSpPr>
+      <p:sp>
+        <p:nvSpPr>
+          <p:cNvPr id="2" name="标题 1"/>
+          <p:cNvSpPr>
+            <a:spLocks noGrp="1"/>
+          </p:cNvSpPr>
+          <p:nvPr>
+            <p:ph type="title"/>
+          </p:nvPr>
+        </p:nvSpPr>
+        <p:spPr/>
+        <p:txBody>
+          <a:bodyPr/>
+          <a:lstStyle/>
+          <a:p>
+            <a:r>
+              <a:rPr lang="en-US" altLang="zh-CN" dirty="0" smtClean="0"/>
+              <a:t>Spark streaming---D-</a:t>
+            </a:r>
+            <a:r>
+              <a:rPr lang="en-US" altLang="zh-CN" dirty="0" err="1" smtClean="0"/>
+              <a:t>Strem</a:t>
+            </a:r>
+            <a:endParaRPr lang="zh-CN" altLang="en-US" dirty="0"/>
+          </a:p>
+        </p:txBody>
+      </p:sp>
+      <p:sp>
+        <p:nvSpPr>
+          <p:cNvPr id="3" name="内容占位符 2"/>
+          <p:cNvSpPr>
+            <a:spLocks noGrp="1"/>
+          </p:cNvSpPr>
+          <p:nvPr>
+            <p:ph sz="quarter" idx="1"/>
+          </p:nvPr>
+        </p:nvSpPr>
+        <p:spPr/>
+        <p:txBody>
+          <a:bodyPr/>
+          <a:lstStyle/>
+          <a:p>
+            <a:r>
+              <a:rPr lang="en-US" altLang="zh-CN" dirty="0" smtClean="0"/>
+              <a:t>Discretized streams: an efficient and fault-tolerant model for stream processing</a:t>
+            </a:r>
+          </a:p>
+          <a:p>
+            <a:r>
+              <a:rPr lang="en-US" altLang="zh-CN" dirty="0" smtClean="0"/>
+              <a:t>Series of deterministic batch computations on small time intervals</a:t>
+            </a:r>
+          </a:p>
+          <a:p>
+            <a:r>
+              <a:rPr lang="en-US" altLang="zh-CN" dirty="0" smtClean="0"/>
+              <a:t>Two types of operators</a:t>
+            </a:r>
+          </a:p>
+          <a:p>
+            <a:pPr marL="457200" indent="-457200">
+              <a:buAutoNum type="alphaLcParenR"/>
+            </a:pPr>
+            <a:r>
+              <a:rPr lang="en-US" altLang="zh-CN" dirty="0" smtClean="0"/>
+              <a:t>Transformation (stateless or </a:t>
+            </a:r>
+            <a:r>
+              <a:rPr lang="en-US" altLang="zh-CN" dirty="0" err="1" smtClean="0"/>
+              <a:t>stateful</a:t>
+            </a:r>
+            <a:r>
+              <a:rPr lang="en-US" altLang="zh-CN" dirty="0" smtClean="0"/>
+              <a:t>)</a:t>
+            </a:r>
+          </a:p>
+          <a:p>
+            <a:pPr marL="457200" indent="-457200">
+              <a:buAutoNum type="alphaLcParenR"/>
+            </a:pPr>
+            <a:r>
+              <a:rPr lang="en-US" altLang="zh-CN" dirty="0" smtClean="0"/>
+              <a:t>Output </a:t>
+            </a:r>
+          </a:p>
+          <a:p>
+            <a:pPr marL="0" indent="0">
+              <a:buNone/>
+            </a:pPr>
+            <a:endParaRPr lang="en-US" altLang="zh-CN" dirty="0"/>
+          </a:p>
+          <a:p>
+            <a:pPr marL="0" indent="0">
+              <a:buNone/>
+            </a:pPr>
+            <a:r>
+              <a:rPr lang="en-US" altLang="zh-CN" dirty="0" smtClean="0"/>
+              <a:t>Reuse all of the operators in Spark</a:t>
+            </a:r>
+            <a:endParaRPr lang="en-US" altLang="zh-CN" dirty="0"/>
+          </a:p>
+        </p:txBody>
+      </p:sp>
+    </p:spTree>
+    <p:extLst>
+      <p:ext uri="{BB962C8B-B14F-4D97-AF65-F5344CB8AC3E}">
+        <p14:creationId xmlns:p14="http://schemas.microsoft.com/office/powerpoint/2010/main" val="3916198495"/>
+      </p:ext>
+    </p:extLst>
+  </p:cSld>
+  <p:clrMapOvr>
+    <a:masterClrMapping/>
+  </p:clrMapOvr>
+  <p:timing>
+    <p:tnLst>
+      <p:par>
+        <p:cTn id="1" dur="indefinite" restart="never" nodeType="tmRoot"/>
+      </p:par>
+    </p:tnLst>
+  </p:timing>
+</p:sld>
+</file>
+
+<file path=ppt/slides/slide11.xml><?xml version="1.0" encoding="utf-8"?>
+<p:sld xmlns:a="http://schemas.openxmlformats.org/drawingml/2006/main" xmlns:r="http://schemas.openxmlformats.org/officeDocument/2006/relationships" xmlns:p="http://schemas.openxmlformats.org/presentationml/2006/main">
+  <p:cSld>
+    <p:spTree>
+      <p:nvGrpSpPr>
+        <p:cNvPr id="1" name=""/>
+        <p:cNvGrpSpPr/>
+        <p:nvPr/>
+      </p:nvGrpSpPr>
+      <p:grpSpPr>
+        <a:xfrm>
+          <a:off x="0" y="0"/>
+          <a:ext cx="0" cy="0"/>
+          <a:chOff x="0" y="0"/>
+          <a:chExt cx="0" cy="0"/>
+        </a:xfrm>
+      </p:grpSpPr>
+      <p:sp>
+        <p:nvSpPr>
+          <p:cNvPr id="2" name="标题 1"/>
+          <p:cNvSpPr>
+            <a:spLocks noGrp="1"/>
+          </p:cNvSpPr>
+          <p:nvPr>
+            <p:ph type="title"/>
+          </p:nvPr>
+        </p:nvSpPr>
+        <p:spPr/>
+        <p:txBody>
+          <a:bodyPr/>
+          <a:lstStyle/>
+          <a:p>
+            <a:r>
+              <a:rPr lang="en-US" altLang="zh-CN" dirty="0" smtClean="0"/>
+              <a:t>Spark streaming --- </a:t>
+            </a:r>
+            <a:r>
+              <a:rPr lang="en-US" altLang="zh-CN" dirty="0" err="1" smtClean="0"/>
+              <a:t>dstream</a:t>
+            </a:r>
+            <a:endParaRPr lang="zh-CN" altLang="en-US" dirty="0"/>
+          </a:p>
+        </p:txBody>
+      </p:sp>
+      <p:sp>
+        <p:nvSpPr>
+          <p:cNvPr id="3" name="内容占位符 2"/>
+          <p:cNvSpPr>
+            <a:spLocks noGrp="1"/>
+          </p:cNvSpPr>
+          <p:nvPr>
+            <p:ph sz="quarter" idx="1"/>
+          </p:nvPr>
+        </p:nvSpPr>
+        <p:spPr/>
+        <p:txBody>
+          <a:bodyPr/>
+          <a:lstStyle/>
+          <a:p>
+            <a:pPr marL="0" indent="0">
+              <a:buNone/>
+            </a:pPr>
+            <a:r>
+              <a:rPr lang="en-US" altLang="zh-CN" dirty="0" err="1" smtClean="0"/>
+              <a:t>pageViews</a:t>
+            </a:r>
+            <a:r>
+              <a:rPr lang="en-US" altLang="zh-CN" dirty="0" smtClean="0"/>
+              <a:t> = </a:t>
+            </a:r>
+            <a:r>
+              <a:rPr lang="en-US" altLang="zh-CN" dirty="0" err="1" smtClean="0"/>
+              <a:t>readStream</a:t>
+            </a:r>
+            <a:r>
+              <a:rPr lang="en-US" altLang="zh-CN" dirty="0" smtClean="0"/>
+              <a:t>(“http://a.com”,  “</a:t>
+            </a:r>
+            <a:r>
+              <a:rPr lang="en-US" altLang="zh-CN" dirty="0" err="1" smtClean="0"/>
+              <a:t>ls</a:t>
+            </a:r>
+            <a:r>
+              <a:rPr lang="en-US" altLang="zh-CN" dirty="0" smtClean="0"/>
+              <a:t>”)</a:t>
+            </a:r>
+          </a:p>
+          <a:p>
+            <a:pPr marL="0" indent="0">
+              <a:buNone/>
+            </a:pPr>
+            <a:r>
+              <a:rPr lang="en-US" altLang="zh-CN" dirty="0" smtClean="0"/>
+              <a:t>ones = </a:t>
+            </a:r>
+            <a:r>
+              <a:rPr lang="en-US" altLang="zh-CN" dirty="0" err="1" smtClean="0"/>
+              <a:t>pageViews.map</a:t>
+            </a:r>
+            <a:r>
+              <a:rPr lang="en-US" altLang="zh-CN" dirty="0" smtClean="0"/>
+              <a:t>(event =&gt; (event.url, 1))</a:t>
+            </a:r>
+          </a:p>
+          <a:p>
+            <a:pPr marL="0" indent="0">
+              <a:buNone/>
+            </a:pPr>
+            <a:r>
+              <a:rPr lang="en-US" altLang="zh-CN" dirty="0" smtClean="0"/>
+              <a:t>Counts = </a:t>
+            </a:r>
+            <a:r>
+              <a:rPr lang="en-US" altLang="zh-CN" dirty="0" err="1" smtClean="0"/>
+              <a:t>ones.runningReduce</a:t>
+            </a:r>
+            <a:r>
+              <a:rPr lang="en-US" altLang="zh-CN" dirty="0" smtClean="0"/>
+              <a:t>((</a:t>
+            </a:r>
+            <a:r>
+              <a:rPr lang="en-US" altLang="zh-CN" dirty="0" err="1" smtClean="0"/>
+              <a:t>a,b</a:t>
+            </a:r>
+            <a:r>
+              <a:rPr lang="en-US" altLang="zh-CN" dirty="0" smtClean="0"/>
+              <a:t>) =&gt; </a:t>
+            </a:r>
+            <a:r>
+              <a:rPr lang="en-US" altLang="zh-CN" dirty="0" err="1" smtClean="0"/>
+              <a:t>a+b</a:t>
+            </a:r>
+            <a:r>
+              <a:rPr lang="en-US" altLang="zh-CN" dirty="0" smtClean="0"/>
+              <a:t>)</a:t>
+            </a:r>
+          </a:p>
+          <a:p>
+            <a:pPr marL="0" indent="0">
+              <a:buNone/>
+            </a:pPr>
+            <a:endParaRPr lang="en-US" altLang="zh-CN" dirty="0"/>
+          </a:p>
+          <a:p>
+            <a:pPr marL="0" indent="0">
+              <a:buNone/>
+            </a:pPr>
+            <a:r>
+              <a:rPr lang="en-US" altLang="zh-CN" dirty="0" err="1" smtClean="0"/>
+              <a:t>Stateful</a:t>
+            </a:r>
+            <a:r>
+              <a:rPr lang="en-US" altLang="zh-CN" dirty="0" smtClean="0"/>
+              <a:t> operators:</a:t>
+            </a:r>
+          </a:p>
+          <a:p>
+            <a:pPr marL="0" indent="0">
+              <a:buNone/>
+            </a:pPr>
+            <a:r>
+              <a:rPr lang="en-US" altLang="zh-CN" dirty="0" smtClean="0"/>
+              <a:t>a) </a:t>
+            </a:r>
+            <a:r>
+              <a:rPr lang="en-US" altLang="zh-CN" dirty="0" err="1" smtClean="0"/>
+              <a:t>Windowding</a:t>
+            </a:r>
+            <a:endParaRPr lang="en-US" altLang="zh-CN" dirty="0" smtClean="0"/>
+          </a:p>
+          <a:p>
+            <a:pPr marL="0" indent="0">
+              <a:buNone/>
+            </a:pPr>
+            <a:r>
+              <a:rPr lang="en-US" altLang="zh-CN" dirty="0" err="1" smtClean="0"/>
+              <a:t>Pairs.window</a:t>
+            </a:r>
+            <a:r>
+              <a:rPr lang="en-US" altLang="zh-CN" dirty="0" smtClean="0"/>
+              <a:t>(“5s”).</a:t>
+            </a:r>
+            <a:r>
+              <a:rPr lang="en-US" altLang="zh-CN" dirty="0" err="1" smtClean="0"/>
+              <a:t>reduceByKey</a:t>
+            </a:r>
+            <a:r>
+              <a:rPr lang="en-US" altLang="zh-CN" dirty="0" smtClean="0"/>
+              <a:t>(_+_)</a:t>
+            </a:r>
+          </a:p>
+          <a:p>
+            <a:pPr marL="0" indent="0">
+              <a:buNone/>
+            </a:pPr>
+            <a:r>
+              <a:rPr lang="en-US" altLang="zh-CN" dirty="0" smtClean="0"/>
+              <a:t>b) Incremental aggregation:</a:t>
+            </a:r>
+          </a:p>
+          <a:p>
+            <a:pPr marL="0" indent="0">
+              <a:buNone/>
+            </a:pPr>
+            <a:r>
+              <a:rPr lang="en-US" altLang="zh-CN" dirty="0" err="1" smtClean="0"/>
+              <a:t>Pairs.reduceByWindow</a:t>
+            </a:r>
+            <a:r>
+              <a:rPr lang="en-US" altLang="zh-CN" dirty="0" smtClean="0"/>
+              <a:t>(“5s”, (</a:t>
+            </a:r>
+            <a:r>
+              <a:rPr lang="en-US" altLang="zh-CN" dirty="0" err="1" smtClean="0"/>
+              <a:t>a,b</a:t>
+            </a:r>
+            <a:r>
+              <a:rPr lang="en-US" altLang="zh-CN" dirty="0" smtClean="0"/>
+              <a:t>)=&gt;</a:t>
+            </a:r>
+            <a:r>
+              <a:rPr lang="en-US" altLang="zh-CN" dirty="0" err="1" smtClean="0"/>
+              <a:t>a+b</a:t>
+            </a:r>
+            <a:r>
+              <a:rPr lang="en-US" altLang="zh-CN" dirty="0" smtClean="0"/>
+              <a:t>)</a:t>
+            </a:r>
+          </a:p>
+          <a:p>
+            <a:pPr marL="0" indent="0">
+              <a:buNone/>
+            </a:pPr>
+            <a:r>
+              <a:rPr lang="en-US" altLang="zh-CN" dirty="0" smtClean="0"/>
+              <a:t>c) </a:t>
+            </a:r>
+            <a:r>
+              <a:rPr lang="en-US" altLang="zh-CN" dirty="0"/>
+              <a:t>T</a:t>
+            </a:r>
+            <a:r>
+              <a:rPr lang="en-US" altLang="zh-CN" dirty="0" smtClean="0"/>
+              <a:t>ime-skewed joins</a:t>
+            </a:r>
+          </a:p>
+          <a:p>
+            <a:pPr marL="0" indent="0">
+              <a:buNone/>
+            </a:pPr>
+            <a:endParaRPr lang="en-US" altLang="zh-CN" dirty="0" smtClean="0"/>
+          </a:p>
+          <a:p>
+            <a:pPr marL="0" indent="0">
+              <a:buNone/>
+            </a:pPr>
+            <a:endParaRPr lang="en-US" altLang="zh-CN" dirty="0" smtClean="0"/>
+          </a:p>
+          <a:p>
+            <a:endParaRPr lang="en-US" altLang="zh-CN" dirty="0" smtClean="0"/>
+          </a:p>
+          <a:p>
+            <a:endParaRPr lang="en-US" altLang="zh-CN" dirty="0" smtClean="0"/>
+          </a:p>
+          <a:p>
+            <a:endParaRPr lang="zh-CN" altLang="en-US" dirty="0"/>
+          </a:p>
+        </p:txBody>
+      </p:sp>
+    </p:spTree>
+    <p:extLst>
+      <p:ext uri="{BB962C8B-B14F-4D97-AF65-F5344CB8AC3E}">
+        <p14:creationId xmlns:p14="http://schemas.microsoft.com/office/powerpoint/2010/main" val="121755027"/>
+      </p:ext>
+    </p:extLst>
+  </p:cSld>
+  <p:clrMapOvr>
+    <a:masterClrMapping/>
+  </p:clrMapOvr>
+  <p:timing>
+    <p:tnLst>
+      <p:par>
+        <p:cTn id="1" dur="indefinite" restart="never" nodeType="tmRoot"/>
+      </p:par>
+    </p:tnLst>
+  </p:timing>
+</p:sld>
+</file>
+
+<file path=ppt/slides/slide12.xml><?xml version="1.0" encoding="utf-8"?>
+<p:sld xmlns:a="http://schemas.openxmlformats.org/drawingml/2006/main" xmlns:r="http://schemas.openxmlformats.org/officeDocument/2006/relationships" xmlns:p="http://schemas.openxmlformats.org/presentationml/2006/main">
+  <p:cSld>
+    <p:spTree>
+      <p:nvGrpSpPr>
+        <p:cNvPr id="1" name=""/>
+        <p:cNvGrpSpPr/>
+        <p:nvPr/>
+      </p:nvGrpSpPr>
+      <p:grpSpPr>
+        <a:xfrm>
+          <a:off x="0" y="0"/>
+          <a:ext cx="0" cy="0"/>
+          <a:chOff x="0" y="0"/>
+          <a:chExt cx="0" cy="0"/>
+        </a:xfrm>
+      </p:grpSpPr>
+      <p:sp>
+        <p:nvSpPr>
+          <p:cNvPr id="2" name="标题 1"/>
+          <p:cNvSpPr>
+            <a:spLocks noGrp="1"/>
+          </p:cNvSpPr>
+          <p:nvPr>
+            <p:ph type="title"/>
+          </p:nvPr>
+        </p:nvSpPr>
+        <p:spPr/>
+        <p:txBody>
+          <a:bodyPr/>
+          <a:lstStyle/>
+          <a:p>
+            <a:r>
+              <a:rPr lang="en-US" altLang="zh-CN" dirty="0" smtClean="0"/>
+              <a:t>Spark stream -- </a:t>
+            </a:r>
+            <a:r>
+              <a:rPr lang="en-US" altLang="zh-CN" dirty="0" err="1" smtClean="0"/>
+              <a:t>dstream</a:t>
+            </a:r>
+            <a:endParaRPr lang="zh-CN" altLang="en-US" dirty="0"/>
+          </a:p>
+        </p:txBody>
+      </p:sp>
+      <p:sp>
+        <p:nvSpPr>
+          <p:cNvPr id="3" name="内容占位符 2"/>
+          <p:cNvSpPr>
+            <a:spLocks noGrp="1"/>
+          </p:cNvSpPr>
+          <p:nvPr>
+            <p:ph sz="quarter" idx="1"/>
+          </p:nvPr>
+        </p:nvSpPr>
+        <p:spPr/>
+        <p:txBody>
+          <a:bodyPr/>
+          <a:lstStyle/>
+          <a:p>
+            <a:pPr marL="0" indent="0">
+              <a:buNone/>
+            </a:pPr>
+            <a:r>
+              <a:rPr lang="en-US" altLang="zh-CN" dirty="0" smtClean="0"/>
+              <a:t>Fault </a:t>
+            </a:r>
+            <a:r>
+              <a:rPr lang="en-US" altLang="zh-CN" dirty="0"/>
+              <a:t>tolerance, </a:t>
+            </a:r>
+          </a:p>
+          <a:p>
+            <a:pPr marL="457200" indent="-457200">
+              <a:buAutoNum type="alphaLcParenR"/>
+            </a:pPr>
+            <a:r>
+              <a:rPr lang="en-US" altLang="zh-CN" dirty="0" smtClean="0"/>
+              <a:t>Replication (not cost-effective)</a:t>
+            </a:r>
+            <a:endParaRPr lang="en-US" altLang="zh-CN" dirty="0"/>
+          </a:p>
+          <a:p>
+            <a:pPr marL="457200" indent="-457200">
+              <a:buAutoNum type="alphaLcParenR"/>
+            </a:pPr>
+            <a:r>
+              <a:rPr lang="en-US" altLang="zh-CN" dirty="0"/>
+              <a:t>Upstream </a:t>
+            </a:r>
+            <a:r>
+              <a:rPr lang="en-US" altLang="zh-CN" dirty="0" smtClean="0"/>
+              <a:t>backup (long recovery time)</a:t>
+            </a:r>
+            <a:endParaRPr lang="en-US" altLang="zh-CN" dirty="0"/>
+          </a:p>
+          <a:p>
+            <a:pPr marL="457200" indent="-457200">
+              <a:buAutoNum type="alphaLcParenR"/>
+            </a:pPr>
+            <a:r>
+              <a:rPr lang="en-US" altLang="zh-CN" dirty="0"/>
+              <a:t>Parallel </a:t>
+            </a:r>
+            <a:r>
+              <a:rPr lang="en-US" altLang="zh-CN" dirty="0" smtClean="0"/>
+              <a:t>recover (D-stream method)</a:t>
+            </a:r>
+          </a:p>
+          <a:p>
+            <a:pPr marL="0" indent="0">
+              <a:buNone/>
+            </a:pPr>
+            <a:endParaRPr lang="en-US" altLang="zh-CN" dirty="0"/>
+          </a:p>
+          <a:p>
+            <a:r>
+              <a:rPr lang="en-US" altLang="zh-CN" dirty="0" smtClean="0"/>
+              <a:t>Periodically checkpoints some of the state RDDs</a:t>
+            </a:r>
+          </a:p>
+          <a:p>
+            <a:r>
+              <a:rPr lang="en-US" altLang="zh-CN" dirty="0" smtClean="0"/>
+              <a:t>Deterministic transformations at the coarse granularity of RDD partitions</a:t>
+            </a:r>
+            <a:endParaRPr lang="zh-CN" altLang="en-US" dirty="0"/>
+          </a:p>
+        </p:txBody>
+      </p:sp>
+    </p:spTree>
+    <p:extLst>
+      <p:ext uri="{BB962C8B-B14F-4D97-AF65-F5344CB8AC3E}">
+        <p14:creationId xmlns:p14="http://schemas.microsoft.com/office/powerpoint/2010/main" val="2813716129"/>
+      </p:ext>
+    </p:extLst>
+  </p:cSld>
+  <p:clrMapOvr>
+    <a:masterClrMapping/>
+  </p:clrMapOvr>
+</p:sld>
+</file>
+
 <file path=ppt/slides/slide2.xml><?xml version="1.0" encoding="utf-8"?>
 <p:sld xmlns:a="http://schemas.openxmlformats.org/drawingml/2006/main" xmlns:r="http://schemas.openxmlformats.org/officeDocument/2006/relationships" xmlns:p="http://schemas.openxmlformats.org/presentationml/2006/main">
   <p:cSld>
@@ -5780,18 +6355,16 @@
           <a:bodyPr/>
           <a:lstStyle/>
           <a:p>
-            <a:r>
-              <a:rPr lang="en-US" altLang="zh-CN" dirty="0" smtClean="0"/>
-              <a:t>Two type of dependencies: </a:t>
-            </a:r>
-          </a:p>
-          <a:p>
             <a:pPr marL="0" indent="0">
               <a:buNone/>
             </a:pPr>
             <a:r>
-              <a:rPr lang="en-US" altLang="zh-CN" dirty="0" smtClean="0"/>
-              <a:t>a) Narrow dependencies</a:t>
+              <a:rPr lang="en-US" altLang="zh-CN" dirty="0" err="1" smtClean="0"/>
+              <a:t>Abstrct</a:t>
+            </a:r>
+            <a:r>
+              <a:rPr lang="en-US" altLang="zh-CN" dirty="0" smtClean="0"/>
+              <a:t> class RDD </a:t>
             </a:r>
           </a:p>
           <a:p>
@@ -5799,9 +6372,10 @@
               <a:buNone/>
             </a:pPr>
             <a:r>
-              <a:rPr lang="en-US" altLang="zh-CN" dirty="0" smtClean="0"/>
-              <a:t>Each partition depends on a constant number of partitions of the parent</a:t>
-            </a:r>
+              <a:rPr lang="en-US" altLang="zh-CN" dirty="0" err="1" smtClean="0"/>
+              <a:t>MappedRDD</a:t>
+            </a:r>
+            <a:endParaRPr lang="en-US" altLang="zh-CN" dirty="0" smtClean="0"/>
           </a:p>
           <a:p>
             <a:pPr marL="0" indent="0">
@@ -5809,47 +6383,41 @@
             </a:pPr>
             <a:r>
               <a:rPr lang="en-US" altLang="zh-CN" dirty="0" smtClean="0"/>
-              <a:t>e.g. map, filter </a:t>
+              <a:t>override </a:t>
+            </a:r>
+            <a:r>
+              <a:rPr lang="en-US" altLang="zh-CN" dirty="0" err="1" smtClean="0"/>
+              <a:t>def</a:t>
+            </a:r>
+            <a:r>
+              <a:rPr lang="en-US" altLang="zh-CN" dirty="0" smtClean="0"/>
+              <a:t> compute(split: Partition, context: </a:t>
+            </a:r>
+            <a:r>
+              <a:rPr lang="en-US" altLang="zh-CN" dirty="0" err="1" smtClean="0"/>
+              <a:t>TaskContext</a:t>
+            </a:r>
+            <a:r>
+              <a:rPr lang="en-US" altLang="zh-CN" dirty="0" smtClean="0"/>
+              <a:t>) </a:t>
             </a:r>
           </a:p>
           <a:p>
             <a:pPr marL="0" indent="0">
               <a:buNone/>
             </a:pPr>
-            <a:endParaRPr lang="en-US" altLang="zh-CN" dirty="0"/>
-          </a:p>
-          <a:p>
-            <a:pPr marL="0" indent="0">
-              <a:buNone/>
-            </a:pPr>
-            <a:r>
-              <a:rPr lang="en-US" altLang="zh-CN" dirty="0" smtClean="0"/>
-              <a:t>b) Wide dependencies</a:t>
-            </a:r>
-          </a:p>
-          <a:p>
-            <a:pPr marL="0" indent="0">
-              <a:buNone/>
-            </a:pPr>
-            <a:r>
-              <a:rPr lang="en-US" altLang="zh-CN" dirty="0" smtClean="0"/>
-              <a:t>Each partition of the child can depend on data from all partitions of the parent</a:t>
-            </a:r>
-          </a:p>
-          <a:p>
-            <a:pPr marL="0" indent="0">
-              <a:buNone/>
-            </a:pPr>
-            <a:r>
-              <a:rPr lang="en-US" altLang="zh-CN" dirty="0" smtClean="0"/>
-              <a:t>e.g. join ( parent not hash-partitioned)</a:t>
-            </a:r>
-          </a:p>
-          <a:p>
-            <a:pPr marL="0" indent="0">
-              <a:buNone/>
-            </a:pPr>
-            <a:endParaRPr lang="en-US" altLang="zh-CN" dirty="0"/>
+            <a:r>
+              <a:rPr lang="en-US" altLang="zh-CN" dirty="0" smtClean="0"/>
+              <a:t>=  </a:t>
+            </a:r>
+            <a:r>
+              <a:rPr lang="en-US" altLang="zh-CN" dirty="0" err="1" smtClean="0"/>
+              <a:t>firstParent</a:t>
+            </a:r>
+            <a:r>
+              <a:rPr lang="en-US" altLang="zh-CN" dirty="0" smtClean="0"/>
+              <a:t>[T].iterator(split, context).map(f)</a:t>
+            </a:r>
           </a:p>
           <a:p>
             <a:pPr marL="0" indent="0">
@@ -5857,12 +6425,71 @@
             </a:pPr>
             <a:endParaRPr lang="en-US" altLang="zh-CN" dirty="0" smtClean="0"/>
           </a:p>
+          <a:p>
+            <a:pPr marL="0" indent="0">
+              <a:buNone/>
+            </a:pPr>
+            <a:r>
+              <a:rPr lang="en-US" altLang="zh-CN" dirty="0" err="1" smtClean="0"/>
+              <a:t>FilteredRDD</a:t>
+            </a:r>
+            <a:endParaRPr lang="en-US" altLang="zh-CN" dirty="0" smtClean="0"/>
+          </a:p>
+          <a:p>
+            <a:pPr marL="0" indent="0">
+              <a:buNone/>
+            </a:pPr>
+            <a:r>
+              <a:rPr lang="en-US" altLang="zh-CN" dirty="0" smtClean="0"/>
+              <a:t>override </a:t>
+            </a:r>
+            <a:r>
+              <a:rPr lang="en-US" altLang="zh-CN" dirty="0" err="1" smtClean="0"/>
+              <a:t>def</a:t>
+            </a:r>
+            <a:r>
+              <a:rPr lang="en-US" altLang="zh-CN" dirty="0" smtClean="0"/>
+              <a:t> compute(split: Partition, context: </a:t>
+            </a:r>
+            <a:r>
+              <a:rPr lang="en-US" altLang="zh-CN" dirty="0" err="1" smtClean="0"/>
+              <a:t>TaskContext</a:t>
+            </a:r>
+            <a:r>
+              <a:rPr lang="en-US" altLang="zh-CN" dirty="0" smtClean="0"/>
+              <a:t>)</a:t>
+            </a:r>
+          </a:p>
+          <a:p>
+            <a:pPr marL="0" indent="0">
+              <a:buNone/>
+            </a:pPr>
+            <a:r>
+              <a:rPr lang="en-US" altLang="zh-CN" dirty="0" smtClean="0"/>
+              <a:t>= </a:t>
+            </a:r>
+            <a:r>
+              <a:rPr lang="en-US" altLang="zh-CN" dirty="0" err="1" smtClean="0"/>
+              <a:t>firstParent</a:t>
+            </a:r>
+            <a:r>
+              <a:rPr lang="en-US" altLang="zh-CN" dirty="0" smtClean="0"/>
+              <a:t>[T].iterator(split, context).filter(f)</a:t>
+            </a:r>
+            <a:endParaRPr lang="en-US" altLang="zh-CN" dirty="0"/>
+          </a:p>
+          <a:p>
+            <a:endParaRPr lang="en-US" altLang="zh-CN" dirty="0" smtClean="0"/>
+          </a:p>
+          <a:p>
+            <a:endParaRPr lang="zh-CN" altLang="en-US" dirty="0"/>
+          </a:p>
         </p:txBody>
       </p:sp>
     </p:spTree>
     <p:extLst>
       <p:ext uri="{BB962C8B-B14F-4D97-AF65-F5344CB8AC3E}">
-        <p14:creationId xmlns:p14="http://schemas.microsoft.com/office/powerpoint/2010/main" val="1153043406"/>
+        <p14:creationId xmlns:p14="http://schemas.microsoft.com/office/powerpoint/2010/main" val="417172266"/>
       </p:ext>
     </p:extLst>
   </p:cSld>
@@ -5919,10 +6546,6 @@
               <a:rPr lang="en-US" altLang="zh-CN" dirty="0" err="1" smtClean="0"/>
               <a:t>rdd</a:t>
             </a:r>
-            <a:r>
-              <a:rPr lang="en-US" altLang="zh-CN" dirty="0" smtClean="0"/>
-              <a:t> scheduler</a:t>
-            </a:r>
             <a:endParaRPr lang="zh-CN" altLang="en-US" dirty="0"/>
           </a:p>
         </p:txBody>
@@ -5944,30 +6567,87 @@
           <a:p>
             <a:r>
               <a:rPr lang="en-US" altLang="zh-CN" dirty="0" smtClean="0"/>
-              <a:t>Build a DAG of stages to execute </a:t>
-            </a:r>
-          </a:p>
-          <a:p>
-            <a:r>
-              <a:rPr lang="en-US" altLang="zh-CN" dirty="0" smtClean="0"/>
-              <a:t>Stage contains as many pipelined transformations with narrow dependencies as possible</a:t>
-            </a:r>
-          </a:p>
-          <a:p>
-            <a:r>
-              <a:rPr lang="en-US" altLang="zh-CN" dirty="0" smtClean="0"/>
-              <a:t>Boundary of the stages are the shuffle operations required for wide dependencies ore cached partitions</a:t>
-            </a:r>
-          </a:p>
-          <a:p>
-            <a:endParaRPr lang="zh-CN" altLang="en-US" dirty="0"/>
+              <a:t>Two type of dependencies: </a:t>
+            </a:r>
+          </a:p>
+          <a:p>
+            <a:pPr marL="0" indent="0">
+              <a:buNone/>
+            </a:pPr>
+            <a:r>
+              <a:rPr lang="en-US" altLang="zh-CN" dirty="0" smtClean="0"/>
+              <a:t>a) Narrow dependencies</a:t>
+            </a:r>
+          </a:p>
+          <a:p>
+            <a:pPr marL="0" indent="0">
+              <a:buNone/>
+            </a:pPr>
+            <a:r>
+              <a:rPr lang="en-US" altLang="zh-CN" dirty="0" smtClean="0"/>
+              <a:t>Each partition depends on a constant number of partitions of the parent</a:t>
+            </a:r>
+          </a:p>
+          <a:p>
+            <a:pPr marL="0" indent="0">
+              <a:buNone/>
+            </a:pPr>
+            <a:r>
+              <a:rPr lang="en-US" altLang="zh-CN" dirty="0" smtClean="0"/>
+              <a:t>e.g. map, filter </a:t>
+            </a:r>
+          </a:p>
+          <a:p>
+            <a:pPr marL="0" indent="0">
+              <a:buNone/>
+            </a:pPr>
+            <a:endParaRPr lang="en-US" altLang="zh-CN" dirty="0"/>
+          </a:p>
+          <a:p>
+            <a:pPr marL="0" indent="0">
+              <a:buNone/>
+            </a:pPr>
+            <a:r>
+              <a:rPr lang="en-US" altLang="zh-CN" dirty="0" smtClean="0"/>
+              <a:t>b) Wide dependencies</a:t>
+            </a:r>
+          </a:p>
+          <a:p>
+            <a:pPr marL="0" indent="0">
+              <a:buNone/>
+            </a:pPr>
+            <a:r>
+              <a:rPr lang="en-US" altLang="zh-CN" dirty="0" smtClean="0"/>
+              <a:t>Each partition of the child can depend on data from all partitions of the parent</a:t>
+            </a:r>
+          </a:p>
+          <a:p>
+            <a:pPr marL="0" indent="0">
+              <a:buNone/>
+            </a:pPr>
+            <a:r>
+              <a:rPr lang="en-US" altLang="zh-CN" dirty="0" smtClean="0"/>
+              <a:t>e.g. join ( parent not hash-partitioned)</a:t>
+            </a:r>
+          </a:p>
+          <a:p>
+            <a:pPr marL="0" indent="0">
+              <a:buNone/>
+            </a:pPr>
+            <a:endParaRPr lang="en-US" altLang="zh-CN" dirty="0"/>
+          </a:p>
+          <a:p>
+            <a:pPr marL="0" indent="0">
+              <a:buNone/>
+            </a:pPr>
+            <a:endParaRPr lang="en-US" altLang="zh-CN" dirty="0" smtClean="0"/>
           </a:p>
         </p:txBody>
       </p:sp>
     </p:spTree>
     <p:extLst>
       <p:ext uri="{BB962C8B-B14F-4D97-AF65-F5344CB8AC3E}">
-        <p14:creationId xmlns:p14="http://schemas.microsoft.com/office/powerpoint/2010/main" val="2780575731"/>
+        <p14:creationId xmlns:p14="http://schemas.microsoft.com/office/powerpoint/2010/main" val="1153043406"/>
       </p:ext>
     </p:extLst>
   </p:cSld>
@@ -6024,6 +6704,10 @@
               <a:rPr lang="en-US" altLang="zh-CN" dirty="0" err="1" smtClean="0"/>
               <a:t>rdd</a:t>
             </a:r>
+            <a:r>
+              <a:rPr lang="en-US" altLang="zh-CN" dirty="0" smtClean="0"/>
+              <a:t> scheduler</a:t>
+            </a:r>
             <a:endParaRPr lang="zh-CN" altLang="en-US" dirty="0"/>
           </a:p>
         </p:txBody>
@@ -6039,6 +6723,129 @@
           </p:nvPr>
         </p:nvSpPr>
         <p:spPr/>
+        <p:txBody>
+          <a:bodyPr/>
+          <a:lstStyle/>
+          <a:p>
+            <a:r>
+              <a:rPr lang="en-US" altLang="zh-CN" dirty="0" smtClean="0"/>
+              <a:t>Build a DAG of stages to execute </a:t>
+            </a:r>
+          </a:p>
+          <a:p>
+            <a:r>
+              <a:rPr lang="en-US" altLang="zh-CN" dirty="0" smtClean="0"/>
+              <a:t>Stage contains as many pipelined transformations with narrow dependencies as possible</a:t>
+            </a:r>
+          </a:p>
+          <a:p>
+            <a:r>
+              <a:rPr lang="en-US" altLang="zh-CN" dirty="0" smtClean="0"/>
+              <a:t>Boundary of the stages are the shuffle operations required for wide dependencies ore cached </a:t>
+            </a:r>
+            <a:r>
+              <a:rPr lang="en-US" altLang="zh-CN" dirty="0" smtClean="0"/>
+              <a:t>partitions</a:t>
+            </a:r>
+          </a:p>
+          <a:p>
+            <a:r>
+              <a:rPr lang="en-US" altLang="zh-CN" dirty="0" err="1" smtClean="0"/>
+              <a:t>Checkpointing</a:t>
+            </a:r>
+            <a:r>
+              <a:rPr lang="en-US" altLang="zh-CN" dirty="0" smtClean="0"/>
+              <a:t> RDD with long lineage graphs of wide dependencies</a:t>
+            </a:r>
+          </a:p>
+          <a:p>
+            <a:endParaRPr lang="en-US" altLang="zh-CN" dirty="0" smtClean="0"/>
+          </a:p>
+          <a:p>
+            <a:endParaRPr lang="zh-CN" altLang="en-US" dirty="0"/>
+          </a:p>
+        </p:txBody>
+      </p:sp>
+    </p:spTree>
+    <p:extLst>
+      <p:ext uri="{BB962C8B-B14F-4D97-AF65-F5344CB8AC3E}">
+        <p14:creationId xmlns:p14="http://schemas.microsoft.com/office/powerpoint/2010/main" val="2780575731"/>
+      </p:ext>
+    </p:extLst>
+  </p:cSld>
+  <p:clrMapOvr>
+    <a:masterClrMapping/>
+  </p:clrMapOvr>
+  <p:timing>
+    <p:tnLst>
+      <p:par>
+        <p:cTn id="1" dur="indefinite" restart="never" nodeType="tmRoot"/>
+      </p:par>
+    </p:tnLst>
+  </p:timing>
+</p:sld>
+</file>
+
+<file path=ppt/slides/slide9.xml><?xml version="1.0" encoding="utf-8"?>
+<p:sld xmlns:a="http://schemas.openxmlformats.org/drawingml/2006/main" xmlns:r="http://schemas.openxmlformats.org/officeDocument/2006/relationships" xmlns:p="http://schemas.openxmlformats.org/presentationml/2006/main">
+  <p:cSld>
+    <p:spTree>
+      <p:nvGrpSpPr>
+        <p:cNvPr id="1" name=""/>
+        <p:cNvGrpSpPr/>
+        <p:nvPr/>
+      </p:nvGrpSpPr>
+      <p:grpSpPr>
+        <a:xfrm>
+          <a:off x="0" y="0"/>
+          <a:ext cx="0" cy="0"/>
+          <a:chOff x="0" y="0"/>
+          <a:chExt cx="0" cy="0"/>
+        </a:xfrm>
+      </p:grpSpPr>
+      <p:sp>
+        <p:nvSpPr>
+          <p:cNvPr id="2" name="标题 1"/>
+          <p:cNvSpPr>
+            <a:spLocks noGrp="1"/>
+          </p:cNvSpPr>
+          <p:nvPr>
+            <p:ph type="title"/>
+          </p:nvPr>
+        </p:nvSpPr>
+        <p:spPr/>
+        <p:txBody>
+          <a:bodyPr/>
+          <a:lstStyle/>
+          <a:p>
+            <a:r>
+              <a:rPr lang="en-US" altLang="zh-CN" dirty="0" smtClean="0"/>
+              <a:t>Spark </a:t>
+            </a:r>
+            <a:r>
+              <a:rPr lang="en-US" altLang="zh-CN" dirty="0" err="1" smtClean="0"/>
+              <a:t>rdd</a:t>
+            </a:r>
+            <a:endParaRPr lang="zh-CN" altLang="en-US" dirty="0"/>
+          </a:p>
+        </p:txBody>
+      </p:sp>
+      <p:sp>
+        <p:nvSpPr>
+          <p:cNvPr id="3" name="内容占位符 2"/>
+          <p:cNvSpPr>
+            <a:spLocks noGrp="1"/>
+          </p:cNvSpPr>
+          <p:nvPr>
+            <p:ph sz="quarter" idx="1"/>
+          </p:nvPr>
+        </p:nvSpPr>
+        <p:spPr>
+          <a:xfrm>
+            <a:off x="457200" y="1600200"/>
+            <a:ext cx="7501096" cy="4873752"/>
+          </a:xfrm>
+        </p:spPr>
         <p:txBody>
           <a:bodyPr/>
           <a:lstStyle/>
@@ -8494,6 +9301,247 @@
             <a:r>
               <a:rPr lang="en-US" altLang="zh-CN" dirty="0" smtClean="0"/>
               <a:t>join</a:t>
+            </a:r>
+            <a:endParaRPr lang="zh-CN" altLang="en-US" dirty="0"/>
+          </a:p>
+        </p:txBody>
+      </p:sp>
+      <p:sp>
+        <p:nvSpPr>
+          <p:cNvPr id="10" name="圆角矩形 9"/>
+          <p:cNvSpPr/>
+          <p:nvPr/>
+        </p:nvSpPr>
+        <p:spPr>
+          <a:xfrm>
+            <a:off x="112391" y="1509844"/>
+            <a:ext cx="2906746" cy="2054116"/>
+          </a:xfrm>
+          <a:prstGeom prst="roundRect">
+            <a:avLst/>
+          </a:prstGeom>
+          <a:solidFill>
+            <a:schemeClr val="accent1">
+              <a:alpha val="0"/>
+            </a:schemeClr>
+          </a:solidFill>
+          <a:ln cmpd="dbl">
+            <a:solidFill>
+              <a:schemeClr val="accent1">
+                <a:shade val="50000"/>
+              </a:schemeClr>
+            </a:solidFill>
+          </a:ln>
+        </p:spPr>
+        <p:style>
+          <a:lnRef idx="2">
+            <a:schemeClr val="accent1">
+              <a:shade val="50000"/>
+            </a:schemeClr>
+          </a:lnRef>
+          <a:fillRef idx="1">
+            <a:schemeClr val="accent1"/>
+          </a:fillRef>
+          <a:effectRef idx="0">
+            <a:schemeClr val="accent1"/>
+          </a:effectRef>
+          <a:fontRef idx="minor">
+            <a:schemeClr val="lt1"/>
+          </a:fontRef>
+        </p:style>
+        <p:txBody>
+          <a:bodyPr rtlCol="0" anchor="ctr"/>
+          <a:lstStyle/>
+          <a:p>
+            <a:pPr algn="ctr"/>
+            <a:endParaRPr lang="zh-CN" altLang="en-US"/>
+          </a:p>
+        </p:txBody>
+      </p:sp>
+      <p:sp>
+        <p:nvSpPr>
+          <p:cNvPr id="15" name="圆角矩形 14"/>
+          <p:cNvSpPr/>
+          <p:nvPr/>
+        </p:nvSpPr>
+        <p:spPr>
+          <a:xfrm>
+            <a:off x="112391" y="3654316"/>
+            <a:ext cx="5179689" cy="2819636"/>
+          </a:xfrm>
+          <a:prstGeom prst="roundRect">
+            <a:avLst/>
+          </a:prstGeom>
+          <a:solidFill>
+            <a:schemeClr val="accent1">
+              <a:alpha val="0"/>
+            </a:schemeClr>
+          </a:solidFill>
+          <a:ln w="12700"/>
+        </p:spPr>
+        <p:style>
+          <a:lnRef idx="2">
+            <a:schemeClr val="accent1">
+              <a:shade val="50000"/>
+            </a:schemeClr>
+          </a:lnRef>
+          <a:fillRef idx="1">
+            <a:schemeClr val="accent1"/>
+          </a:fillRef>
+          <a:effectRef idx="0">
+            <a:schemeClr val="accent1"/>
+          </a:effectRef>
+          <a:fontRef idx="minor">
+            <a:schemeClr val="lt1"/>
+          </a:fontRef>
+        </p:style>
+        <p:txBody>
+          <a:bodyPr rtlCol="0" anchor="ctr"/>
+          <a:lstStyle/>
+          <a:p>
+            <a:pPr algn="ctr"/>
+            <a:endParaRPr lang="zh-CN" altLang="en-US"/>
+          </a:p>
+        </p:txBody>
+      </p:sp>
+      <p:sp>
+        <p:nvSpPr>
+          <p:cNvPr id="18" name="圆角矩形 17"/>
+          <p:cNvSpPr/>
+          <p:nvPr/>
+        </p:nvSpPr>
+        <p:spPr>
+          <a:xfrm>
+            <a:off x="0" y="1340768"/>
+            <a:ext cx="8028384" cy="5328592"/>
+          </a:xfrm>
+          <a:prstGeom prst="roundRect">
+            <a:avLst/>
+          </a:prstGeom>
+          <a:solidFill>
+            <a:schemeClr val="accent1">
+              <a:alpha val="0"/>
+            </a:schemeClr>
+          </a:solidFill>
+          <a:ln w="22225">
+            <a:solidFill>
+              <a:schemeClr val="accent1">
+                <a:shade val="50000"/>
+                <a:alpha val="56000"/>
+              </a:schemeClr>
+            </a:solidFill>
+          </a:ln>
+        </p:spPr>
+        <p:style>
+          <a:lnRef idx="2">
+            <a:schemeClr val="accent1">
+              <a:shade val="50000"/>
+            </a:schemeClr>
+          </a:lnRef>
+          <a:fillRef idx="1">
+            <a:schemeClr val="accent1"/>
+          </a:fillRef>
+          <a:effectRef idx="0">
+            <a:schemeClr val="accent1"/>
+          </a:effectRef>
+          <a:fontRef idx="minor">
+            <a:schemeClr val="lt1"/>
+          </a:fontRef>
+        </p:style>
+        <p:txBody>
+          <a:bodyPr rtlCol="0" anchor="ctr"/>
+          <a:lstStyle/>
+          <a:p>
+            <a:pPr algn="ctr"/>
+            <a:endParaRPr lang="zh-CN" altLang="en-US"/>
+          </a:p>
+        </p:txBody>
+      </p:sp>
+      <p:sp>
+        <p:nvSpPr>
+          <p:cNvPr id="19" name="TextBox 18"/>
+          <p:cNvSpPr txBox="1"/>
+          <p:nvPr/>
+        </p:nvSpPr>
+        <p:spPr>
+          <a:xfrm>
+            <a:off x="251520" y="2770929"/>
+            <a:ext cx="1008112" cy="369332"/>
+          </a:xfrm>
+          <a:prstGeom prst="rect">
+            <a:avLst/>
+          </a:prstGeom>
+          <a:noFill/>
+        </p:spPr>
+        <p:txBody>
+          <a:bodyPr wrap="square" rtlCol="0">
+            <a:spAutoFit/>
+          </a:bodyPr>
+          <a:lstStyle/>
+          <a:p>
+            <a:r>
+              <a:rPr lang="en-US" altLang="zh-CN" dirty="0" smtClean="0"/>
+              <a:t>stage1</a:t>
+            </a:r>
+            <a:endParaRPr lang="zh-CN" altLang="en-US" dirty="0"/>
+          </a:p>
+        </p:txBody>
+      </p:sp>
+      <p:sp>
+        <p:nvSpPr>
+          <p:cNvPr id="20" name="TextBox 19"/>
+          <p:cNvSpPr txBox="1"/>
+          <p:nvPr/>
+        </p:nvSpPr>
+        <p:spPr>
+          <a:xfrm>
+            <a:off x="423704" y="5531391"/>
+            <a:ext cx="1151344" cy="367705"/>
+          </a:xfrm>
+          <a:prstGeom prst="rect">
+            <a:avLst/>
+          </a:prstGeom>
+          <a:noFill/>
+        </p:spPr>
+        <p:txBody>
+          <a:bodyPr wrap="square" rtlCol="0">
+            <a:spAutoFit/>
+          </a:bodyPr>
+          <a:lstStyle/>
+          <a:p>
+            <a:r>
+              <a:rPr lang="en-US" altLang="zh-CN" dirty="0" smtClean="0"/>
+              <a:t>stage2</a:t>
+            </a:r>
+            <a:endParaRPr lang="zh-CN" altLang="en-US" dirty="0"/>
+          </a:p>
+        </p:txBody>
+      </p:sp>
+      <p:sp>
+        <p:nvSpPr>
+          <p:cNvPr id="21" name="TextBox 20"/>
+          <p:cNvSpPr txBox="1"/>
+          <p:nvPr/>
+        </p:nvSpPr>
+        <p:spPr>
+          <a:xfrm>
+            <a:off x="6300192" y="5661248"/>
+            <a:ext cx="1152128" cy="369332"/>
+          </a:xfrm>
+          <a:prstGeom prst="rect">
+            <a:avLst/>
+          </a:prstGeom>
+          <a:noFill/>
+        </p:spPr>
+        <p:txBody>
+          <a:bodyPr wrap="square" rtlCol="0">
+            <a:spAutoFit/>
+          </a:bodyPr>
+          <a:lstStyle/>
+          <a:p>
+            <a:r>
+              <a:rPr lang="en-US" altLang="zh-CN" dirty="0" smtClean="0"/>
+              <a:t>stage3</a:t>
             </a:r>
             <a:endParaRPr lang="zh-CN" altLang="en-US" dirty="0"/>
           </a:p>

--- a/Spark_学习分享.pptx
+++ b/Spark_学习分享.pptx
@@ -14,9 +14,16 @@
     <p:sldId id="261" r:id="rId8"/>
     <p:sldId id="262" r:id="rId9"/>
     <p:sldId id="263" r:id="rId10"/>
-    <p:sldId id="265" r:id="rId11"/>
-    <p:sldId id="267" r:id="rId12"/>
-    <p:sldId id="266" r:id="rId13"/>
+    <p:sldId id="269" r:id="rId11"/>
+    <p:sldId id="270" r:id="rId12"/>
+    <p:sldId id="272" r:id="rId13"/>
+    <p:sldId id="271" r:id="rId14"/>
+    <p:sldId id="273" r:id="rId15"/>
+    <p:sldId id="274" r:id="rId16"/>
+    <p:sldId id="265" r:id="rId17"/>
+    <p:sldId id="267" r:id="rId18"/>
+    <p:sldId id="266" r:id="rId19"/>
+    <p:sldId id="268" r:id="rId20"/>
   </p:sldIdLst>
   <p:sldSz cx="9144000" cy="6858000" type="screen4x3"/>
   <p:notesSz cx="6858000" cy="9144000"/>
@@ -255,7 +262,7 @@
           <a:p>
             <a:fld id="{A51B94C0-3894-421F-B0A3-450A0BD70801}" type="datetimeFigureOut">
               <a:rPr lang="zh-CN" altLang="en-US" smtClean="0"/>
-              <a:t>2014-4-4</a:t>
+              <a:t>2014-4-22</a:t>
             </a:fld>
             <a:endParaRPr lang="zh-CN" altLang="en-US"/>
           </a:p>
@@ -1124,7 +1131,7 @@
           <a:p>
             <a:fld id="{A51B94C0-3894-421F-B0A3-450A0BD70801}" type="datetimeFigureOut">
               <a:rPr lang="zh-CN" altLang="en-US" smtClean="0"/>
-              <a:t>2014-4-4</a:t>
+              <a:t>2014-4-22</a:t>
             </a:fld>
             <a:endParaRPr lang="zh-CN" altLang="en-US"/>
           </a:p>
@@ -1299,7 +1306,7 @@
           <a:p>
             <a:fld id="{A51B94C0-3894-421F-B0A3-450A0BD70801}" type="datetimeFigureOut">
               <a:rPr lang="zh-CN" altLang="en-US" smtClean="0"/>
-              <a:t>2014-4-4</a:t>
+              <a:t>2014-4-22</a:t>
             </a:fld>
             <a:endParaRPr lang="zh-CN" altLang="en-US"/>
           </a:p>
@@ -1469,7 +1476,7 @@
           <a:p>
             <a:fld id="{A51B94C0-3894-421F-B0A3-450A0BD70801}" type="datetimeFigureOut">
               <a:rPr lang="zh-CN" altLang="en-US" smtClean="0"/>
-              <a:t>2014-4-4</a:t>
+              <a:t>2014-4-22</a:t>
             </a:fld>
             <a:endParaRPr lang="zh-CN" altLang="en-US"/>
           </a:p>
@@ -1679,7 +1686,7 @@
           <a:p>
             <a:fld id="{A51B94C0-3894-421F-B0A3-450A0BD70801}" type="datetimeFigureOut">
               <a:rPr lang="zh-CN" altLang="en-US" smtClean="0"/>
-              <a:t>2014-4-4</a:t>
+              <a:t>2014-4-22</a:t>
             </a:fld>
             <a:endParaRPr lang="zh-CN" altLang="en-US"/>
           </a:p>
@@ -2493,7 +2500,7 @@
           <a:p>
             <a:fld id="{A51B94C0-3894-421F-B0A3-450A0BD70801}" type="datetimeFigureOut">
               <a:rPr lang="zh-CN" altLang="en-US" smtClean="0"/>
-              <a:t>2014-4-4</a:t>
+              <a:t>2014-4-22</a:t>
             </a:fld>
             <a:endParaRPr lang="zh-CN" altLang="en-US"/>
           </a:p>
@@ -2729,7 +2736,7 @@
           <a:p>
             <a:fld id="{A51B94C0-3894-421F-B0A3-450A0BD70801}" type="datetimeFigureOut">
               <a:rPr lang="zh-CN" altLang="en-US" smtClean="0"/>
-              <a:t>2014-4-4</a:t>
+              <a:t>2014-4-22</a:t>
             </a:fld>
             <a:endParaRPr lang="zh-CN" altLang="en-US"/>
           </a:p>
@@ -3052,7 +3059,7 @@
           <a:p>
             <a:fld id="{A51B94C0-3894-421F-B0A3-450A0BD70801}" type="datetimeFigureOut">
               <a:rPr lang="zh-CN" altLang="en-US" smtClean="0"/>
-              <a:t>2014-4-4</a:t>
+              <a:t>2014-4-22</a:t>
             </a:fld>
             <a:endParaRPr lang="zh-CN" altLang="en-US"/>
           </a:p>
@@ -3142,7 +3149,7 @@
           <a:p>
             <a:fld id="{A51B94C0-3894-421F-B0A3-450A0BD70801}" type="datetimeFigureOut">
               <a:rPr lang="zh-CN" altLang="en-US" smtClean="0"/>
-              <a:t>2014-4-4</a:t>
+              <a:t>2014-4-22</a:t>
             </a:fld>
             <a:endParaRPr lang="zh-CN" altLang="en-US"/>
           </a:p>
@@ -3659,7 +3666,7 @@
           <a:p>
             <a:fld id="{A51B94C0-3894-421F-B0A3-450A0BD70801}" type="datetimeFigureOut">
               <a:rPr lang="zh-CN" altLang="en-US" smtClean="0"/>
-              <a:t>2014-4-4</a:t>
+              <a:t>2014-4-22</a:t>
             </a:fld>
             <a:endParaRPr lang="zh-CN" altLang="en-US"/>
           </a:p>
@@ -4170,7 +4177,7 @@
           <a:p>
             <a:fld id="{A51B94C0-3894-421F-B0A3-450A0BD70801}" type="datetimeFigureOut">
               <a:rPr lang="zh-CN" altLang="en-US" smtClean="0"/>
-              <a:t>2014-4-4</a:t>
+              <a:t>2014-4-22</a:t>
             </a:fld>
             <a:endParaRPr lang="zh-CN" altLang="en-US"/>
           </a:p>
@@ -4415,7 +4422,7 @@
           <a:p>
             <a:fld id="{A51B94C0-3894-421F-B0A3-450A0BD70801}" type="datetimeFigureOut">
               <a:rPr lang="zh-CN" altLang="en-US" smtClean="0"/>
-              <a:t>2014-4-4</a:t>
+              <a:t>2014-4-22</a:t>
             </a:fld>
             <a:endParaRPr lang="zh-CN" altLang="en-US"/>
           </a:p>
@@ -5138,11 +5145,7 @@
           <a:p>
             <a:r>
               <a:rPr lang="en-US" altLang="zh-CN" dirty="0" smtClean="0"/>
-              <a:t>Spark streaming---D-</a:t>
-            </a:r>
-            <a:r>
-              <a:rPr lang="en-US" altLang="zh-CN" dirty="0" err="1" smtClean="0"/>
-              <a:t>Strem</a:t>
+              <a:t>Spark app workflow</a:t>
             </a:r>
             <a:endParaRPr lang="zh-CN" altLang="en-US" dirty="0"/>
           </a:p>
@@ -5164,70 +5167,115 @@
           <a:lstStyle/>
           <a:p>
             <a:r>
-              <a:rPr lang="en-US" altLang="zh-CN" dirty="0" smtClean="0"/>
-              <a:t>Discretized streams: an efficient and fault-tolerant model for stream processing</a:t>
-            </a:r>
-          </a:p>
-          <a:p>
-            <a:r>
-              <a:rPr lang="en-US" altLang="zh-CN" dirty="0" smtClean="0"/>
-              <a:t>Series of deterministic batch computations on small time intervals</a:t>
-            </a:r>
-          </a:p>
-          <a:p>
-            <a:r>
-              <a:rPr lang="en-US" altLang="zh-CN" dirty="0" smtClean="0"/>
-              <a:t>Two types of operators</a:t>
-            </a:r>
-          </a:p>
-          <a:p>
-            <a:pPr marL="457200" indent="-457200">
-              <a:buAutoNum type="alphaLcParenR"/>
-            </a:pPr>
-            <a:r>
-              <a:rPr lang="en-US" altLang="zh-CN" dirty="0" smtClean="0"/>
-              <a:t>Transformation (stateless or </a:t>
-            </a:r>
-            <a:r>
               <a:rPr lang="en-US" altLang="zh-CN" dirty="0" err="1" smtClean="0"/>
-              <a:t>stateful</a:t>
-            </a:r>
-            <a:r>
-              <a:rPr lang="en-US" altLang="zh-CN" dirty="0" smtClean="0"/>
-              <a:t>)</a:t>
-            </a:r>
-          </a:p>
-          <a:p>
-            <a:pPr marL="457200" indent="-457200">
-              <a:buAutoNum type="alphaLcParenR"/>
-            </a:pPr>
-            <a:r>
-              <a:rPr lang="en-US" altLang="zh-CN" dirty="0" smtClean="0"/>
-              <a:t>Output </a:t>
-            </a:r>
-          </a:p>
-          <a:p>
-            <a:pPr marL="0" indent="0">
-              <a:buNone/>
-            </a:pPr>
-            <a:endParaRPr lang="en-US" altLang="zh-CN" dirty="0"/>
-          </a:p>
-          <a:p>
-            <a:pPr marL="0" indent="0">
-              <a:buNone/>
-            </a:pPr>
-            <a:r>
-              <a:rPr lang="en-US" altLang="zh-CN" dirty="0" smtClean="0"/>
-              <a:t>Reuse all of the operators in Spark</a:t>
-            </a:r>
-            <a:endParaRPr lang="en-US" altLang="zh-CN" dirty="0"/>
+              <a:t>SparkContext</a:t>
+            </a:r>
+            <a:r>
+              <a:rPr lang="en-US" altLang="zh-CN" dirty="0" smtClean="0"/>
+              <a:t>-&gt;</a:t>
+            </a:r>
+            <a:r>
+              <a:rPr lang="en-US" altLang="zh-CN" dirty="0" err="1" smtClean="0"/>
+              <a:t>runJob</a:t>
+            </a:r>
+            <a:endParaRPr lang="en-US" altLang="zh-CN" dirty="0" smtClean="0"/>
+          </a:p>
+          <a:p>
+            <a:r>
+              <a:rPr lang="en-US" altLang="zh-CN" dirty="0" err="1" smtClean="0"/>
+              <a:t>DAGScheduler</a:t>
+            </a:r>
+            <a:r>
+              <a:rPr lang="en-US" altLang="zh-CN" dirty="0" smtClean="0"/>
+              <a:t> -&gt;</a:t>
+            </a:r>
+            <a:r>
+              <a:rPr lang="en-US" altLang="zh-CN" dirty="0" err="1" smtClean="0"/>
+              <a:t>submitJob</a:t>
+            </a:r>
+            <a:r>
+              <a:rPr lang="en-US" altLang="zh-CN" dirty="0" smtClean="0"/>
+              <a:t>-&gt;</a:t>
+            </a:r>
+            <a:r>
+              <a:rPr lang="en-US" altLang="zh-CN" dirty="0" err="1" smtClean="0"/>
+              <a:t>submitStage</a:t>
+            </a:r>
+            <a:endParaRPr lang="en-US" altLang="zh-CN" dirty="0" smtClean="0"/>
+          </a:p>
+          <a:p>
+            <a:r>
+              <a:rPr lang="en-US" altLang="zh-CN" dirty="0" err="1" smtClean="0"/>
+              <a:t>TaskScheduler</a:t>
+            </a:r>
+            <a:r>
+              <a:rPr lang="en-US" altLang="zh-CN" dirty="0" smtClean="0"/>
+              <a:t>-&gt;</a:t>
+            </a:r>
+            <a:r>
+              <a:rPr lang="en-US" altLang="zh-CN" dirty="0" err="1" smtClean="0"/>
+              <a:t>submitTask</a:t>
+            </a:r>
+            <a:r>
+              <a:rPr lang="en-US" altLang="zh-CN" dirty="0" smtClean="0"/>
+              <a:t> (shuffle or result task)</a:t>
+            </a:r>
+          </a:p>
+          <a:p>
+            <a:r>
+              <a:rPr lang="en-US" altLang="zh-CN" dirty="0" err="1" smtClean="0"/>
+              <a:t>SchedulerBackend</a:t>
+            </a:r>
+            <a:r>
+              <a:rPr lang="en-US" altLang="zh-CN" dirty="0" smtClean="0"/>
+              <a:t>-&gt;</a:t>
+            </a:r>
+            <a:r>
+              <a:rPr lang="en-US" altLang="zh-CN" dirty="0" err="1" smtClean="0"/>
+              <a:t>reviveOffers</a:t>
+            </a:r>
+            <a:r>
+              <a:rPr lang="en-US" altLang="zh-CN" dirty="0" smtClean="0"/>
+              <a:t>-&gt;</a:t>
+            </a:r>
+            <a:r>
+              <a:rPr lang="en-US" altLang="zh-CN" dirty="0" err="1" smtClean="0"/>
+              <a:t>launchTasks</a:t>
+            </a:r>
+            <a:endParaRPr lang="en-US" altLang="zh-CN" dirty="0" smtClean="0"/>
+          </a:p>
+          <a:p>
+            <a:r>
+              <a:rPr lang="en-US" altLang="zh-CN" dirty="0" err="1" smtClean="0"/>
+              <a:t>CoarseGrainedExectorBackend</a:t>
+            </a:r>
+            <a:r>
+              <a:rPr lang="en-US" altLang="zh-CN" dirty="0" smtClean="0"/>
+              <a:t>-&gt;</a:t>
+            </a:r>
+            <a:r>
+              <a:rPr lang="en-US" altLang="zh-CN" dirty="0" err="1" smtClean="0"/>
+              <a:t>launchTask</a:t>
+            </a:r>
+            <a:endParaRPr lang="en-US" altLang="zh-CN" dirty="0" smtClean="0"/>
+          </a:p>
+          <a:p>
+            <a:r>
+              <a:rPr lang="en-US" altLang="zh-CN" dirty="0" smtClean="0"/>
+              <a:t>Executor-&gt;</a:t>
+            </a:r>
+            <a:r>
+              <a:rPr lang="en-US" altLang="zh-CN" dirty="0" err="1" smtClean="0"/>
+              <a:t>launchTask</a:t>
+            </a:r>
+            <a:endParaRPr lang="zh-CN" altLang="en-US" dirty="0"/>
           </a:p>
         </p:txBody>
       </p:sp>
     </p:spTree>
     <p:extLst>
       <p:ext uri="{BB962C8B-B14F-4D97-AF65-F5344CB8AC3E}">
-        <p14:creationId xmlns:p14="http://schemas.microsoft.com/office/powerpoint/2010/main" val="3916198495"/>
+        <p14:creationId xmlns:p14="http://schemas.microsoft.com/office/powerpoint/2010/main" val="746973118"/>
       </p:ext>
     </p:extLst>
   </p:cSld>
@@ -5271,20 +5319,101 @@
             <p:ph type="title"/>
           </p:nvPr>
         </p:nvSpPr>
-        <p:spPr/>
+        <p:spPr>
+          <a:xfrm>
+            <a:off x="457200" y="274638"/>
+            <a:ext cx="7467600" cy="778098"/>
+          </a:xfrm>
+        </p:spPr>
         <p:txBody>
           <a:bodyPr/>
           <a:lstStyle/>
           <a:p>
             <a:r>
               <a:rPr lang="en-US" altLang="zh-CN" dirty="0" smtClean="0"/>
-              <a:t>Spark streaming --- </a:t>
-            </a:r>
-            <a:r>
-              <a:rPr lang="en-US" altLang="zh-CN" dirty="0" err="1" smtClean="0"/>
-              <a:t>dstream</a:t>
+              <a:t>Spark app workflow</a:t>
             </a:r>
             <a:endParaRPr lang="zh-CN" altLang="en-US" dirty="0"/>
+          </a:p>
+        </p:txBody>
+      </p:sp>
+      <p:sp>
+        <p:nvSpPr>
+          <p:cNvPr id="4" name="圆角矩形 3"/>
+          <p:cNvSpPr/>
+          <p:nvPr/>
+        </p:nvSpPr>
+        <p:spPr>
+          <a:xfrm>
+            <a:off x="1115616" y="1700808"/>
+            <a:ext cx="1368152" cy="432048"/>
+          </a:xfrm>
+          <a:prstGeom prst="roundRect">
+            <a:avLst/>
+          </a:prstGeom>
+        </p:spPr>
+        <p:style>
+          <a:lnRef idx="2">
+            <a:schemeClr val="accent1">
+              <a:shade val="50000"/>
+            </a:schemeClr>
+          </a:lnRef>
+          <a:fillRef idx="1">
+            <a:schemeClr val="accent1"/>
+          </a:fillRef>
+          <a:effectRef idx="0">
+            <a:schemeClr val="accent1"/>
+          </a:effectRef>
+          <a:fontRef idx="minor">
+            <a:schemeClr val="lt1"/>
+          </a:fontRef>
+        </p:style>
+        <p:txBody>
+          <a:bodyPr rtlCol="0" anchor="ctr"/>
+          <a:lstStyle/>
+          <a:p>
+            <a:pPr algn="ctr"/>
+            <a:endParaRPr lang="zh-CN" altLang="en-US"/>
+          </a:p>
+        </p:txBody>
+      </p:sp>
+      <p:sp>
+        <p:nvSpPr>
+          <p:cNvPr id="5" name="圆角矩形 4"/>
+          <p:cNvSpPr/>
+          <p:nvPr/>
+        </p:nvSpPr>
+        <p:spPr>
+          <a:xfrm>
+            <a:off x="1115616" y="2348880"/>
+            <a:ext cx="1368152" cy="432048"/>
+          </a:xfrm>
+          <a:prstGeom prst="roundRect">
+            <a:avLst/>
+          </a:prstGeom>
+        </p:spPr>
+        <p:style>
+          <a:lnRef idx="2">
+            <a:schemeClr val="accent1">
+              <a:shade val="50000"/>
+            </a:schemeClr>
+          </a:lnRef>
+          <a:fillRef idx="1">
+            <a:schemeClr val="accent1"/>
+          </a:fillRef>
+          <a:effectRef idx="0">
+            <a:schemeClr val="accent1"/>
+          </a:effectRef>
+          <a:fontRef idx="minor">
+            <a:schemeClr val="lt1"/>
+          </a:fontRef>
+        </p:style>
+        <p:txBody>
+          <a:bodyPr rtlCol="0" anchor="ctr"/>
+          <a:lstStyle/>
+          <a:p>
+            <a:pPr algn="ctr"/>
+            <a:endParaRPr lang="zh-CN" altLang="en-US"/>
           </a:p>
         </p:txBody>
       </p:sp>
@@ -5298,7 +5427,12 @@
             <p:ph sz="quarter" idx="1"/>
           </p:nvPr>
         </p:nvSpPr>
-        <p:spPr/>
+        <p:spPr>
+          <a:xfrm>
+            <a:off x="467544" y="1196752"/>
+            <a:ext cx="7457256" cy="5240180"/>
+          </a:xfrm>
+        </p:spPr>
         <p:txBody>
           <a:bodyPr/>
           <a:lstStyle/>
@@ -5306,217 +5440,1188 @@
             <a:pPr marL="0" indent="0">
               <a:buNone/>
             </a:pPr>
+            <a:endParaRPr lang="zh-CN" altLang="en-US" dirty="0"/>
+          </a:p>
+        </p:txBody>
+      </p:sp>
+      <p:sp>
+        <p:nvSpPr>
+          <p:cNvPr id="6" name="圆角矩形 5"/>
+          <p:cNvSpPr/>
+          <p:nvPr/>
+        </p:nvSpPr>
+        <p:spPr>
+          <a:xfrm>
+            <a:off x="1092910" y="2924944"/>
+            <a:ext cx="1606882" cy="432048"/>
+          </a:xfrm>
+          <a:prstGeom prst="roundRect">
+            <a:avLst/>
+          </a:prstGeom>
+        </p:spPr>
+        <p:style>
+          <a:lnRef idx="2">
+            <a:schemeClr val="accent1">
+              <a:shade val="50000"/>
+            </a:schemeClr>
+          </a:lnRef>
+          <a:fillRef idx="1">
+            <a:schemeClr val="accent1"/>
+          </a:fillRef>
+          <a:effectRef idx="0">
+            <a:schemeClr val="accent1"/>
+          </a:effectRef>
+          <a:fontRef idx="minor">
+            <a:schemeClr val="lt1"/>
+          </a:fontRef>
+        </p:style>
+        <p:txBody>
+          <a:bodyPr rtlCol="0" anchor="ctr"/>
+          <a:lstStyle/>
+          <a:p>
+            <a:pPr algn="ctr"/>
+            <a:endParaRPr lang="zh-CN" altLang="en-US"/>
+          </a:p>
+        </p:txBody>
+      </p:sp>
+      <p:sp>
+        <p:nvSpPr>
+          <p:cNvPr id="7" name="圆角矩形 6"/>
+          <p:cNvSpPr/>
+          <p:nvPr/>
+        </p:nvSpPr>
+        <p:spPr>
+          <a:xfrm>
+            <a:off x="1075198" y="3573016"/>
+            <a:ext cx="1480578" cy="432048"/>
+          </a:xfrm>
+          <a:prstGeom prst="roundRect">
+            <a:avLst/>
+          </a:prstGeom>
+        </p:spPr>
+        <p:style>
+          <a:lnRef idx="2">
+            <a:schemeClr val="accent1">
+              <a:shade val="50000"/>
+            </a:schemeClr>
+          </a:lnRef>
+          <a:fillRef idx="1">
+            <a:schemeClr val="accent1"/>
+          </a:fillRef>
+          <a:effectRef idx="0">
+            <a:schemeClr val="accent1"/>
+          </a:effectRef>
+          <a:fontRef idx="minor">
+            <a:schemeClr val="lt1"/>
+          </a:fontRef>
+        </p:style>
+        <p:txBody>
+          <a:bodyPr rtlCol="0" anchor="ctr"/>
+          <a:lstStyle/>
+          <a:p>
+            <a:pPr algn="ctr"/>
+            <a:endParaRPr lang="zh-CN" altLang="en-US"/>
+          </a:p>
+        </p:txBody>
+      </p:sp>
+      <p:sp>
+        <p:nvSpPr>
+          <p:cNvPr id="8" name="圆角矩形 7"/>
+          <p:cNvSpPr/>
+          <p:nvPr/>
+        </p:nvSpPr>
+        <p:spPr>
+          <a:xfrm>
+            <a:off x="1086362" y="4221088"/>
+            <a:ext cx="1613430" cy="432048"/>
+          </a:xfrm>
+          <a:prstGeom prst="roundRect">
+            <a:avLst/>
+          </a:prstGeom>
+        </p:spPr>
+        <p:style>
+          <a:lnRef idx="2">
+            <a:schemeClr val="accent1">
+              <a:shade val="50000"/>
+            </a:schemeClr>
+          </a:lnRef>
+          <a:fillRef idx="1">
+            <a:schemeClr val="accent1"/>
+          </a:fillRef>
+          <a:effectRef idx="0">
+            <a:schemeClr val="accent1"/>
+          </a:effectRef>
+          <a:fontRef idx="minor">
+            <a:schemeClr val="lt1"/>
+          </a:fontRef>
+        </p:style>
+        <p:txBody>
+          <a:bodyPr rtlCol="0" anchor="ctr"/>
+          <a:lstStyle/>
+          <a:p>
+            <a:pPr algn="ctr"/>
+            <a:endParaRPr lang="zh-CN" altLang="en-US"/>
+          </a:p>
+        </p:txBody>
+      </p:sp>
+      <p:sp>
+        <p:nvSpPr>
+          <p:cNvPr id="9" name="圆角矩形 8"/>
+          <p:cNvSpPr/>
+          <p:nvPr/>
+        </p:nvSpPr>
+        <p:spPr>
+          <a:xfrm>
+            <a:off x="1117155" y="4869160"/>
+            <a:ext cx="1582638" cy="432048"/>
+          </a:xfrm>
+          <a:prstGeom prst="roundRect">
+            <a:avLst/>
+          </a:prstGeom>
+        </p:spPr>
+        <p:style>
+          <a:lnRef idx="2">
+            <a:schemeClr val="accent1">
+              <a:shade val="50000"/>
+            </a:schemeClr>
+          </a:lnRef>
+          <a:fillRef idx="1">
+            <a:schemeClr val="accent1"/>
+          </a:fillRef>
+          <a:effectRef idx="0">
+            <a:schemeClr val="accent1"/>
+          </a:effectRef>
+          <a:fontRef idx="minor">
+            <a:schemeClr val="lt1"/>
+          </a:fontRef>
+        </p:style>
+        <p:txBody>
+          <a:bodyPr rtlCol="0" anchor="ctr"/>
+          <a:lstStyle/>
+          <a:p>
+            <a:pPr algn="ctr"/>
+            <a:endParaRPr lang="zh-CN" altLang="en-US"/>
+          </a:p>
+        </p:txBody>
+      </p:sp>
+      <p:sp>
+        <p:nvSpPr>
+          <p:cNvPr id="10" name="圆角矩形 9"/>
+          <p:cNvSpPr/>
+          <p:nvPr/>
+        </p:nvSpPr>
+        <p:spPr>
+          <a:xfrm>
+            <a:off x="1092910" y="5517232"/>
+            <a:ext cx="1606882" cy="432048"/>
+          </a:xfrm>
+          <a:prstGeom prst="roundRect">
+            <a:avLst/>
+          </a:prstGeom>
+        </p:spPr>
+        <p:style>
+          <a:lnRef idx="2">
+            <a:schemeClr val="accent1">
+              <a:shade val="50000"/>
+            </a:schemeClr>
+          </a:lnRef>
+          <a:fillRef idx="1">
+            <a:schemeClr val="accent1"/>
+          </a:fillRef>
+          <a:effectRef idx="0">
+            <a:schemeClr val="accent1"/>
+          </a:effectRef>
+          <a:fontRef idx="minor">
+            <a:schemeClr val="lt1"/>
+          </a:fontRef>
+        </p:style>
+        <p:txBody>
+          <a:bodyPr rtlCol="0" anchor="ctr"/>
+          <a:lstStyle/>
+          <a:p>
+            <a:pPr algn="ctr"/>
+            <a:endParaRPr lang="zh-CN" altLang="en-US"/>
+          </a:p>
+        </p:txBody>
+      </p:sp>
+      <p:sp>
+        <p:nvSpPr>
+          <p:cNvPr id="11" name="圆角矩形 10"/>
+          <p:cNvSpPr/>
+          <p:nvPr/>
+        </p:nvSpPr>
+        <p:spPr>
+          <a:xfrm>
+            <a:off x="1086361" y="6093296"/>
+            <a:ext cx="1613431" cy="432048"/>
+          </a:xfrm>
+          <a:prstGeom prst="roundRect">
+            <a:avLst/>
+          </a:prstGeom>
+        </p:spPr>
+        <p:style>
+          <a:lnRef idx="2">
+            <a:schemeClr val="accent1">
+              <a:shade val="50000"/>
+            </a:schemeClr>
+          </a:lnRef>
+          <a:fillRef idx="1">
+            <a:schemeClr val="accent1"/>
+          </a:fillRef>
+          <a:effectRef idx="0">
+            <a:schemeClr val="accent1"/>
+          </a:effectRef>
+          <a:fontRef idx="minor">
+            <a:schemeClr val="lt1"/>
+          </a:fontRef>
+        </p:style>
+        <p:txBody>
+          <a:bodyPr rtlCol="0" anchor="ctr"/>
+          <a:lstStyle/>
+          <a:p>
+            <a:pPr algn="ctr"/>
+            <a:endParaRPr lang="zh-CN" altLang="en-US" dirty="0"/>
+          </a:p>
+        </p:txBody>
+      </p:sp>
+      <p:sp>
+        <p:nvSpPr>
+          <p:cNvPr id="12" name="TextBox 11"/>
+          <p:cNvSpPr txBox="1"/>
+          <p:nvPr/>
+        </p:nvSpPr>
+        <p:spPr>
+          <a:xfrm>
+            <a:off x="1117155" y="1700808"/>
+            <a:ext cx="1343907" cy="369332"/>
+          </a:xfrm>
+          <a:prstGeom prst="rect">
+            <a:avLst/>
+          </a:prstGeom>
+          <a:noFill/>
+        </p:spPr>
+        <p:txBody>
+          <a:bodyPr wrap="square" rtlCol="0">
+            <a:spAutoFit/>
+          </a:bodyPr>
+          <a:lstStyle/>
+          <a:p>
+            <a:r>
+              <a:rPr lang="en-US" altLang="zh-CN" dirty="0" smtClean="0"/>
+              <a:t>  </a:t>
+            </a:r>
             <a:r>
               <a:rPr lang="en-US" altLang="zh-CN" dirty="0" err="1" smtClean="0"/>
-              <a:t>pageViews</a:t>
-            </a:r>
-            <a:r>
-              <a:rPr lang="en-US" altLang="zh-CN" dirty="0" smtClean="0"/>
-              <a:t> = </a:t>
-            </a:r>
+              <a:t>runJob</a:t>
+            </a:r>
+            <a:endParaRPr lang="zh-CN" altLang="en-US" dirty="0"/>
+          </a:p>
+        </p:txBody>
+      </p:sp>
+      <p:sp>
+        <p:nvSpPr>
+          <p:cNvPr id="13" name="TextBox 12"/>
+          <p:cNvSpPr txBox="1"/>
+          <p:nvPr/>
+        </p:nvSpPr>
+        <p:spPr>
+          <a:xfrm>
+            <a:off x="1117155" y="2348880"/>
+            <a:ext cx="1366613" cy="369332"/>
+          </a:xfrm>
+          <a:prstGeom prst="rect">
+            <a:avLst/>
+          </a:prstGeom>
+          <a:noFill/>
+        </p:spPr>
+        <p:txBody>
+          <a:bodyPr wrap="square" rtlCol="0">
+            <a:spAutoFit/>
+          </a:bodyPr>
+          <a:lstStyle/>
+          <a:p>
             <a:r>
               <a:rPr lang="en-US" altLang="zh-CN" dirty="0" err="1" smtClean="0"/>
-              <a:t>readStream</a:t>
-            </a:r>
-            <a:r>
-              <a:rPr lang="en-US" altLang="zh-CN" dirty="0" smtClean="0"/>
-              <a:t>(“http://a.com”,  “</a:t>
-            </a:r>
+              <a:t>submitJob</a:t>
+            </a:r>
+            <a:endParaRPr lang="zh-CN" altLang="en-US" dirty="0"/>
+          </a:p>
+        </p:txBody>
+      </p:sp>
+      <p:sp>
+        <p:nvSpPr>
+          <p:cNvPr id="14" name="TextBox 13"/>
+          <p:cNvSpPr txBox="1"/>
+          <p:nvPr/>
+        </p:nvSpPr>
+        <p:spPr>
+          <a:xfrm>
+            <a:off x="1075199" y="2924944"/>
+            <a:ext cx="1624593" cy="369332"/>
+          </a:xfrm>
+          <a:prstGeom prst="rect">
+            <a:avLst/>
+          </a:prstGeom>
+          <a:noFill/>
+        </p:spPr>
+        <p:txBody>
+          <a:bodyPr wrap="square" rtlCol="0">
+            <a:spAutoFit/>
+          </a:bodyPr>
+          <a:lstStyle/>
+          <a:p>
             <a:r>
               <a:rPr lang="en-US" altLang="zh-CN" dirty="0" err="1" smtClean="0"/>
-              <a:t>ls</a:t>
-            </a:r>
-            <a:r>
-              <a:rPr lang="en-US" altLang="zh-CN" dirty="0" smtClean="0"/>
-              <a:t>”)</a:t>
-            </a:r>
-          </a:p>
-          <a:p>
-            <a:pPr marL="0" indent="0">
-              <a:buNone/>
-            </a:pPr>
-            <a:r>
-              <a:rPr lang="en-US" altLang="zh-CN" dirty="0" smtClean="0"/>
-              <a:t>ones = </a:t>
-            </a:r>
+              <a:t>submitStage</a:t>
+            </a:r>
+            <a:endParaRPr lang="zh-CN" altLang="en-US" dirty="0"/>
+          </a:p>
+        </p:txBody>
+      </p:sp>
+      <p:sp>
+        <p:nvSpPr>
+          <p:cNvPr id="15" name="TextBox 14"/>
+          <p:cNvSpPr txBox="1"/>
+          <p:nvPr/>
+        </p:nvSpPr>
+        <p:spPr>
+          <a:xfrm>
+            <a:off x="1115616" y="3573016"/>
+            <a:ext cx="1584176" cy="369332"/>
+          </a:xfrm>
+          <a:prstGeom prst="rect">
+            <a:avLst/>
+          </a:prstGeom>
+          <a:noFill/>
+        </p:spPr>
+        <p:txBody>
+          <a:bodyPr wrap="square" rtlCol="0">
+            <a:spAutoFit/>
+          </a:bodyPr>
+          <a:lstStyle/>
+          <a:p>
             <a:r>
               <a:rPr lang="en-US" altLang="zh-CN" dirty="0" err="1" smtClean="0"/>
-              <a:t>pageViews.map</a:t>
-            </a:r>
-            <a:r>
-              <a:rPr lang="en-US" altLang="zh-CN" dirty="0" smtClean="0"/>
-              <a:t>(event =&gt; (event.url, 1))</a:t>
-            </a:r>
-          </a:p>
-          <a:p>
-            <a:pPr marL="0" indent="0">
-              <a:buNone/>
-            </a:pPr>
-            <a:r>
-              <a:rPr lang="en-US" altLang="zh-CN" dirty="0" smtClean="0"/>
-              <a:t>Counts = </a:t>
-            </a:r>
+              <a:t>submitTask</a:t>
+            </a:r>
+            <a:endParaRPr lang="zh-CN" altLang="en-US" dirty="0"/>
+          </a:p>
+        </p:txBody>
+      </p:sp>
+      <p:sp>
+        <p:nvSpPr>
+          <p:cNvPr id="16" name="TextBox 15"/>
+          <p:cNvSpPr txBox="1"/>
+          <p:nvPr/>
+        </p:nvSpPr>
+        <p:spPr>
+          <a:xfrm>
+            <a:off x="1092910" y="4221088"/>
+            <a:ext cx="1606882" cy="369332"/>
+          </a:xfrm>
+          <a:prstGeom prst="rect">
+            <a:avLst/>
+          </a:prstGeom>
+          <a:noFill/>
+        </p:spPr>
+        <p:txBody>
+          <a:bodyPr wrap="square" rtlCol="0">
+            <a:spAutoFit/>
+          </a:bodyPr>
+          <a:lstStyle/>
+          <a:p>
             <a:r>
               <a:rPr lang="en-US" altLang="zh-CN" dirty="0" err="1" smtClean="0"/>
-              <a:t>ones.runningReduce</a:t>
-            </a:r>
-            <a:r>
-              <a:rPr lang="en-US" altLang="zh-CN" dirty="0" smtClean="0"/>
-              <a:t>((</a:t>
-            </a:r>
+              <a:t>reviveOffers</a:t>
+            </a:r>
+            <a:endParaRPr lang="zh-CN" altLang="en-US" dirty="0"/>
+          </a:p>
+        </p:txBody>
+      </p:sp>
+      <p:sp>
+        <p:nvSpPr>
+          <p:cNvPr id="17" name="TextBox 16"/>
+          <p:cNvSpPr txBox="1"/>
+          <p:nvPr/>
+        </p:nvSpPr>
+        <p:spPr>
+          <a:xfrm>
+            <a:off x="1115616" y="4869160"/>
+            <a:ext cx="1584176" cy="369332"/>
+          </a:xfrm>
+          <a:prstGeom prst="rect">
+            <a:avLst/>
+          </a:prstGeom>
+          <a:noFill/>
+        </p:spPr>
+        <p:txBody>
+          <a:bodyPr wrap="square" rtlCol="0">
+            <a:spAutoFit/>
+          </a:bodyPr>
+          <a:lstStyle/>
+          <a:p>
             <a:r>
               <a:rPr lang="en-US" altLang="zh-CN" dirty="0" err="1" smtClean="0"/>
-              <a:t>a,b</a:t>
-            </a:r>
-            <a:r>
-              <a:rPr lang="en-US" altLang="zh-CN" dirty="0" smtClean="0"/>
-              <a:t>) =&gt; </a:t>
-            </a:r>
+              <a:t>launchTasks</a:t>
+            </a:r>
+            <a:endParaRPr lang="zh-CN" altLang="en-US" dirty="0"/>
+          </a:p>
+        </p:txBody>
+      </p:sp>
+      <p:sp>
+        <p:nvSpPr>
+          <p:cNvPr id="18" name="TextBox 17"/>
+          <p:cNvSpPr txBox="1"/>
+          <p:nvPr/>
+        </p:nvSpPr>
+        <p:spPr>
+          <a:xfrm>
+            <a:off x="1187623" y="5517232"/>
+            <a:ext cx="1512169" cy="369332"/>
+          </a:xfrm>
+          <a:prstGeom prst="rect">
+            <a:avLst/>
+          </a:prstGeom>
+          <a:noFill/>
+        </p:spPr>
+        <p:txBody>
+          <a:bodyPr wrap="square" rtlCol="0">
+            <a:spAutoFit/>
+          </a:bodyPr>
+          <a:lstStyle/>
+          <a:p>
             <a:r>
               <a:rPr lang="en-US" altLang="zh-CN" dirty="0" err="1" smtClean="0"/>
-              <a:t>a+b</a:t>
-            </a:r>
-            <a:r>
-              <a:rPr lang="en-US" altLang="zh-CN" dirty="0" smtClean="0"/>
-              <a:t>)</a:t>
-            </a:r>
-          </a:p>
-          <a:p>
-            <a:pPr marL="0" indent="0">
-              <a:buNone/>
-            </a:pPr>
-            <a:endParaRPr lang="en-US" altLang="zh-CN" dirty="0"/>
-          </a:p>
-          <a:p>
-            <a:pPr marL="0" indent="0">
-              <a:buNone/>
-            </a:pPr>
+              <a:t>launchTask</a:t>
+            </a:r>
+            <a:endParaRPr lang="zh-CN" altLang="en-US" dirty="0"/>
+          </a:p>
+        </p:txBody>
+      </p:sp>
+      <p:sp>
+        <p:nvSpPr>
+          <p:cNvPr id="19" name="TextBox 18"/>
+          <p:cNvSpPr txBox="1"/>
+          <p:nvPr/>
+        </p:nvSpPr>
+        <p:spPr>
+          <a:xfrm>
+            <a:off x="1187623" y="6093296"/>
+            <a:ext cx="1512170" cy="369332"/>
+          </a:xfrm>
+          <a:prstGeom prst="rect">
+            <a:avLst/>
+          </a:prstGeom>
+          <a:noFill/>
+        </p:spPr>
+        <p:txBody>
+          <a:bodyPr wrap="square" rtlCol="0">
+            <a:spAutoFit/>
+          </a:bodyPr>
+          <a:lstStyle/>
+          <a:p>
             <a:r>
               <a:rPr lang="en-US" altLang="zh-CN" dirty="0" err="1" smtClean="0"/>
-              <a:t>Stateful</a:t>
-            </a:r>
-            <a:r>
-              <a:rPr lang="en-US" altLang="zh-CN" dirty="0" smtClean="0"/>
-              <a:t> operators:</a:t>
-            </a:r>
-          </a:p>
-          <a:p>
-            <a:pPr marL="0" indent="0">
-              <a:buNone/>
-            </a:pPr>
-            <a:r>
-              <a:rPr lang="en-US" altLang="zh-CN" dirty="0" smtClean="0"/>
-              <a:t>a) </a:t>
+              <a:t>launchTask</a:t>
+            </a:r>
+            <a:endParaRPr lang="zh-CN" altLang="en-US" dirty="0"/>
+          </a:p>
+        </p:txBody>
+      </p:sp>
+      <p:cxnSp>
+        <p:nvCxnSpPr>
+          <p:cNvPr id="21" name="直接箭头连接符 20"/>
+          <p:cNvCxnSpPr>
+            <a:endCxn id="12" idx="3"/>
+          </p:cNvCxnSpPr>
+          <p:nvPr/>
+        </p:nvCxnSpPr>
+        <p:spPr>
+          <a:xfrm flipH="1">
+            <a:off x="2461062" y="1885474"/>
+            <a:ext cx="1318850" cy="0"/>
+          </a:xfrm>
+          <a:prstGeom prst="straightConnector1">
+            <a:avLst/>
+          </a:prstGeom>
+          <a:ln>
+            <a:tailEnd type="arrow"/>
+          </a:ln>
+        </p:spPr>
+        <p:style>
+          <a:lnRef idx="1">
+            <a:schemeClr val="accent1"/>
+          </a:lnRef>
+          <a:fillRef idx="0">
+            <a:schemeClr val="accent1"/>
+          </a:fillRef>
+          <a:effectRef idx="0">
+            <a:schemeClr val="accent1"/>
+          </a:effectRef>
+          <a:fontRef idx="minor">
+            <a:schemeClr val="tx1"/>
+          </a:fontRef>
+        </p:style>
+      </p:cxnSp>
+      <p:sp>
+        <p:nvSpPr>
+          <p:cNvPr id="22" name="TextBox 21"/>
+          <p:cNvSpPr txBox="1"/>
+          <p:nvPr/>
+        </p:nvSpPr>
+        <p:spPr>
+          <a:xfrm>
+            <a:off x="3730421" y="1673700"/>
+            <a:ext cx="1656184" cy="369332"/>
+          </a:xfrm>
+          <a:prstGeom prst="rect">
+            <a:avLst/>
+          </a:prstGeom>
+          <a:noFill/>
+        </p:spPr>
+        <p:txBody>
+          <a:bodyPr wrap="square" rtlCol="0">
+            <a:spAutoFit/>
+          </a:bodyPr>
+          <a:lstStyle/>
+          <a:p>
+            <a:r>
+              <a:rPr lang="en-US" altLang="zh-CN" dirty="0" err="1"/>
+              <a:t>S</a:t>
             </a:r>
             <a:r>
               <a:rPr lang="en-US" altLang="zh-CN" dirty="0" err="1" smtClean="0"/>
-              <a:t>Windowding</a:t>
-            </a:r>
-            <a:endParaRPr lang="en-US" altLang="zh-CN" dirty="0" smtClean="0"/>
-          </a:p>
-          <a:p>
-            <a:pPr marL="0" indent="0">
-              <a:buNone/>
-            </a:pPr>
+              <a:t>parkContext</a:t>
+            </a:r>
+            <a:endParaRPr lang="zh-CN" altLang="en-US" dirty="0"/>
+          </a:p>
+        </p:txBody>
+      </p:sp>
+      <p:cxnSp>
+        <p:nvCxnSpPr>
+          <p:cNvPr id="24" name="直接箭头连接符 23"/>
+          <p:cNvCxnSpPr/>
+          <p:nvPr/>
+        </p:nvCxnSpPr>
+        <p:spPr>
+          <a:xfrm flipH="1">
+            <a:off x="2418293" y="2596262"/>
+            <a:ext cx="1361619" cy="0"/>
+          </a:xfrm>
+          <a:prstGeom prst="straightConnector1">
+            <a:avLst/>
+          </a:prstGeom>
+          <a:ln>
+            <a:tailEnd type="arrow"/>
+          </a:ln>
+        </p:spPr>
+        <p:style>
+          <a:lnRef idx="1">
+            <a:schemeClr val="accent1"/>
+          </a:lnRef>
+          <a:fillRef idx="0">
+            <a:schemeClr val="accent1"/>
+          </a:fillRef>
+          <a:effectRef idx="0">
+            <a:schemeClr val="accent1"/>
+          </a:effectRef>
+          <a:fontRef idx="minor">
+            <a:schemeClr val="tx1"/>
+          </a:fontRef>
+        </p:style>
+      </p:cxnSp>
+      <p:sp>
+        <p:nvSpPr>
+          <p:cNvPr id="26" name="TextBox 25"/>
+          <p:cNvSpPr txBox="1"/>
+          <p:nvPr/>
+        </p:nvSpPr>
+        <p:spPr>
+          <a:xfrm>
+            <a:off x="3800614" y="2380238"/>
+            <a:ext cx="1944216" cy="369332"/>
+          </a:xfrm>
+          <a:prstGeom prst="rect">
+            <a:avLst/>
+          </a:prstGeom>
+          <a:noFill/>
+        </p:spPr>
+        <p:txBody>
+          <a:bodyPr wrap="square" rtlCol="0">
+            <a:spAutoFit/>
+          </a:bodyPr>
+          <a:lstStyle/>
+          <a:p>
             <a:r>
               <a:rPr lang="en-US" altLang="zh-CN" dirty="0" err="1" smtClean="0"/>
-              <a:t>Pairs.window</a:t>
-            </a:r>
-            <a:r>
-              <a:rPr lang="en-US" altLang="zh-CN" dirty="0" smtClean="0"/>
-              <a:t>(“5s”).</a:t>
-            </a:r>
+              <a:t>DAGScheduler</a:t>
+            </a:r>
+            <a:endParaRPr lang="zh-CN" altLang="en-US" dirty="0"/>
+          </a:p>
+        </p:txBody>
+      </p:sp>
+      <p:cxnSp>
+        <p:nvCxnSpPr>
+          <p:cNvPr id="28" name="直接箭头连接符 27"/>
+          <p:cNvCxnSpPr>
+            <a:endCxn id="6" idx="3"/>
+          </p:cNvCxnSpPr>
+          <p:nvPr/>
+        </p:nvCxnSpPr>
+        <p:spPr>
+          <a:xfrm flipH="1">
+            <a:off x="2699792" y="2596262"/>
+            <a:ext cx="1100822" cy="544706"/>
+          </a:xfrm>
+          <a:prstGeom prst="straightConnector1">
+            <a:avLst/>
+          </a:prstGeom>
+          <a:ln>
+            <a:tailEnd type="arrow"/>
+          </a:ln>
+        </p:spPr>
+        <p:style>
+          <a:lnRef idx="1">
+            <a:schemeClr val="accent1"/>
+          </a:lnRef>
+          <a:fillRef idx="0">
+            <a:schemeClr val="accent1"/>
+          </a:fillRef>
+          <a:effectRef idx="0">
+            <a:schemeClr val="accent1"/>
+          </a:effectRef>
+          <a:fontRef idx="minor">
+            <a:schemeClr val="tx1"/>
+          </a:fontRef>
+        </p:style>
+      </p:cxnSp>
+      <p:cxnSp>
+        <p:nvCxnSpPr>
+          <p:cNvPr id="32" name="直接箭头连接符 31"/>
+          <p:cNvCxnSpPr/>
+          <p:nvPr/>
+        </p:nvCxnSpPr>
+        <p:spPr>
+          <a:xfrm flipH="1">
+            <a:off x="2555776" y="3757682"/>
+            <a:ext cx="1440160" cy="0"/>
+          </a:xfrm>
+          <a:prstGeom prst="straightConnector1">
+            <a:avLst/>
+          </a:prstGeom>
+          <a:ln>
+            <a:tailEnd type="arrow"/>
+          </a:ln>
+        </p:spPr>
+        <p:style>
+          <a:lnRef idx="1">
+            <a:schemeClr val="accent1"/>
+          </a:lnRef>
+          <a:fillRef idx="0">
+            <a:schemeClr val="accent1"/>
+          </a:fillRef>
+          <a:effectRef idx="0">
+            <a:schemeClr val="accent1"/>
+          </a:effectRef>
+          <a:fontRef idx="minor">
+            <a:schemeClr val="tx1"/>
+          </a:fontRef>
+        </p:style>
+      </p:cxnSp>
+      <p:sp>
+        <p:nvSpPr>
+          <p:cNvPr id="33" name="TextBox 32"/>
+          <p:cNvSpPr txBox="1"/>
+          <p:nvPr/>
+        </p:nvSpPr>
+        <p:spPr>
+          <a:xfrm>
+            <a:off x="3995936" y="3573016"/>
+            <a:ext cx="1944216" cy="369332"/>
+          </a:xfrm>
+          <a:prstGeom prst="rect">
+            <a:avLst/>
+          </a:prstGeom>
+          <a:noFill/>
+        </p:spPr>
+        <p:txBody>
+          <a:bodyPr wrap="square" rtlCol="0">
+            <a:spAutoFit/>
+          </a:bodyPr>
+          <a:lstStyle/>
+          <a:p>
             <a:r>
               <a:rPr lang="en-US" altLang="zh-CN" dirty="0" err="1" smtClean="0"/>
-              <a:t>reduceByKey</a:t>
-            </a:r>
-            <a:r>
-              <a:rPr lang="en-US" altLang="zh-CN" dirty="0" smtClean="0"/>
-              <a:t>(_+_)</a:t>
-            </a:r>
-          </a:p>
-          <a:p>
-            <a:pPr marL="0" indent="0">
-              <a:buNone/>
-            </a:pPr>
-            <a:r>
-              <a:rPr lang="en-US" altLang="zh-CN" dirty="0" smtClean="0"/>
-              <a:t>b) Incremental aggregation:</a:t>
-            </a:r>
-          </a:p>
-          <a:p>
-            <a:pPr marL="0" indent="0">
-              <a:buNone/>
-            </a:pPr>
+              <a:t>TaskScheduler</a:t>
+            </a:r>
+            <a:endParaRPr lang="zh-CN" altLang="en-US" dirty="0"/>
+          </a:p>
+        </p:txBody>
+      </p:sp>
+      <p:cxnSp>
+        <p:nvCxnSpPr>
+          <p:cNvPr id="37" name="直接箭头连接符 36"/>
+          <p:cNvCxnSpPr>
+            <a:endCxn id="16" idx="3"/>
+          </p:cNvCxnSpPr>
+          <p:nvPr/>
+        </p:nvCxnSpPr>
+        <p:spPr>
+          <a:xfrm flipH="1">
+            <a:off x="2699792" y="4405754"/>
+            <a:ext cx="1512168" cy="0"/>
+          </a:xfrm>
+          <a:prstGeom prst="straightConnector1">
+            <a:avLst/>
+          </a:prstGeom>
+          <a:ln>
+            <a:tailEnd type="arrow"/>
+          </a:ln>
+        </p:spPr>
+        <p:style>
+          <a:lnRef idx="1">
+            <a:schemeClr val="accent1"/>
+          </a:lnRef>
+          <a:fillRef idx="0">
+            <a:schemeClr val="accent1"/>
+          </a:fillRef>
+          <a:effectRef idx="0">
+            <a:schemeClr val="accent1"/>
+          </a:effectRef>
+          <a:fontRef idx="minor">
+            <a:schemeClr val="tx1"/>
+          </a:fontRef>
+        </p:style>
+      </p:cxnSp>
+      <p:sp>
+        <p:nvSpPr>
+          <p:cNvPr id="38" name="TextBox 37"/>
+          <p:cNvSpPr txBox="1"/>
+          <p:nvPr/>
+        </p:nvSpPr>
+        <p:spPr>
+          <a:xfrm>
+            <a:off x="4211960" y="4221088"/>
+            <a:ext cx="2592288" cy="369332"/>
+          </a:xfrm>
+          <a:prstGeom prst="rect">
+            <a:avLst/>
+          </a:prstGeom>
+          <a:noFill/>
+        </p:spPr>
+        <p:txBody>
+          <a:bodyPr wrap="square" rtlCol="0">
+            <a:spAutoFit/>
+          </a:bodyPr>
+          <a:lstStyle/>
+          <a:p>
             <a:r>
               <a:rPr lang="en-US" altLang="zh-CN" dirty="0" err="1" smtClean="0"/>
-              <a:t>Pairs.reduceByWindow</a:t>
-            </a:r>
-            <a:r>
-              <a:rPr lang="en-US" altLang="zh-CN" dirty="0" smtClean="0"/>
-              <a:t>(“5s”, (</a:t>
-            </a:r>
+              <a:t>SchedulerBackend</a:t>
+            </a:r>
+            <a:endParaRPr lang="zh-CN" altLang="en-US" dirty="0"/>
+          </a:p>
+        </p:txBody>
+      </p:sp>
+      <p:cxnSp>
+        <p:nvCxnSpPr>
+          <p:cNvPr id="40" name="直接箭头连接符 39"/>
+          <p:cNvCxnSpPr>
+            <a:stCxn id="38" idx="1"/>
+            <a:endCxn id="17" idx="3"/>
+          </p:cNvCxnSpPr>
+          <p:nvPr/>
+        </p:nvCxnSpPr>
+        <p:spPr>
+          <a:xfrm flipH="1">
+            <a:off x="2699792" y="4405754"/>
+            <a:ext cx="1512168" cy="648072"/>
+          </a:xfrm>
+          <a:prstGeom prst="straightConnector1">
+            <a:avLst/>
+          </a:prstGeom>
+          <a:ln>
+            <a:tailEnd type="arrow"/>
+          </a:ln>
+        </p:spPr>
+        <p:style>
+          <a:lnRef idx="1">
+            <a:schemeClr val="accent1"/>
+          </a:lnRef>
+          <a:fillRef idx="0">
+            <a:schemeClr val="accent1"/>
+          </a:fillRef>
+          <a:effectRef idx="0">
+            <a:schemeClr val="accent1"/>
+          </a:effectRef>
+          <a:fontRef idx="minor">
+            <a:schemeClr val="tx1"/>
+          </a:fontRef>
+        </p:style>
+      </p:cxnSp>
+      <p:cxnSp>
+        <p:nvCxnSpPr>
+          <p:cNvPr id="42" name="直接箭头连接符 41"/>
+          <p:cNvCxnSpPr/>
+          <p:nvPr/>
+        </p:nvCxnSpPr>
+        <p:spPr>
+          <a:xfrm flipH="1">
+            <a:off x="2699793" y="5701898"/>
+            <a:ext cx="1440159" cy="0"/>
+          </a:xfrm>
+          <a:prstGeom prst="straightConnector1">
+            <a:avLst/>
+          </a:prstGeom>
+          <a:ln>
+            <a:tailEnd type="arrow"/>
+          </a:ln>
+        </p:spPr>
+        <p:style>
+          <a:lnRef idx="1">
+            <a:schemeClr val="accent1"/>
+          </a:lnRef>
+          <a:fillRef idx="0">
+            <a:schemeClr val="accent1"/>
+          </a:fillRef>
+          <a:effectRef idx="0">
+            <a:schemeClr val="accent1"/>
+          </a:effectRef>
+          <a:fontRef idx="minor">
+            <a:schemeClr val="tx1"/>
+          </a:fontRef>
+        </p:style>
+      </p:cxnSp>
+      <p:sp>
+        <p:nvSpPr>
+          <p:cNvPr id="43" name="TextBox 42"/>
+          <p:cNvSpPr txBox="1"/>
+          <p:nvPr/>
+        </p:nvSpPr>
+        <p:spPr>
+          <a:xfrm>
+            <a:off x="4139952" y="5517232"/>
+            <a:ext cx="3816424" cy="369332"/>
+          </a:xfrm>
+          <a:prstGeom prst="rect">
+            <a:avLst/>
+          </a:prstGeom>
+          <a:noFill/>
+        </p:spPr>
+        <p:txBody>
+          <a:bodyPr wrap="square" rtlCol="0">
+            <a:spAutoFit/>
+          </a:bodyPr>
+          <a:lstStyle/>
+          <a:p>
             <a:r>
               <a:rPr lang="en-US" altLang="zh-CN" dirty="0" err="1" smtClean="0"/>
-              <a:t>a,b</a:t>
-            </a:r>
-            <a:r>
-              <a:rPr lang="en-US" altLang="zh-CN" dirty="0" smtClean="0"/>
-              <a:t>)=&gt;</a:t>
-            </a:r>
-            <a:r>
-              <a:rPr lang="en-US" altLang="zh-CN" dirty="0" err="1" smtClean="0"/>
-              <a:t>a+b</a:t>
-            </a:r>
-            <a:r>
-              <a:rPr lang="en-US" altLang="zh-CN" dirty="0" smtClean="0"/>
-              <a:t>)</a:t>
-            </a:r>
-          </a:p>
-          <a:p>
-            <a:pPr marL="0" indent="0">
-              <a:buNone/>
-            </a:pPr>
-            <a:r>
-              <a:rPr lang="en-US" altLang="zh-CN" dirty="0" smtClean="0"/>
-              <a:t>c) </a:t>
-            </a:r>
-            <a:r>
-              <a:rPr lang="en-US" altLang="zh-CN" dirty="0"/>
-              <a:t>T</a:t>
-            </a:r>
-            <a:r>
-              <a:rPr lang="en-US" altLang="zh-CN" dirty="0" smtClean="0"/>
-              <a:t>ime-skewed joins</a:t>
-            </a:r>
-          </a:p>
-          <a:p>
-            <a:pPr marL="0" indent="0">
-              <a:buNone/>
-            </a:pPr>
-            <a:endParaRPr lang="en-US" altLang="zh-CN" dirty="0" smtClean="0"/>
-          </a:p>
-          <a:p>
-            <a:pPr marL="0" indent="0">
-              <a:buNone/>
-            </a:pPr>
-            <a:endParaRPr lang="en-US" altLang="zh-CN" dirty="0" smtClean="0"/>
-          </a:p>
-          <a:p>
-            <a:endParaRPr lang="en-US" altLang="zh-CN" dirty="0" smtClean="0"/>
-          </a:p>
-          <a:p>
-            <a:endParaRPr lang="en-US" altLang="zh-CN" dirty="0" smtClean="0"/>
-          </a:p>
-          <a:p>
+              <a:t>CoarseGrainedExecutorBackend</a:t>
+            </a:r>
             <a:endParaRPr lang="zh-CN" altLang="en-US" dirty="0"/>
           </a:p>
         </p:txBody>
       </p:sp>
+      <p:cxnSp>
+        <p:nvCxnSpPr>
+          <p:cNvPr id="45" name="直接箭头连接符 44"/>
+          <p:cNvCxnSpPr/>
+          <p:nvPr/>
+        </p:nvCxnSpPr>
+        <p:spPr>
+          <a:xfrm flipH="1">
+            <a:off x="2699793" y="6277962"/>
+            <a:ext cx="1440159" cy="0"/>
+          </a:xfrm>
+          <a:prstGeom prst="straightConnector1">
+            <a:avLst/>
+          </a:prstGeom>
+          <a:ln>
+            <a:tailEnd type="arrow"/>
+          </a:ln>
+        </p:spPr>
+        <p:style>
+          <a:lnRef idx="1">
+            <a:schemeClr val="accent1"/>
+          </a:lnRef>
+          <a:fillRef idx="0">
+            <a:schemeClr val="accent1"/>
+          </a:fillRef>
+          <a:effectRef idx="0">
+            <a:schemeClr val="accent1"/>
+          </a:effectRef>
+          <a:fontRef idx="minor">
+            <a:schemeClr val="tx1"/>
+          </a:fontRef>
+        </p:style>
+      </p:cxnSp>
+      <p:sp>
+        <p:nvSpPr>
+          <p:cNvPr id="46" name="TextBox 45"/>
+          <p:cNvSpPr txBox="1"/>
+          <p:nvPr/>
+        </p:nvSpPr>
+        <p:spPr>
+          <a:xfrm>
+            <a:off x="4139952" y="6093296"/>
+            <a:ext cx="2232248" cy="369332"/>
+          </a:xfrm>
+          <a:prstGeom prst="rect">
+            <a:avLst/>
+          </a:prstGeom>
+          <a:noFill/>
+        </p:spPr>
+        <p:txBody>
+          <a:bodyPr wrap="square" rtlCol="0">
+            <a:spAutoFit/>
+          </a:bodyPr>
+          <a:lstStyle/>
+          <a:p>
+            <a:r>
+              <a:rPr lang="en-US" altLang="zh-CN" dirty="0" smtClean="0"/>
+              <a:t>Executor</a:t>
+            </a:r>
+            <a:endParaRPr lang="zh-CN" altLang="en-US" dirty="0"/>
+          </a:p>
+        </p:txBody>
+      </p:sp>
+      <p:cxnSp>
+        <p:nvCxnSpPr>
+          <p:cNvPr id="49" name="直接箭头连接符 48"/>
+          <p:cNvCxnSpPr/>
+          <p:nvPr/>
+        </p:nvCxnSpPr>
+        <p:spPr>
+          <a:xfrm>
+            <a:off x="1789108" y="2132856"/>
+            <a:ext cx="0" cy="216024"/>
+          </a:xfrm>
+          <a:prstGeom prst="straightConnector1">
+            <a:avLst/>
+          </a:prstGeom>
+          <a:ln>
+            <a:tailEnd type="arrow"/>
+          </a:ln>
+        </p:spPr>
+        <p:style>
+          <a:lnRef idx="1">
+            <a:schemeClr val="accent1"/>
+          </a:lnRef>
+          <a:fillRef idx="0">
+            <a:schemeClr val="accent1"/>
+          </a:fillRef>
+          <a:effectRef idx="0">
+            <a:schemeClr val="accent1"/>
+          </a:effectRef>
+          <a:fontRef idx="minor">
+            <a:schemeClr val="tx1"/>
+          </a:fontRef>
+        </p:style>
+      </p:cxnSp>
+      <p:cxnSp>
+        <p:nvCxnSpPr>
+          <p:cNvPr id="51" name="直接箭头连接符 50"/>
+          <p:cNvCxnSpPr/>
+          <p:nvPr/>
+        </p:nvCxnSpPr>
+        <p:spPr>
+          <a:xfrm>
+            <a:off x="1789108" y="2749570"/>
+            <a:ext cx="0" cy="175374"/>
+          </a:xfrm>
+          <a:prstGeom prst="straightConnector1">
+            <a:avLst/>
+          </a:prstGeom>
+          <a:ln>
+            <a:tailEnd type="arrow"/>
+          </a:ln>
+        </p:spPr>
+        <p:style>
+          <a:lnRef idx="1">
+            <a:schemeClr val="accent1"/>
+          </a:lnRef>
+          <a:fillRef idx="0">
+            <a:schemeClr val="accent1"/>
+          </a:fillRef>
+          <a:effectRef idx="0">
+            <a:schemeClr val="accent1"/>
+          </a:effectRef>
+          <a:fontRef idx="minor">
+            <a:schemeClr val="tx1"/>
+          </a:fontRef>
+        </p:style>
+      </p:cxnSp>
+      <p:cxnSp>
+        <p:nvCxnSpPr>
+          <p:cNvPr id="55" name="直接箭头连接符 54"/>
+          <p:cNvCxnSpPr/>
+          <p:nvPr/>
+        </p:nvCxnSpPr>
+        <p:spPr>
+          <a:xfrm>
+            <a:off x="1816430" y="3356992"/>
+            <a:ext cx="0" cy="216024"/>
+          </a:xfrm>
+          <a:prstGeom prst="straightConnector1">
+            <a:avLst/>
+          </a:prstGeom>
+          <a:ln>
+            <a:tailEnd type="arrow"/>
+          </a:ln>
+        </p:spPr>
+        <p:style>
+          <a:lnRef idx="1">
+            <a:schemeClr val="accent1"/>
+          </a:lnRef>
+          <a:fillRef idx="0">
+            <a:schemeClr val="accent1"/>
+          </a:fillRef>
+          <a:effectRef idx="0">
+            <a:schemeClr val="accent1"/>
+          </a:effectRef>
+          <a:fontRef idx="minor">
+            <a:schemeClr val="tx1"/>
+          </a:fontRef>
+        </p:style>
+      </p:cxnSp>
+      <p:cxnSp>
+        <p:nvCxnSpPr>
+          <p:cNvPr id="57" name="直接箭头连接符 56"/>
+          <p:cNvCxnSpPr>
+            <a:stCxn id="7" idx="2"/>
+          </p:cNvCxnSpPr>
+          <p:nvPr/>
+        </p:nvCxnSpPr>
+        <p:spPr>
+          <a:xfrm>
+            <a:off x="1815487" y="4005064"/>
+            <a:ext cx="0" cy="216024"/>
+          </a:xfrm>
+          <a:prstGeom prst="straightConnector1">
+            <a:avLst/>
+          </a:prstGeom>
+          <a:ln>
+            <a:tailEnd type="arrow"/>
+          </a:ln>
+        </p:spPr>
+        <p:style>
+          <a:lnRef idx="1">
+            <a:schemeClr val="accent1"/>
+          </a:lnRef>
+          <a:fillRef idx="0">
+            <a:schemeClr val="accent1"/>
+          </a:fillRef>
+          <a:effectRef idx="0">
+            <a:schemeClr val="accent1"/>
+          </a:effectRef>
+          <a:fontRef idx="minor">
+            <a:schemeClr val="tx1"/>
+          </a:fontRef>
+        </p:style>
+      </p:cxnSp>
+      <p:cxnSp>
+        <p:nvCxnSpPr>
+          <p:cNvPr id="59" name="直接箭头连接符 58"/>
+          <p:cNvCxnSpPr/>
+          <p:nvPr/>
+        </p:nvCxnSpPr>
+        <p:spPr>
+          <a:xfrm>
+            <a:off x="1826999" y="4653136"/>
+            <a:ext cx="3274" cy="216024"/>
+          </a:xfrm>
+          <a:prstGeom prst="straightConnector1">
+            <a:avLst/>
+          </a:prstGeom>
+          <a:ln>
+            <a:tailEnd type="arrow"/>
+          </a:ln>
+        </p:spPr>
+        <p:style>
+          <a:lnRef idx="1">
+            <a:schemeClr val="accent1"/>
+          </a:lnRef>
+          <a:fillRef idx="0">
+            <a:schemeClr val="accent1"/>
+          </a:fillRef>
+          <a:effectRef idx="0">
+            <a:schemeClr val="accent1"/>
+          </a:effectRef>
+          <a:fontRef idx="minor">
+            <a:schemeClr val="tx1"/>
+          </a:fontRef>
+        </p:style>
+      </p:cxnSp>
+      <p:cxnSp>
+        <p:nvCxnSpPr>
+          <p:cNvPr id="61" name="直接箭头连接符 60"/>
+          <p:cNvCxnSpPr/>
+          <p:nvPr/>
+        </p:nvCxnSpPr>
+        <p:spPr>
+          <a:xfrm flipH="1">
+            <a:off x="1830273" y="5329906"/>
+            <a:ext cx="770" cy="216024"/>
+          </a:xfrm>
+          <a:prstGeom prst="straightConnector1">
+            <a:avLst/>
+          </a:prstGeom>
+          <a:ln>
+            <a:tailEnd type="arrow"/>
+          </a:ln>
+        </p:spPr>
+        <p:style>
+          <a:lnRef idx="1">
+            <a:schemeClr val="accent1"/>
+          </a:lnRef>
+          <a:fillRef idx="0">
+            <a:schemeClr val="accent1"/>
+          </a:fillRef>
+          <a:effectRef idx="0">
+            <a:schemeClr val="accent1"/>
+          </a:effectRef>
+          <a:fontRef idx="minor">
+            <a:schemeClr val="tx1"/>
+          </a:fontRef>
+        </p:style>
+      </p:cxnSp>
+      <p:cxnSp>
+        <p:nvCxnSpPr>
+          <p:cNvPr id="63" name="直接箭头连接符 62"/>
+          <p:cNvCxnSpPr/>
+          <p:nvPr/>
+        </p:nvCxnSpPr>
+        <p:spPr>
+          <a:xfrm flipH="1">
+            <a:off x="1816430" y="5949280"/>
+            <a:ext cx="3274" cy="144016"/>
+          </a:xfrm>
+          <a:prstGeom prst="straightConnector1">
+            <a:avLst/>
+          </a:prstGeom>
+          <a:ln>
+            <a:tailEnd type="arrow"/>
+          </a:ln>
+        </p:spPr>
+        <p:style>
+          <a:lnRef idx="1">
+            <a:schemeClr val="accent1"/>
+          </a:lnRef>
+          <a:fillRef idx="0">
+            <a:schemeClr val="accent1"/>
+          </a:fillRef>
+          <a:effectRef idx="0">
+            <a:schemeClr val="accent1"/>
+          </a:effectRef>
+          <a:fontRef idx="minor">
+            <a:schemeClr val="tx1"/>
+          </a:fontRef>
+        </p:style>
+      </p:cxnSp>
     </p:spTree>
     <p:extLst>
       <p:ext uri="{BB962C8B-B14F-4D97-AF65-F5344CB8AC3E}">
-        <p14:creationId xmlns:p14="http://schemas.microsoft.com/office/powerpoint/2010/main" val="121755027"/>
+        <p14:creationId xmlns:p14="http://schemas.microsoft.com/office/powerpoint/2010/main" val="1600076105"/>
       </p:ext>
     </p:extLst>
   </p:cSld>
@@ -5566,6 +6671,2087 @@
           <a:lstStyle/>
           <a:p>
             <a:r>
+              <a:rPr lang="en-US" altLang="zh-CN" dirty="0" err="1" smtClean="0"/>
+              <a:t>Akka</a:t>
+            </a:r>
+            <a:r>
+              <a:rPr lang="en-US" altLang="zh-CN" dirty="0" smtClean="0"/>
+              <a:t> actors</a:t>
+            </a:r>
+            <a:endParaRPr lang="zh-CN" altLang="en-US" dirty="0"/>
+          </a:p>
+        </p:txBody>
+      </p:sp>
+      <p:sp>
+        <p:nvSpPr>
+          <p:cNvPr id="3" name="内容占位符 2"/>
+          <p:cNvSpPr>
+            <a:spLocks noGrp="1"/>
+          </p:cNvSpPr>
+          <p:nvPr>
+            <p:ph sz="quarter" idx="1"/>
+          </p:nvPr>
+        </p:nvSpPr>
+        <p:spPr>
+          <a:xfrm>
+            <a:off x="457200" y="1600200"/>
+            <a:ext cx="7499176" cy="4925144"/>
+          </a:xfrm>
+        </p:spPr>
+        <p:txBody>
+          <a:bodyPr/>
+          <a:lstStyle/>
+          <a:p>
+            <a:r>
+              <a:rPr lang="en-US" altLang="zh-CN" dirty="0" smtClean="0"/>
+              <a:t>Lightweight, concurrent, event-driven</a:t>
+            </a:r>
+            <a:endParaRPr lang="zh-CN" altLang="en-US" dirty="0"/>
+          </a:p>
+        </p:txBody>
+      </p:sp>
+      <p:sp>
+        <p:nvSpPr>
+          <p:cNvPr id="4" name="矩形 3"/>
+          <p:cNvSpPr/>
+          <p:nvPr/>
+        </p:nvSpPr>
+        <p:spPr>
+          <a:xfrm>
+            <a:off x="755576" y="2420888"/>
+            <a:ext cx="7056784" cy="3960440"/>
+          </a:xfrm>
+          <a:prstGeom prst="rect">
+            <a:avLst/>
+          </a:prstGeom>
+        </p:spPr>
+        <p:style>
+          <a:lnRef idx="2">
+            <a:schemeClr val="accent1">
+              <a:shade val="50000"/>
+            </a:schemeClr>
+          </a:lnRef>
+          <a:fillRef idx="1">
+            <a:schemeClr val="accent1"/>
+          </a:fillRef>
+          <a:effectRef idx="0">
+            <a:schemeClr val="accent1"/>
+          </a:effectRef>
+          <a:fontRef idx="minor">
+            <a:schemeClr val="lt1"/>
+          </a:fontRef>
+        </p:style>
+        <p:txBody>
+          <a:bodyPr rtlCol="0" anchor="ctr"/>
+          <a:lstStyle/>
+          <a:p>
+            <a:pPr algn="ctr"/>
+            <a:endParaRPr lang="zh-CN" altLang="en-US"/>
+          </a:p>
+        </p:txBody>
+      </p:sp>
+      <p:sp>
+        <p:nvSpPr>
+          <p:cNvPr id="6" name="TextBox 5"/>
+          <p:cNvSpPr txBox="1"/>
+          <p:nvPr/>
+        </p:nvSpPr>
+        <p:spPr>
+          <a:xfrm>
+            <a:off x="899592" y="2605554"/>
+            <a:ext cx="6840760" cy="3416320"/>
+          </a:xfrm>
+          <a:prstGeom prst="rect">
+            <a:avLst/>
+          </a:prstGeom>
+          <a:noFill/>
+        </p:spPr>
+        <p:txBody>
+          <a:bodyPr wrap="square" rtlCol="0">
+            <a:spAutoFit/>
+          </a:bodyPr>
+          <a:lstStyle/>
+          <a:p>
+            <a:r>
+              <a:rPr lang="en-US" altLang="zh-CN" dirty="0"/>
+              <a:t>case class Greeting(who: String) </a:t>
+            </a:r>
+            <a:endParaRPr lang="en-US" altLang="zh-CN" dirty="0" smtClean="0"/>
+          </a:p>
+          <a:p>
+            <a:endParaRPr lang="en-US" altLang="zh-CN" dirty="0"/>
+          </a:p>
+          <a:p>
+            <a:r>
+              <a:rPr lang="en-US" altLang="zh-CN" dirty="0" smtClean="0"/>
+              <a:t>class </a:t>
+            </a:r>
+            <a:r>
+              <a:rPr lang="en-US" altLang="zh-CN" dirty="0" err="1"/>
+              <a:t>GreetingActor</a:t>
+            </a:r>
+            <a:r>
+              <a:rPr lang="en-US" altLang="zh-CN" dirty="0"/>
+              <a:t> extends Actor with </a:t>
+            </a:r>
+            <a:r>
+              <a:rPr lang="en-US" altLang="zh-CN" dirty="0" err="1"/>
+              <a:t>ActorLogging</a:t>
+            </a:r>
+            <a:r>
+              <a:rPr lang="en-US" altLang="zh-CN" dirty="0"/>
+              <a:t> </a:t>
+            </a:r>
+            <a:r>
+              <a:rPr lang="en-US" altLang="zh-CN" dirty="0" smtClean="0"/>
+              <a:t>{</a:t>
+            </a:r>
+          </a:p>
+          <a:p>
+            <a:r>
+              <a:rPr lang="en-US" altLang="zh-CN" dirty="0"/>
+              <a:t> </a:t>
+            </a:r>
+            <a:r>
+              <a:rPr lang="en-US" altLang="zh-CN" dirty="0" smtClean="0"/>
+              <a:t>  </a:t>
+            </a:r>
+            <a:r>
+              <a:rPr lang="en-US" altLang="zh-CN" dirty="0" err="1" smtClean="0"/>
+              <a:t>def</a:t>
+            </a:r>
+            <a:r>
+              <a:rPr lang="en-US" altLang="zh-CN" dirty="0" smtClean="0"/>
+              <a:t> </a:t>
+            </a:r>
+            <a:r>
+              <a:rPr lang="en-US" altLang="zh-CN" dirty="0"/>
+              <a:t>receive = </a:t>
+            </a:r>
+            <a:r>
+              <a:rPr lang="en-US" altLang="zh-CN" dirty="0" smtClean="0"/>
+              <a:t>{</a:t>
+            </a:r>
+          </a:p>
+          <a:p>
+            <a:r>
+              <a:rPr lang="en-US" altLang="zh-CN" dirty="0"/>
+              <a:t> </a:t>
+            </a:r>
+            <a:r>
+              <a:rPr lang="en-US" altLang="zh-CN" dirty="0" smtClean="0"/>
+              <a:t>      </a:t>
+            </a:r>
+            <a:r>
+              <a:rPr lang="en-US" altLang="zh-CN" dirty="0"/>
+              <a:t>case Greeting(who) ⇒ log.info("Hello " + who) </a:t>
+            </a:r>
+            <a:endParaRPr lang="en-US" altLang="zh-CN" dirty="0" smtClean="0"/>
+          </a:p>
+          <a:p>
+            <a:r>
+              <a:rPr lang="en-US" altLang="zh-CN" dirty="0"/>
+              <a:t> </a:t>
+            </a:r>
+            <a:r>
+              <a:rPr lang="en-US" altLang="zh-CN" dirty="0" smtClean="0"/>
+              <a:t>   } </a:t>
+            </a:r>
+          </a:p>
+          <a:p>
+            <a:r>
+              <a:rPr lang="en-US" altLang="zh-CN" dirty="0" smtClean="0"/>
+              <a:t>} </a:t>
+            </a:r>
+          </a:p>
+          <a:p>
+            <a:endParaRPr lang="en-US" altLang="zh-CN" dirty="0"/>
+          </a:p>
+          <a:p>
+            <a:r>
+              <a:rPr lang="en-US" altLang="zh-CN" dirty="0" err="1" smtClean="0"/>
+              <a:t>val</a:t>
+            </a:r>
+            <a:r>
+              <a:rPr lang="en-US" altLang="zh-CN" dirty="0" smtClean="0"/>
+              <a:t> </a:t>
+            </a:r>
+            <a:r>
+              <a:rPr lang="en-US" altLang="zh-CN" dirty="0"/>
+              <a:t>system = </a:t>
+            </a:r>
+            <a:r>
+              <a:rPr lang="en-US" altLang="zh-CN" dirty="0" err="1"/>
+              <a:t>ActorSystem</a:t>
+            </a:r>
+            <a:r>
+              <a:rPr lang="en-US" altLang="zh-CN" dirty="0"/>
+              <a:t>("</a:t>
+            </a:r>
+            <a:r>
+              <a:rPr lang="en-US" altLang="zh-CN" dirty="0" err="1"/>
+              <a:t>MySystem</a:t>
+            </a:r>
+            <a:r>
+              <a:rPr lang="en-US" altLang="zh-CN" dirty="0"/>
+              <a:t>") </a:t>
+            </a:r>
+            <a:endParaRPr lang="en-US" altLang="zh-CN" dirty="0" smtClean="0"/>
+          </a:p>
+          <a:p>
+            <a:r>
+              <a:rPr lang="en-US" altLang="zh-CN" dirty="0" err="1" smtClean="0"/>
+              <a:t>val</a:t>
+            </a:r>
+            <a:r>
+              <a:rPr lang="en-US" altLang="zh-CN" dirty="0" smtClean="0"/>
+              <a:t> </a:t>
+            </a:r>
+            <a:r>
+              <a:rPr lang="en-US" altLang="zh-CN" dirty="0"/>
+              <a:t>greeter = </a:t>
+            </a:r>
+            <a:r>
+              <a:rPr lang="en-US" altLang="zh-CN" dirty="0" err="1"/>
+              <a:t>system.actorOf</a:t>
+            </a:r>
+            <a:r>
+              <a:rPr lang="en-US" altLang="zh-CN" dirty="0"/>
+              <a:t>(Props[</a:t>
+            </a:r>
+            <a:r>
+              <a:rPr lang="en-US" altLang="zh-CN" dirty="0" err="1"/>
+              <a:t>GreetingActor</a:t>
+            </a:r>
+            <a:r>
+              <a:rPr lang="en-US" altLang="zh-CN" dirty="0"/>
+              <a:t>], name = "greeter") </a:t>
+            </a:r>
+            <a:endParaRPr lang="en-US" altLang="zh-CN" dirty="0" smtClean="0"/>
+          </a:p>
+          <a:p>
+            <a:r>
+              <a:rPr lang="en-US" altLang="zh-CN" dirty="0" smtClean="0"/>
+              <a:t>greeter </a:t>
+            </a:r>
+            <a:r>
+              <a:rPr lang="en-US" altLang="zh-CN" dirty="0"/>
+              <a:t>! Greeting("Charlie Parker")</a:t>
+            </a:r>
+            <a:endParaRPr lang="zh-CN" altLang="en-US" dirty="0"/>
+          </a:p>
+        </p:txBody>
+      </p:sp>
+    </p:spTree>
+    <p:extLst>
+      <p:ext uri="{BB962C8B-B14F-4D97-AF65-F5344CB8AC3E}">
+        <p14:creationId xmlns:p14="http://schemas.microsoft.com/office/powerpoint/2010/main" val="3635953155"/>
+      </p:ext>
+    </p:extLst>
+  </p:cSld>
+  <p:clrMapOvr>
+    <a:masterClrMapping/>
+  </p:clrMapOvr>
+  <p:timing>
+    <p:tnLst>
+      <p:par>
+        <p:cTn id="1" dur="indefinite" restart="never" nodeType="tmRoot"/>
+      </p:par>
+    </p:tnLst>
+  </p:timing>
+</p:sld>
+</file>
+
+<file path=ppt/slides/slide13.xml><?xml version="1.0" encoding="utf-8"?>
+<p:sld xmlns:a="http://schemas.openxmlformats.org/drawingml/2006/main" xmlns:r="http://schemas.openxmlformats.org/officeDocument/2006/relationships" xmlns:p="http://schemas.openxmlformats.org/presentationml/2006/main">
+  <p:cSld>
+    <p:spTree>
+      <p:nvGrpSpPr>
+        <p:cNvPr id="1" name=""/>
+        <p:cNvGrpSpPr/>
+        <p:nvPr/>
+      </p:nvGrpSpPr>
+      <p:grpSpPr>
+        <a:xfrm>
+          <a:off x="0" y="0"/>
+          <a:ext cx="0" cy="0"/>
+          <a:chOff x="0" y="0"/>
+          <a:chExt cx="0" cy="0"/>
+        </a:xfrm>
+      </p:grpSpPr>
+      <p:sp>
+        <p:nvSpPr>
+          <p:cNvPr id="2" name="标题 1"/>
+          <p:cNvSpPr>
+            <a:spLocks noGrp="1"/>
+          </p:cNvSpPr>
+          <p:nvPr>
+            <p:ph type="title"/>
+          </p:nvPr>
+        </p:nvSpPr>
+        <p:spPr/>
+        <p:txBody>
+          <a:bodyPr/>
+          <a:lstStyle/>
+          <a:p>
+            <a:r>
+              <a:rPr lang="en-US" altLang="zh-CN" dirty="0" smtClean="0"/>
+              <a:t>Spark deploy (standalone-cluster)</a:t>
+            </a:r>
+            <a:endParaRPr lang="zh-CN" altLang="en-US" dirty="0"/>
+          </a:p>
+        </p:txBody>
+      </p:sp>
+      <p:sp>
+        <p:nvSpPr>
+          <p:cNvPr id="3" name="内容占位符 2"/>
+          <p:cNvSpPr>
+            <a:spLocks noGrp="1"/>
+          </p:cNvSpPr>
+          <p:nvPr>
+            <p:ph sz="quarter" idx="1"/>
+          </p:nvPr>
+        </p:nvSpPr>
+        <p:spPr/>
+        <p:txBody>
+          <a:bodyPr/>
+          <a:lstStyle/>
+          <a:p>
+            <a:r>
+              <a:rPr lang="en-US" altLang="zh-CN" dirty="0" smtClean="0"/>
+              <a:t>Master-workers (</a:t>
+            </a:r>
+            <a:r>
+              <a:rPr lang="en-US" altLang="zh-CN" dirty="0" err="1" smtClean="0"/>
+              <a:t>akka</a:t>
+            </a:r>
+            <a:r>
+              <a:rPr lang="en-US" altLang="zh-CN" dirty="0" smtClean="0"/>
+              <a:t> actors)</a:t>
+            </a:r>
+          </a:p>
+          <a:p>
+            <a:r>
+              <a:rPr lang="en-US" altLang="zh-CN" dirty="0" err="1" smtClean="0"/>
+              <a:t>ClusterScheduler</a:t>
+            </a:r>
+            <a:endParaRPr lang="en-US" altLang="zh-CN" dirty="0" smtClean="0"/>
+          </a:p>
+          <a:p>
+            <a:r>
+              <a:rPr lang="en-US" altLang="zh-CN" dirty="0" err="1" smtClean="0"/>
+              <a:t>CoarseGrainedSchedulerBackend</a:t>
+            </a:r>
+            <a:endParaRPr lang="zh-CN" altLang="en-US" dirty="0"/>
+          </a:p>
+        </p:txBody>
+      </p:sp>
+      <p:sp>
+        <p:nvSpPr>
+          <p:cNvPr id="4" name="圆角矩形 3"/>
+          <p:cNvSpPr/>
+          <p:nvPr/>
+        </p:nvSpPr>
+        <p:spPr>
+          <a:xfrm>
+            <a:off x="827584" y="3212976"/>
+            <a:ext cx="1224136" cy="504056"/>
+          </a:xfrm>
+          <a:prstGeom prst="roundRect">
+            <a:avLst/>
+          </a:prstGeom>
+        </p:spPr>
+        <p:style>
+          <a:lnRef idx="2">
+            <a:schemeClr val="accent1">
+              <a:shade val="50000"/>
+            </a:schemeClr>
+          </a:lnRef>
+          <a:fillRef idx="1">
+            <a:schemeClr val="accent1"/>
+          </a:fillRef>
+          <a:effectRef idx="0">
+            <a:schemeClr val="accent1"/>
+          </a:effectRef>
+          <a:fontRef idx="minor">
+            <a:schemeClr val="lt1"/>
+          </a:fontRef>
+        </p:style>
+        <p:txBody>
+          <a:bodyPr rtlCol="0" anchor="ctr"/>
+          <a:lstStyle/>
+          <a:p>
+            <a:pPr algn="ctr"/>
+            <a:endParaRPr lang="zh-CN" altLang="en-US"/>
+          </a:p>
+        </p:txBody>
+      </p:sp>
+      <p:sp>
+        <p:nvSpPr>
+          <p:cNvPr id="5" name="圆角矩形 4"/>
+          <p:cNvSpPr/>
+          <p:nvPr/>
+        </p:nvSpPr>
+        <p:spPr>
+          <a:xfrm>
+            <a:off x="2771800" y="3212976"/>
+            <a:ext cx="1224136" cy="504056"/>
+          </a:xfrm>
+          <a:prstGeom prst="roundRect">
+            <a:avLst/>
+          </a:prstGeom>
+        </p:spPr>
+        <p:style>
+          <a:lnRef idx="2">
+            <a:schemeClr val="accent1">
+              <a:shade val="50000"/>
+            </a:schemeClr>
+          </a:lnRef>
+          <a:fillRef idx="1">
+            <a:schemeClr val="accent1"/>
+          </a:fillRef>
+          <a:effectRef idx="0">
+            <a:schemeClr val="accent1"/>
+          </a:effectRef>
+          <a:fontRef idx="minor">
+            <a:schemeClr val="lt1"/>
+          </a:fontRef>
+        </p:style>
+        <p:txBody>
+          <a:bodyPr rtlCol="0" anchor="ctr"/>
+          <a:lstStyle/>
+          <a:p>
+            <a:pPr algn="ctr"/>
+            <a:endParaRPr lang="zh-CN" altLang="en-US"/>
+          </a:p>
+        </p:txBody>
+      </p:sp>
+      <p:sp>
+        <p:nvSpPr>
+          <p:cNvPr id="6" name="圆角矩形 5"/>
+          <p:cNvSpPr/>
+          <p:nvPr/>
+        </p:nvSpPr>
+        <p:spPr>
+          <a:xfrm>
+            <a:off x="1439652" y="4365104"/>
+            <a:ext cx="1404156" cy="504056"/>
+          </a:xfrm>
+          <a:prstGeom prst="roundRect">
+            <a:avLst/>
+          </a:prstGeom>
+        </p:spPr>
+        <p:style>
+          <a:lnRef idx="2">
+            <a:schemeClr val="accent1">
+              <a:shade val="50000"/>
+            </a:schemeClr>
+          </a:lnRef>
+          <a:fillRef idx="1">
+            <a:schemeClr val="accent1"/>
+          </a:fillRef>
+          <a:effectRef idx="0">
+            <a:schemeClr val="accent1"/>
+          </a:effectRef>
+          <a:fontRef idx="minor">
+            <a:schemeClr val="lt1"/>
+          </a:fontRef>
+        </p:style>
+        <p:txBody>
+          <a:bodyPr rtlCol="0" anchor="ctr"/>
+          <a:lstStyle/>
+          <a:p>
+            <a:pPr algn="ctr"/>
+            <a:endParaRPr lang="zh-CN" altLang="en-US"/>
+          </a:p>
+        </p:txBody>
+      </p:sp>
+      <p:sp>
+        <p:nvSpPr>
+          <p:cNvPr id="7" name="圆角矩形 6"/>
+          <p:cNvSpPr/>
+          <p:nvPr/>
+        </p:nvSpPr>
+        <p:spPr>
+          <a:xfrm>
+            <a:off x="3491880" y="4365104"/>
+            <a:ext cx="2232248" cy="504056"/>
+          </a:xfrm>
+          <a:prstGeom prst="roundRect">
+            <a:avLst/>
+          </a:prstGeom>
+        </p:spPr>
+        <p:style>
+          <a:lnRef idx="2">
+            <a:schemeClr val="accent1">
+              <a:shade val="50000"/>
+            </a:schemeClr>
+          </a:lnRef>
+          <a:fillRef idx="1">
+            <a:schemeClr val="accent1"/>
+          </a:fillRef>
+          <a:effectRef idx="0">
+            <a:schemeClr val="accent1"/>
+          </a:effectRef>
+          <a:fontRef idx="minor">
+            <a:schemeClr val="lt1"/>
+          </a:fontRef>
+        </p:style>
+        <p:txBody>
+          <a:bodyPr rtlCol="0" anchor="ctr"/>
+          <a:lstStyle/>
+          <a:p>
+            <a:pPr algn="ctr"/>
+            <a:endParaRPr lang="zh-CN" altLang="en-US"/>
+          </a:p>
+        </p:txBody>
+      </p:sp>
+      <p:sp>
+        <p:nvSpPr>
+          <p:cNvPr id="8" name="圆角矩形 7"/>
+          <p:cNvSpPr/>
+          <p:nvPr/>
+        </p:nvSpPr>
+        <p:spPr>
+          <a:xfrm>
+            <a:off x="4011964" y="5373216"/>
+            <a:ext cx="1224136" cy="504056"/>
+          </a:xfrm>
+          <a:prstGeom prst="roundRect">
+            <a:avLst/>
+          </a:prstGeom>
+        </p:spPr>
+        <p:style>
+          <a:lnRef idx="2">
+            <a:schemeClr val="accent1">
+              <a:shade val="50000"/>
+            </a:schemeClr>
+          </a:lnRef>
+          <a:fillRef idx="1">
+            <a:schemeClr val="accent1"/>
+          </a:fillRef>
+          <a:effectRef idx="0">
+            <a:schemeClr val="accent1"/>
+          </a:effectRef>
+          <a:fontRef idx="minor">
+            <a:schemeClr val="lt1"/>
+          </a:fontRef>
+        </p:style>
+        <p:txBody>
+          <a:bodyPr rtlCol="0" anchor="ctr"/>
+          <a:lstStyle/>
+          <a:p>
+            <a:pPr algn="ctr"/>
+            <a:endParaRPr lang="zh-CN" altLang="en-US" dirty="0"/>
+          </a:p>
+        </p:txBody>
+      </p:sp>
+      <p:sp>
+        <p:nvSpPr>
+          <p:cNvPr id="9" name="TextBox 8"/>
+          <p:cNvSpPr txBox="1"/>
+          <p:nvPr/>
+        </p:nvSpPr>
+        <p:spPr>
+          <a:xfrm>
+            <a:off x="827584" y="3212976"/>
+            <a:ext cx="1224136" cy="369332"/>
+          </a:xfrm>
+          <a:prstGeom prst="rect">
+            <a:avLst/>
+          </a:prstGeom>
+          <a:noFill/>
+        </p:spPr>
+        <p:txBody>
+          <a:bodyPr wrap="square" rtlCol="0">
+            <a:spAutoFit/>
+          </a:bodyPr>
+          <a:lstStyle/>
+          <a:p>
+            <a:r>
+              <a:rPr lang="en-US" altLang="zh-CN" dirty="0" smtClean="0"/>
+              <a:t>  master</a:t>
+            </a:r>
+            <a:endParaRPr lang="zh-CN" altLang="en-US" dirty="0"/>
+          </a:p>
+        </p:txBody>
+      </p:sp>
+      <p:sp>
+        <p:nvSpPr>
+          <p:cNvPr id="10" name="TextBox 9"/>
+          <p:cNvSpPr txBox="1"/>
+          <p:nvPr/>
+        </p:nvSpPr>
+        <p:spPr>
+          <a:xfrm>
+            <a:off x="2843808" y="3212976"/>
+            <a:ext cx="1080120" cy="369332"/>
+          </a:xfrm>
+          <a:prstGeom prst="rect">
+            <a:avLst/>
+          </a:prstGeom>
+          <a:noFill/>
+        </p:spPr>
+        <p:txBody>
+          <a:bodyPr wrap="square" rtlCol="0">
+            <a:spAutoFit/>
+          </a:bodyPr>
+          <a:lstStyle/>
+          <a:p>
+            <a:r>
+              <a:rPr lang="en-US" altLang="zh-CN" dirty="0" smtClean="0"/>
+              <a:t> worker</a:t>
+            </a:r>
+            <a:endParaRPr lang="zh-CN" altLang="en-US" dirty="0"/>
+          </a:p>
+        </p:txBody>
+      </p:sp>
+      <p:sp>
+        <p:nvSpPr>
+          <p:cNvPr id="11" name="TextBox 10"/>
+          <p:cNvSpPr txBox="1"/>
+          <p:nvPr/>
+        </p:nvSpPr>
+        <p:spPr>
+          <a:xfrm>
+            <a:off x="1439652" y="4437112"/>
+            <a:ext cx="1332148" cy="369332"/>
+          </a:xfrm>
+          <a:prstGeom prst="rect">
+            <a:avLst/>
+          </a:prstGeom>
+          <a:noFill/>
+        </p:spPr>
+        <p:txBody>
+          <a:bodyPr wrap="square" rtlCol="0">
+            <a:spAutoFit/>
+          </a:bodyPr>
+          <a:lstStyle/>
+          <a:p>
+            <a:r>
+              <a:rPr lang="en-US" altLang="zh-CN" dirty="0" smtClean="0"/>
+              <a:t>scheduler</a:t>
+            </a:r>
+            <a:endParaRPr lang="zh-CN" altLang="en-US" dirty="0"/>
+          </a:p>
+        </p:txBody>
+      </p:sp>
+      <p:sp>
+        <p:nvSpPr>
+          <p:cNvPr id="12" name="TextBox 11"/>
+          <p:cNvSpPr txBox="1"/>
+          <p:nvPr/>
+        </p:nvSpPr>
+        <p:spPr>
+          <a:xfrm>
+            <a:off x="3491880" y="4437112"/>
+            <a:ext cx="2160240" cy="369332"/>
+          </a:xfrm>
+          <a:prstGeom prst="rect">
+            <a:avLst/>
+          </a:prstGeom>
+          <a:noFill/>
+        </p:spPr>
+        <p:txBody>
+          <a:bodyPr wrap="square" rtlCol="0">
+            <a:spAutoFit/>
+          </a:bodyPr>
+          <a:lstStyle/>
+          <a:p>
+            <a:r>
+              <a:rPr lang="en-US" altLang="zh-CN" dirty="0" err="1" smtClean="0"/>
+              <a:t>schedulerbackend</a:t>
+            </a:r>
+            <a:endParaRPr lang="zh-CN" altLang="en-US" dirty="0"/>
+          </a:p>
+        </p:txBody>
+      </p:sp>
+      <p:sp>
+        <p:nvSpPr>
+          <p:cNvPr id="13" name="TextBox 12"/>
+          <p:cNvSpPr txBox="1"/>
+          <p:nvPr/>
+        </p:nvSpPr>
+        <p:spPr>
+          <a:xfrm>
+            <a:off x="3995936" y="5373216"/>
+            <a:ext cx="1080120" cy="369332"/>
+          </a:xfrm>
+          <a:prstGeom prst="rect">
+            <a:avLst/>
+          </a:prstGeom>
+          <a:noFill/>
+        </p:spPr>
+        <p:txBody>
+          <a:bodyPr wrap="square" rtlCol="0">
+            <a:spAutoFit/>
+          </a:bodyPr>
+          <a:lstStyle/>
+          <a:p>
+            <a:r>
+              <a:rPr lang="en-US" altLang="zh-CN" dirty="0" smtClean="0"/>
+              <a:t>  client</a:t>
+            </a:r>
+            <a:endParaRPr lang="zh-CN" altLang="en-US" dirty="0"/>
+          </a:p>
+        </p:txBody>
+      </p:sp>
+      <p:sp>
+        <p:nvSpPr>
+          <p:cNvPr id="14" name="圆角矩形 13"/>
+          <p:cNvSpPr/>
+          <p:nvPr/>
+        </p:nvSpPr>
+        <p:spPr>
+          <a:xfrm>
+            <a:off x="4932040" y="3212976"/>
+            <a:ext cx="1944216" cy="504056"/>
+          </a:xfrm>
+          <a:prstGeom prst="roundRect">
+            <a:avLst/>
+          </a:prstGeom>
+        </p:spPr>
+        <p:style>
+          <a:lnRef idx="2">
+            <a:schemeClr val="accent1">
+              <a:shade val="50000"/>
+            </a:schemeClr>
+          </a:lnRef>
+          <a:fillRef idx="1">
+            <a:schemeClr val="accent1"/>
+          </a:fillRef>
+          <a:effectRef idx="0">
+            <a:schemeClr val="accent1"/>
+          </a:effectRef>
+          <a:fontRef idx="minor">
+            <a:schemeClr val="lt1"/>
+          </a:fontRef>
+        </p:style>
+        <p:txBody>
+          <a:bodyPr rtlCol="0" anchor="ctr"/>
+          <a:lstStyle/>
+          <a:p>
+            <a:pPr algn="ctr"/>
+            <a:endParaRPr lang="zh-CN" altLang="en-US"/>
+          </a:p>
+        </p:txBody>
+      </p:sp>
+      <p:sp>
+        <p:nvSpPr>
+          <p:cNvPr id="15" name="圆角矩形 14"/>
+          <p:cNvSpPr/>
+          <p:nvPr/>
+        </p:nvSpPr>
+        <p:spPr>
+          <a:xfrm>
+            <a:off x="6444208" y="4350713"/>
+            <a:ext cx="1404156" cy="504056"/>
+          </a:xfrm>
+          <a:prstGeom prst="roundRect">
+            <a:avLst/>
+          </a:prstGeom>
+        </p:spPr>
+        <p:style>
+          <a:lnRef idx="2">
+            <a:schemeClr val="accent1">
+              <a:shade val="50000"/>
+            </a:schemeClr>
+          </a:lnRef>
+          <a:fillRef idx="1">
+            <a:schemeClr val="accent1"/>
+          </a:fillRef>
+          <a:effectRef idx="0">
+            <a:schemeClr val="accent1"/>
+          </a:effectRef>
+          <a:fontRef idx="minor">
+            <a:schemeClr val="lt1"/>
+          </a:fontRef>
+        </p:style>
+        <p:txBody>
+          <a:bodyPr rtlCol="0" anchor="ctr"/>
+          <a:lstStyle/>
+          <a:p>
+            <a:pPr algn="ctr"/>
+            <a:endParaRPr lang="zh-CN" altLang="en-US"/>
+          </a:p>
+        </p:txBody>
+      </p:sp>
+      <p:sp>
+        <p:nvSpPr>
+          <p:cNvPr id="16" name="圆角矩形 15"/>
+          <p:cNvSpPr/>
+          <p:nvPr/>
+        </p:nvSpPr>
+        <p:spPr>
+          <a:xfrm>
+            <a:off x="6376700" y="5305854"/>
+            <a:ext cx="1584176" cy="504056"/>
+          </a:xfrm>
+          <a:prstGeom prst="roundRect">
+            <a:avLst/>
+          </a:prstGeom>
+        </p:spPr>
+        <p:style>
+          <a:lnRef idx="2">
+            <a:schemeClr val="accent1">
+              <a:shade val="50000"/>
+            </a:schemeClr>
+          </a:lnRef>
+          <a:fillRef idx="1">
+            <a:schemeClr val="accent1"/>
+          </a:fillRef>
+          <a:effectRef idx="0">
+            <a:schemeClr val="accent1"/>
+          </a:effectRef>
+          <a:fontRef idx="minor">
+            <a:schemeClr val="lt1"/>
+          </a:fontRef>
+        </p:style>
+        <p:txBody>
+          <a:bodyPr rtlCol="0" anchor="ctr"/>
+          <a:lstStyle/>
+          <a:p>
+            <a:pPr algn="ctr"/>
+            <a:endParaRPr lang="zh-CN" altLang="en-US"/>
+          </a:p>
+        </p:txBody>
+      </p:sp>
+      <p:sp>
+        <p:nvSpPr>
+          <p:cNvPr id="17" name="TextBox 16"/>
+          <p:cNvSpPr txBox="1"/>
+          <p:nvPr/>
+        </p:nvSpPr>
+        <p:spPr>
+          <a:xfrm>
+            <a:off x="4932040" y="3212976"/>
+            <a:ext cx="2016224" cy="369332"/>
+          </a:xfrm>
+          <a:prstGeom prst="rect">
+            <a:avLst/>
+          </a:prstGeom>
+          <a:noFill/>
+        </p:spPr>
+        <p:txBody>
+          <a:bodyPr wrap="square" rtlCol="0">
+            <a:spAutoFit/>
+          </a:bodyPr>
+          <a:lstStyle/>
+          <a:p>
+            <a:r>
+              <a:rPr lang="en-US" altLang="zh-CN" dirty="0" err="1" smtClean="0"/>
+              <a:t>executorbackend</a:t>
+            </a:r>
+            <a:endParaRPr lang="zh-CN" altLang="en-US" dirty="0"/>
+          </a:p>
+        </p:txBody>
+      </p:sp>
+      <p:sp>
+        <p:nvSpPr>
+          <p:cNvPr id="18" name="TextBox 17"/>
+          <p:cNvSpPr txBox="1"/>
+          <p:nvPr/>
+        </p:nvSpPr>
+        <p:spPr>
+          <a:xfrm>
+            <a:off x="6516216" y="4437112"/>
+            <a:ext cx="1224136" cy="369332"/>
+          </a:xfrm>
+          <a:prstGeom prst="rect">
+            <a:avLst/>
+          </a:prstGeom>
+          <a:noFill/>
+        </p:spPr>
+        <p:txBody>
+          <a:bodyPr wrap="square" rtlCol="0">
+            <a:spAutoFit/>
+          </a:bodyPr>
+          <a:lstStyle/>
+          <a:p>
+            <a:r>
+              <a:rPr lang="en-US" altLang="zh-CN" dirty="0" smtClean="0"/>
+              <a:t>executor</a:t>
+            </a:r>
+            <a:endParaRPr lang="zh-CN" altLang="en-US" dirty="0"/>
+          </a:p>
+        </p:txBody>
+      </p:sp>
+      <p:sp>
+        <p:nvSpPr>
+          <p:cNvPr id="19" name="TextBox 18"/>
+          <p:cNvSpPr txBox="1"/>
+          <p:nvPr/>
+        </p:nvSpPr>
+        <p:spPr>
+          <a:xfrm>
+            <a:off x="6516216" y="5373216"/>
+            <a:ext cx="1512168" cy="369332"/>
+          </a:xfrm>
+          <a:prstGeom prst="rect">
+            <a:avLst/>
+          </a:prstGeom>
+          <a:noFill/>
+        </p:spPr>
+        <p:txBody>
+          <a:bodyPr wrap="square" rtlCol="0">
+            <a:spAutoFit/>
+          </a:bodyPr>
+          <a:lstStyle/>
+          <a:p>
+            <a:r>
+              <a:rPr lang="en-US" altLang="zh-CN" dirty="0" err="1" smtClean="0"/>
+              <a:t>taskrunner</a:t>
+            </a:r>
+            <a:endParaRPr lang="zh-CN" altLang="en-US" dirty="0"/>
+          </a:p>
+        </p:txBody>
+      </p:sp>
+      <p:cxnSp>
+        <p:nvCxnSpPr>
+          <p:cNvPr id="21" name="直接箭头连接符 20"/>
+          <p:cNvCxnSpPr>
+            <a:stCxn id="6" idx="3"/>
+            <a:endCxn id="12" idx="1"/>
+          </p:cNvCxnSpPr>
+          <p:nvPr/>
+        </p:nvCxnSpPr>
+        <p:spPr>
+          <a:xfrm>
+            <a:off x="2843808" y="4617132"/>
+            <a:ext cx="648072" cy="4646"/>
+          </a:xfrm>
+          <a:prstGeom prst="straightConnector1">
+            <a:avLst/>
+          </a:prstGeom>
+          <a:ln>
+            <a:headEnd type="arrow"/>
+            <a:tailEnd type="arrow"/>
+          </a:ln>
+        </p:spPr>
+        <p:style>
+          <a:lnRef idx="1">
+            <a:schemeClr val="accent1"/>
+          </a:lnRef>
+          <a:fillRef idx="0">
+            <a:schemeClr val="accent1"/>
+          </a:fillRef>
+          <a:effectRef idx="0">
+            <a:schemeClr val="accent1"/>
+          </a:effectRef>
+          <a:fontRef idx="minor">
+            <a:schemeClr val="tx1"/>
+          </a:fontRef>
+        </p:style>
+      </p:cxnSp>
+      <p:cxnSp>
+        <p:nvCxnSpPr>
+          <p:cNvPr id="23" name="直接箭头连接符 22"/>
+          <p:cNvCxnSpPr>
+            <a:stCxn id="7" idx="2"/>
+            <a:endCxn id="8" idx="0"/>
+          </p:cNvCxnSpPr>
+          <p:nvPr/>
+        </p:nvCxnSpPr>
+        <p:spPr>
+          <a:xfrm>
+            <a:off x="4608004" y="4869160"/>
+            <a:ext cx="16028" cy="504056"/>
+          </a:xfrm>
+          <a:prstGeom prst="straightConnector1">
+            <a:avLst/>
+          </a:prstGeom>
+          <a:ln>
+            <a:tailEnd type="arrow"/>
+          </a:ln>
+        </p:spPr>
+        <p:style>
+          <a:lnRef idx="1">
+            <a:schemeClr val="accent1"/>
+          </a:lnRef>
+          <a:fillRef idx="0">
+            <a:schemeClr val="accent1"/>
+          </a:fillRef>
+          <a:effectRef idx="0">
+            <a:schemeClr val="accent1"/>
+          </a:effectRef>
+          <a:fontRef idx="minor">
+            <a:schemeClr val="tx1"/>
+          </a:fontRef>
+        </p:style>
+      </p:cxnSp>
+      <p:cxnSp>
+        <p:nvCxnSpPr>
+          <p:cNvPr id="33" name="直接连接符 32"/>
+          <p:cNvCxnSpPr>
+            <a:stCxn id="13" idx="1"/>
+          </p:cNvCxnSpPr>
+          <p:nvPr/>
+        </p:nvCxnSpPr>
+        <p:spPr>
+          <a:xfrm flipH="1">
+            <a:off x="1115616" y="5557882"/>
+            <a:ext cx="2880320" cy="0"/>
+          </a:xfrm>
+          <a:prstGeom prst="line">
+            <a:avLst/>
+          </a:prstGeom>
+        </p:spPr>
+        <p:style>
+          <a:lnRef idx="1">
+            <a:schemeClr val="accent1"/>
+          </a:lnRef>
+          <a:fillRef idx="0">
+            <a:schemeClr val="accent1"/>
+          </a:fillRef>
+          <a:effectRef idx="0">
+            <a:schemeClr val="accent1"/>
+          </a:effectRef>
+          <a:fontRef idx="minor">
+            <a:schemeClr val="tx1"/>
+          </a:fontRef>
+        </p:style>
+      </p:cxnSp>
+      <p:cxnSp>
+        <p:nvCxnSpPr>
+          <p:cNvPr id="35" name="直接箭头连接符 34"/>
+          <p:cNvCxnSpPr/>
+          <p:nvPr/>
+        </p:nvCxnSpPr>
+        <p:spPr>
+          <a:xfrm flipV="1">
+            <a:off x="1115616" y="3717032"/>
+            <a:ext cx="0" cy="1840850"/>
+          </a:xfrm>
+          <a:prstGeom prst="straightConnector1">
+            <a:avLst/>
+          </a:prstGeom>
+          <a:ln>
+            <a:tailEnd type="arrow"/>
+          </a:ln>
+        </p:spPr>
+        <p:style>
+          <a:lnRef idx="1">
+            <a:schemeClr val="accent1"/>
+          </a:lnRef>
+          <a:fillRef idx="0">
+            <a:schemeClr val="accent1"/>
+          </a:fillRef>
+          <a:effectRef idx="0">
+            <a:schemeClr val="accent1"/>
+          </a:effectRef>
+          <a:fontRef idx="minor">
+            <a:schemeClr val="tx1"/>
+          </a:fontRef>
+        </p:style>
+      </p:cxnSp>
+      <p:cxnSp>
+        <p:nvCxnSpPr>
+          <p:cNvPr id="37" name="直接箭头连接符 36"/>
+          <p:cNvCxnSpPr>
+            <a:stCxn id="4" idx="3"/>
+            <a:endCxn id="5" idx="1"/>
+          </p:cNvCxnSpPr>
+          <p:nvPr/>
+        </p:nvCxnSpPr>
+        <p:spPr>
+          <a:xfrm>
+            <a:off x="2051720" y="3465004"/>
+            <a:ext cx="720080" cy="0"/>
+          </a:xfrm>
+          <a:prstGeom prst="straightConnector1">
+            <a:avLst/>
+          </a:prstGeom>
+          <a:ln>
+            <a:tailEnd type="arrow"/>
+          </a:ln>
+        </p:spPr>
+        <p:style>
+          <a:lnRef idx="1">
+            <a:schemeClr val="accent1"/>
+          </a:lnRef>
+          <a:fillRef idx="0">
+            <a:schemeClr val="accent1"/>
+          </a:fillRef>
+          <a:effectRef idx="0">
+            <a:schemeClr val="accent1"/>
+          </a:effectRef>
+          <a:fontRef idx="minor">
+            <a:schemeClr val="tx1"/>
+          </a:fontRef>
+        </p:style>
+      </p:cxnSp>
+      <p:cxnSp>
+        <p:nvCxnSpPr>
+          <p:cNvPr id="39" name="直接箭头连接符 38"/>
+          <p:cNvCxnSpPr>
+            <a:stCxn id="5" idx="3"/>
+            <a:endCxn id="14" idx="1"/>
+          </p:cNvCxnSpPr>
+          <p:nvPr/>
+        </p:nvCxnSpPr>
+        <p:spPr>
+          <a:xfrm>
+            <a:off x="3995936" y="3465004"/>
+            <a:ext cx="936104" cy="0"/>
+          </a:xfrm>
+          <a:prstGeom prst="straightConnector1">
+            <a:avLst/>
+          </a:prstGeom>
+          <a:ln>
+            <a:tailEnd type="arrow"/>
+          </a:ln>
+        </p:spPr>
+        <p:style>
+          <a:lnRef idx="1">
+            <a:schemeClr val="accent1"/>
+          </a:lnRef>
+          <a:fillRef idx="0">
+            <a:schemeClr val="accent1"/>
+          </a:fillRef>
+          <a:effectRef idx="0">
+            <a:schemeClr val="accent1"/>
+          </a:effectRef>
+          <a:fontRef idx="minor">
+            <a:schemeClr val="tx1"/>
+          </a:fontRef>
+        </p:style>
+      </p:cxnSp>
+      <p:cxnSp>
+        <p:nvCxnSpPr>
+          <p:cNvPr id="41" name="直接箭头连接符 40"/>
+          <p:cNvCxnSpPr>
+            <a:stCxn id="14" idx="2"/>
+          </p:cNvCxnSpPr>
+          <p:nvPr/>
+        </p:nvCxnSpPr>
+        <p:spPr>
+          <a:xfrm flipH="1">
+            <a:off x="5436096" y="3717032"/>
+            <a:ext cx="468052" cy="648072"/>
+          </a:xfrm>
+          <a:prstGeom prst="straightConnector1">
+            <a:avLst/>
+          </a:prstGeom>
+          <a:ln>
+            <a:headEnd type="arrow"/>
+            <a:tailEnd type="arrow"/>
+          </a:ln>
+        </p:spPr>
+        <p:style>
+          <a:lnRef idx="1">
+            <a:schemeClr val="accent1"/>
+          </a:lnRef>
+          <a:fillRef idx="0">
+            <a:schemeClr val="accent1"/>
+          </a:fillRef>
+          <a:effectRef idx="0">
+            <a:schemeClr val="accent1"/>
+          </a:effectRef>
+          <a:fontRef idx="minor">
+            <a:schemeClr val="tx1"/>
+          </a:fontRef>
+        </p:style>
+      </p:cxnSp>
+      <p:cxnSp>
+        <p:nvCxnSpPr>
+          <p:cNvPr id="43" name="直接箭头连接符 42"/>
+          <p:cNvCxnSpPr>
+            <a:stCxn id="14" idx="2"/>
+            <a:endCxn id="15" idx="0"/>
+          </p:cNvCxnSpPr>
+          <p:nvPr/>
+        </p:nvCxnSpPr>
+        <p:spPr>
+          <a:xfrm>
+            <a:off x="5904148" y="3717032"/>
+            <a:ext cx="1242138" cy="633681"/>
+          </a:xfrm>
+          <a:prstGeom prst="straightConnector1">
+            <a:avLst/>
+          </a:prstGeom>
+          <a:ln>
+            <a:tailEnd type="arrow"/>
+          </a:ln>
+        </p:spPr>
+        <p:style>
+          <a:lnRef idx="1">
+            <a:schemeClr val="accent1"/>
+          </a:lnRef>
+          <a:fillRef idx="0">
+            <a:schemeClr val="accent1"/>
+          </a:fillRef>
+          <a:effectRef idx="0">
+            <a:schemeClr val="accent1"/>
+          </a:effectRef>
+          <a:fontRef idx="minor">
+            <a:schemeClr val="tx1"/>
+          </a:fontRef>
+        </p:style>
+      </p:cxnSp>
+      <p:cxnSp>
+        <p:nvCxnSpPr>
+          <p:cNvPr id="45" name="直接箭头连接符 44"/>
+          <p:cNvCxnSpPr>
+            <a:stCxn id="15" idx="2"/>
+            <a:endCxn id="16" idx="0"/>
+          </p:cNvCxnSpPr>
+          <p:nvPr/>
+        </p:nvCxnSpPr>
+        <p:spPr>
+          <a:xfrm>
+            <a:off x="7146286" y="4854769"/>
+            <a:ext cx="22502" cy="451085"/>
+          </a:xfrm>
+          <a:prstGeom prst="straightConnector1">
+            <a:avLst/>
+          </a:prstGeom>
+          <a:ln>
+            <a:tailEnd type="arrow"/>
+          </a:ln>
+        </p:spPr>
+        <p:style>
+          <a:lnRef idx="1">
+            <a:schemeClr val="accent1"/>
+          </a:lnRef>
+          <a:fillRef idx="0">
+            <a:schemeClr val="accent1"/>
+          </a:fillRef>
+          <a:effectRef idx="0">
+            <a:schemeClr val="accent1"/>
+          </a:effectRef>
+          <a:fontRef idx="minor">
+            <a:schemeClr val="tx1"/>
+          </a:fontRef>
+        </p:style>
+      </p:cxnSp>
+      <p:sp>
+        <p:nvSpPr>
+          <p:cNvPr id="48" name="TextBox 47"/>
+          <p:cNvSpPr txBox="1"/>
+          <p:nvPr/>
+        </p:nvSpPr>
+        <p:spPr>
+          <a:xfrm>
+            <a:off x="1826485" y="5625244"/>
+            <a:ext cx="1809411" cy="369332"/>
+          </a:xfrm>
+          <a:prstGeom prst="rect">
+            <a:avLst/>
+          </a:prstGeom>
+          <a:noFill/>
+        </p:spPr>
+        <p:txBody>
+          <a:bodyPr wrap="square" rtlCol="0">
+            <a:spAutoFit/>
+          </a:bodyPr>
+          <a:lstStyle/>
+          <a:p>
+            <a:r>
+              <a:rPr lang="en-US" altLang="zh-CN" dirty="0" err="1" smtClean="0"/>
+              <a:t>registerapp</a:t>
+            </a:r>
+            <a:endParaRPr lang="zh-CN" altLang="en-US" dirty="0"/>
+          </a:p>
+        </p:txBody>
+      </p:sp>
+      <p:sp>
+        <p:nvSpPr>
+          <p:cNvPr id="49" name="TextBox 48"/>
+          <p:cNvSpPr txBox="1"/>
+          <p:nvPr/>
+        </p:nvSpPr>
+        <p:spPr>
+          <a:xfrm>
+            <a:off x="2051720" y="3762631"/>
+            <a:ext cx="2106234" cy="369332"/>
+          </a:xfrm>
+          <a:prstGeom prst="rect">
+            <a:avLst/>
+          </a:prstGeom>
+          <a:noFill/>
+        </p:spPr>
+        <p:txBody>
+          <a:bodyPr wrap="square" rtlCol="0">
+            <a:spAutoFit/>
+          </a:bodyPr>
+          <a:lstStyle/>
+          <a:p>
+            <a:r>
+              <a:rPr lang="en-US" altLang="zh-CN" dirty="0" err="1" smtClean="0"/>
+              <a:t>launchexector</a:t>
+            </a:r>
+            <a:endParaRPr lang="zh-CN" altLang="en-US" dirty="0"/>
+          </a:p>
+        </p:txBody>
+      </p:sp>
+      <p:sp>
+        <p:nvSpPr>
+          <p:cNvPr id="50" name="TextBox 49"/>
+          <p:cNvSpPr txBox="1"/>
+          <p:nvPr/>
+        </p:nvSpPr>
+        <p:spPr>
+          <a:xfrm>
+            <a:off x="4588028" y="3856402"/>
+            <a:ext cx="1008112" cy="369332"/>
+          </a:xfrm>
+          <a:prstGeom prst="rect">
+            <a:avLst/>
+          </a:prstGeom>
+          <a:noFill/>
+        </p:spPr>
+        <p:txBody>
+          <a:bodyPr wrap="square" rtlCol="0">
+            <a:spAutoFit/>
+          </a:bodyPr>
+          <a:lstStyle/>
+          <a:p>
+            <a:r>
+              <a:rPr lang="en-US" altLang="zh-CN" dirty="0" smtClean="0"/>
+              <a:t>register</a:t>
+            </a:r>
+            <a:endParaRPr lang="zh-CN" altLang="en-US" dirty="0"/>
+          </a:p>
+        </p:txBody>
+      </p:sp>
+    </p:spTree>
+    <p:extLst>
+      <p:ext uri="{BB962C8B-B14F-4D97-AF65-F5344CB8AC3E}">
+        <p14:creationId xmlns:p14="http://schemas.microsoft.com/office/powerpoint/2010/main" val="2614868091"/>
+      </p:ext>
+    </p:extLst>
+  </p:cSld>
+  <p:clrMapOvr>
+    <a:masterClrMapping/>
+  </p:clrMapOvr>
+  <p:timing>
+    <p:tnLst>
+      <p:par>
+        <p:cTn id="1" dur="indefinite" restart="never" nodeType="tmRoot"/>
+      </p:par>
+    </p:tnLst>
+  </p:timing>
+</p:sld>
+</file>
+
+<file path=ppt/slides/slide14.xml><?xml version="1.0" encoding="utf-8"?>
+<p:sld xmlns:a="http://schemas.openxmlformats.org/drawingml/2006/main" xmlns:r="http://schemas.openxmlformats.org/officeDocument/2006/relationships" xmlns:p="http://schemas.openxmlformats.org/presentationml/2006/main">
+  <p:cSld>
+    <p:spTree>
+      <p:nvGrpSpPr>
+        <p:cNvPr id="1" name=""/>
+        <p:cNvGrpSpPr/>
+        <p:nvPr/>
+      </p:nvGrpSpPr>
+      <p:grpSpPr>
+        <a:xfrm>
+          <a:off x="0" y="0"/>
+          <a:ext cx="0" cy="0"/>
+          <a:chOff x="0" y="0"/>
+          <a:chExt cx="0" cy="0"/>
+        </a:xfrm>
+      </p:grpSpPr>
+      <p:sp>
+        <p:nvSpPr>
+          <p:cNvPr id="2" name="标题 1"/>
+          <p:cNvSpPr>
+            <a:spLocks noGrp="1"/>
+          </p:cNvSpPr>
+          <p:nvPr>
+            <p:ph type="title"/>
+          </p:nvPr>
+        </p:nvSpPr>
+        <p:spPr/>
+        <p:txBody>
+          <a:bodyPr/>
+          <a:lstStyle/>
+          <a:p>
+            <a:r>
+              <a:rPr lang="en-US" altLang="zh-CN" dirty="0" smtClean="0"/>
+              <a:t>Spark deploy (yarn architecture) </a:t>
+            </a:r>
+            <a:endParaRPr lang="zh-CN" altLang="en-US" dirty="0"/>
+          </a:p>
+        </p:txBody>
+      </p:sp>
+      <p:pic>
+        <p:nvPicPr>
+          <p:cNvPr id="4" name="内容占位符 3"/>
+          <p:cNvPicPr>
+            <a:picLocks noGrp="1" noChangeAspect="1"/>
+          </p:cNvPicPr>
+          <p:nvPr>
+            <p:ph sz="quarter" idx="1"/>
+          </p:nvPr>
+        </p:nvPicPr>
+        <p:blipFill>
+          <a:blip r:embed="rId2">
+            <a:extLst>
+              <a:ext uri="{28A0092B-C50C-407E-A947-70E740481C1C}">
+                <a14:useLocalDpi xmlns:a14="http://schemas.microsoft.com/office/drawing/2010/main" val="0"/>
+              </a:ext>
+            </a:extLst>
+          </a:blip>
+          <a:stretch>
+            <a:fillRect/>
+          </a:stretch>
+        </p:blipFill>
+        <p:spPr>
+          <a:xfrm>
+            <a:off x="1228725" y="2204864"/>
+            <a:ext cx="5924550" cy="3665711"/>
+          </a:xfrm>
+        </p:spPr>
+      </p:pic>
+    </p:spTree>
+    <p:extLst>
+      <p:ext uri="{BB962C8B-B14F-4D97-AF65-F5344CB8AC3E}">
+        <p14:creationId xmlns:p14="http://schemas.microsoft.com/office/powerpoint/2010/main" val="4264969457"/>
+      </p:ext>
+    </p:extLst>
+  </p:cSld>
+  <p:clrMapOvr>
+    <a:masterClrMapping/>
+  </p:clrMapOvr>
+  <p:timing>
+    <p:tnLst>
+      <p:par>
+        <p:cTn id="1" dur="indefinite" restart="never" nodeType="tmRoot"/>
+      </p:par>
+    </p:tnLst>
+  </p:timing>
+</p:sld>
+</file>
+
+<file path=ppt/slides/slide15.xml><?xml version="1.0" encoding="utf-8"?>
+<p:sld xmlns:a="http://schemas.openxmlformats.org/drawingml/2006/main" xmlns:r="http://schemas.openxmlformats.org/officeDocument/2006/relationships" xmlns:p="http://schemas.openxmlformats.org/presentationml/2006/main">
+  <p:cSld>
+    <p:spTree>
+      <p:nvGrpSpPr>
+        <p:cNvPr id="1" name=""/>
+        <p:cNvGrpSpPr/>
+        <p:nvPr/>
+      </p:nvGrpSpPr>
+      <p:grpSpPr>
+        <a:xfrm>
+          <a:off x="0" y="0"/>
+          <a:ext cx="0" cy="0"/>
+          <a:chOff x="0" y="0"/>
+          <a:chExt cx="0" cy="0"/>
+        </a:xfrm>
+      </p:grpSpPr>
+      <p:sp>
+        <p:nvSpPr>
+          <p:cNvPr id="2" name="标题 1"/>
+          <p:cNvSpPr>
+            <a:spLocks noGrp="1"/>
+          </p:cNvSpPr>
+          <p:nvPr>
+            <p:ph type="title"/>
+          </p:nvPr>
+        </p:nvSpPr>
+        <p:spPr/>
+        <p:txBody>
+          <a:bodyPr/>
+          <a:lstStyle/>
+          <a:p>
+            <a:r>
+              <a:rPr lang="en-US" altLang="zh-CN" dirty="0" smtClean="0"/>
+              <a:t>Spark deploy (yarn-cluster)</a:t>
+            </a:r>
+            <a:endParaRPr lang="zh-CN" altLang="en-US" dirty="0"/>
+          </a:p>
+        </p:txBody>
+      </p:sp>
+      <p:sp>
+        <p:nvSpPr>
+          <p:cNvPr id="3" name="内容占位符 2"/>
+          <p:cNvSpPr>
+            <a:spLocks noGrp="1"/>
+          </p:cNvSpPr>
+          <p:nvPr>
+            <p:ph sz="quarter" idx="1"/>
+          </p:nvPr>
+        </p:nvSpPr>
+        <p:spPr/>
+        <p:txBody>
+          <a:bodyPr/>
+          <a:lstStyle/>
+          <a:p>
+            <a:pPr marL="0" indent="0">
+              <a:buNone/>
+            </a:pPr>
+            <a:r>
+              <a:rPr lang="en-US" altLang="zh-CN" dirty="0" smtClean="0"/>
+              <a:t>Yarn-standalone</a:t>
+            </a:r>
+          </a:p>
+          <a:p>
+            <a:pPr marL="0" indent="0">
+              <a:buNone/>
+            </a:pPr>
+            <a:r>
+              <a:rPr lang="en-US" altLang="zh-CN" dirty="0" err="1" smtClean="0"/>
+              <a:t>ApplicationMaster</a:t>
+            </a:r>
+            <a:r>
+              <a:rPr lang="en-US" altLang="zh-CN" dirty="0" smtClean="0"/>
+              <a:t> – </a:t>
+            </a:r>
+            <a:r>
+              <a:rPr lang="en-US" altLang="zh-CN" dirty="0" err="1" smtClean="0"/>
+              <a:t>userclass</a:t>
+            </a:r>
+            <a:r>
+              <a:rPr lang="en-US" altLang="zh-CN" dirty="0" smtClean="0"/>
+              <a:t> thread</a:t>
+            </a:r>
+          </a:p>
+          <a:p>
+            <a:pPr marL="0" indent="0">
+              <a:buNone/>
+            </a:pPr>
+            <a:r>
+              <a:rPr lang="en-US" altLang="zh-CN" dirty="0" smtClean="0"/>
+              <a:t>Driver programs run on yarn cluster</a:t>
+            </a:r>
+          </a:p>
+          <a:p>
+            <a:pPr marL="0" indent="0">
+              <a:buNone/>
+            </a:pPr>
+            <a:r>
+              <a:rPr lang="en-US" altLang="zh-CN" dirty="0" smtClean="0"/>
+              <a:t>Like </a:t>
+            </a:r>
+            <a:r>
+              <a:rPr lang="en-US" altLang="zh-CN" dirty="0" err="1" smtClean="0"/>
+              <a:t>mapreduce</a:t>
+            </a:r>
+            <a:endParaRPr lang="en-US" altLang="zh-CN" dirty="0" smtClean="0"/>
+          </a:p>
+          <a:p>
+            <a:pPr marL="0" indent="0">
+              <a:buNone/>
+            </a:pPr>
+            <a:endParaRPr lang="en-US" altLang="zh-CN" dirty="0"/>
+          </a:p>
+          <a:p>
+            <a:pPr marL="0" indent="0">
+              <a:buNone/>
+            </a:pPr>
+            <a:r>
+              <a:rPr lang="en-US" altLang="zh-CN" dirty="0" smtClean="0"/>
+              <a:t>Yarn-client</a:t>
+            </a:r>
+          </a:p>
+          <a:p>
+            <a:pPr marL="0" indent="0">
+              <a:buNone/>
+            </a:pPr>
+            <a:r>
+              <a:rPr lang="en-US" altLang="zh-CN" dirty="0" smtClean="0"/>
+              <a:t>Driver programs run local, execute on yarn </a:t>
+            </a:r>
+          </a:p>
+          <a:p>
+            <a:pPr marL="0" indent="0">
+              <a:buNone/>
+            </a:pPr>
+            <a:r>
+              <a:rPr lang="en-US" altLang="zh-CN" dirty="0" err="1" smtClean="0"/>
+              <a:t>Schedulerbackend</a:t>
+            </a:r>
+            <a:r>
+              <a:rPr lang="en-US" altLang="zh-CN" dirty="0" smtClean="0"/>
+              <a:t> starts </a:t>
+            </a:r>
+            <a:r>
+              <a:rPr lang="en-US" altLang="zh-CN" dirty="0" err="1" smtClean="0"/>
+              <a:t>workerlauncher</a:t>
+            </a:r>
+            <a:r>
+              <a:rPr lang="en-US" altLang="zh-CN" dirty="0" smtClean="0"/>
+              <a:t> which allocate worker and </a:t>
+            </a:r>
+            <a:r>
+              <a:rPr lang="en-US" altLang="zh-CN" dirty="0" err="1" smtClean="0"/>
+              <a:t>exectors</a:t>
+            </a:r>
+            <a:endParaRPr lang="zh-CN" altLang="en-US" dirty="0"/>
+          </a:p>
+        </p:txBody>
+      </p:sp>
+    </p:spTree>
+    <p:extLst>
+      <p:ext uri="{BB962C8B-B14F-4D97-AF65-F5344CB8AC3E}">
+        <p14:creationId xmlns:p14="http://schemas.microsoft.com/office/powerpoint/2010/main" val="1486717019"/>
+      </p:ext>
+    </p:extLst>
+  </p:cSld>
+  <p:clrMapOvr>
+    <a:masterClrMapping/>
+  </p:clrMapOvr>
+</p:sld>
+</file>
+
+<file path=ppt/slides/slide16.xml><?xml version="1.0" encoding="utf-8"?>
+<p:sld xmlns:a="http://schemas.openxmlformats.org/drawingml/2006/main" xmlns:r="http://schemas.openxmlformats.org/officeDocument/2006/relationships" xmlns:p="http://schemas.openxmlformats.org/presentationml/2006/main">
+  <p:cSld>
+    <p:spTree>
+      <p:nvGrpSpPr>
+        <p:cNvPr id="1" name=""/>
+        <p:cNvGrpSpPr/>
+        <p:nvPr/>
+      </p:nvGrpSpPr>
+      <p:grpSpPr>
+        <a:xfrm>
+          <a:off x="0" y="0"/>
+          <a:ext cx="0" cy="0"/>
+          <a:chOff x="0" y="0"/>
+          <a:chExt cx="0" cy="0"/>
+        </a:xfrm>
+      </p:grpSpPr>
+      <p:sp>
+        <p:nvSpPr>
+          <p:cNvPr id="2" name="标题 1"/>
+          <p:cNvSpPr>
+            <a:spLocks noGrp="1"/>
+          </p:cNvSpPr>
+          <p:nvPr>
+            <p:ph type="title"/>
+          </p:nvPr>
+        </p:nvSpPr>
+        <p:spPr/>
+        <p:txBody>
+          <a:bodyPr/>
+          <a:lstStyle/>
+          <a:p>
+            <a:r>
+              <a:rPr lang="en-US" altLang="zh-CN" dirty="0" smtClean="0"/>
+              <a:t>Spark streaming---D-</a:t>
+            </a:r>
+            <a:r>
+              <a:rPr lang="en-US" altLang="zh-CN" dirty="0" err="1" smtClean="0"/>
+              <a:t>Strem</a:t>
+            </a:r>
+            <a:endParaRPr lang="zh-CN" altLang="en-US" dirty="0"/>
+          </a:p>
+        </p:txBody>
+      </p:sp>
+      <p:sp>
+        <p:nvSpPr>
+          <p:cNvPr id="3" name="内容占位符 2"/>
+          <p:cNvSpPr>
+            <a:spLocks noGrp="1"/>
+          </p:cNvSpPr>
+          <p:nvPr>
+            <p:ph sz="quarter" idx="1"/>
+          </p:nvPr>
+        </p:nvSpPr>
+        <p:spPr/>
+        <p:txBody>
+          <a:bodyPr/>
+          <a:lstStyle/>
+          <a:p>
+            <a:r>
+              <a:rPr lang="en-US" altLang="zh-CN" dirty="0" smtClean="0"/>
+              <a:t>Discretized streams: an efficient and fault-tolerant model for stream processing</a:t>
+            </a:r>
+          </a:p>
+          <a:p>
+            <a:r>
+              <a:rPr lang="en-US" altLang="zh-CN" dirty="0" smtClean="0"/>
+              <a:t>Series of deterministic batch computations on small time intervals</a:t>
+            </a:r>
+          </a:p>
+          <a:p>
+            <a:r>
+              <a:rPr lang="en-US" altLang="zh-CN" dirty="0" smtClean="0"/>
+              <a:t>Two types of operators</a:t>
+            </a:r>
+          </a:p>
+          <a:p>
+            <a:pPr marL="457200" indent="-457200">
+              <a:buAutoNum type="alphaLcParenR"/>
+            </a:pPr>
+            <a:r>
+              <a:rPr lang="en-US" altLang="zh-CN" dirty="0" smtClean="0"/>
+              <a:t>Transformation (stateless or </a:t>
+            </a:r>
+            <a:r>
+              <a:rPr lang="en-US" altLang="zh-CN" dirty="0" err="1" smtClean="0"/>
+              <a:t>stateful</a:t>
+            </a:r>
+            <a:r>
+              <a:rPr lang="en-US" altLang="zh-CN" dirty="0" smtClean="0"/>
+              <a:t>)</a:t>
+            </a:r>
+          </a:p>
+          <a:p>
+            <a:pPr marL="457200" indent="-457200">
+              <a:buAutoNum type="alphaLcParenR"/>
+            </a:pPr>
+            <a:r>
+              <a:rPr lang="en-US" altLang="zh-CN" dirty="0" smtClean="0"/>
+              <a:t>Output </a:t>
+            </a:r>
+          </a:p>
+          <a:p>
+            <a:pPr marL="0" indent="0">
+              <a:buNone/>
+            </a:pPr>
+            <a:endParaRPr lang="en-US" altLang="zh-CN" dirty="0"/>
+          </a:p>
+          <a:p>
+            <a:pPr marL="0" indent="0">
+              <a:buNone/>
+            </a:pPr>
+            <a:r>
+              <a:rPr lang="en-US" altLang="zh-CN" dirty="0" smtClean="0"/>
+              <a:t>Reuse all of the operators in Spark</a:t>
+            </a:r>
+            <a:endParaRPr lang="en-US" altLang="zh-CN" dirty="0"/>
+          </a:p>
+        </p:txBody>
+      </p:sp>
+    </p:spTree>
+    <p:extLst>
+      <p:ext uri="{BB962C8B-B14F-4D97-AF65-F5344CB8AC3E}">
+        <p14:creationId xmlns:p14="http://schemas.microsoft.com/office/powerpoint/2010/main" val="3916198495"/>
+      </p:ext>
+    </p:extLst>
+  </p:cSld>
+  <p:clrMapOvr>
+    <a:masterClrMapping/>
+  </p:clrMapOvr>
+  <p:timing>
+    <p:tnLst>
+      <p:par>
+        <p:cTn id="1" dur="indefinite" restart="never" nodeType="tmRoot"/>
+      </p:par>
+    </p:tnLst>
+  </p:timing>
+</p:sld>
+</file>
+
+<file path=ppt/slides/slide17.xml><?xml version="1.0" encoding="utf-8"?>
+<p:sld xmlns:a="http://schemas.openxmlformats.org/drawingml/2006/main" xmlns:r="http://schemas.openxmlformats.org/officeDocument/2006/relationships" xmlns:p="http://schemas.openxmlformats.org/presentationml/2006/main">
+  <p:cSld>
+    <p:spTree>
+      <p:nvGrpSpPr>
+        <p:cNvPr id="1" name=""/>
+        <p:cNvGrpSpPr/>
+        <p:nvPr/>
+      </p:nvGrpSpPr>
+      <p:grpSpPr>
+        <a:xfrm>
+          <a:off x="0" y="0"/>
+          <a:ext cx="0" cy="0"/>
+          <a:chOff x="0" y="0"/>
+          <a:chExt cx="0" cy="0"/>
+        </a:xfrm>
+      </p:grpSpPr>
+      <p:sp>
+        <p:nvSpPr>
+          <p:cNvPr id="2" name="标题 1"/>
+          <p:cNvSpPr>
+            <a:spLocks noGrp="1"/>
+          </p:cNvSpPr>
+          <p:nvPr>
+            <p:ph type="title"/>
+          </p:nvPr>
+        </p:nvSpPr>
+        <p:spPr/>
+        <p:txBody>
+          <a:bodyPr/>
+          <a:lstStyle/>
+          <a:p>
+            <a:r>
+              <a:rPr lang="en-US" altLang="zh-CN" dirty="0" smtClean="0"/>
+              <a:t>Spark streaming --- </a:t>
+            </a:r>
+            <a:r>
+              <a:rPr lang="en-US" altLang="zh-CN" dirty="0" err="1" smtClean="0"/>
+              <a:t>dstream</a:t>
+            </a:r>
+            <a:endParaRPr lang="zh-CN" altLang="en-US" dirty="0"/>
+          </a:p>
+        </p:txBody>
+      </p:sp>
+      <p:sp>
+        <p:nvSpPr>
+          <p:cNvPr id="3" name="内容占位符 2"/>
+          <p:cNvSpPr>
+            <a:spLocks noGrp="1"/>
+          </p:cNvSpPr>
+          <p:nvPr>
+            <p:ph sz="quarter" idx="1"/>
+          </p:nvPr>
+        </p:nvSpPr>
+        <p:spPr/>
+        <p:txBody>
+          <a:bodyPr/>
+          <a:lstStyle/>
+          <a:p>
+            <a:pPr marL="0" indent="0">
+              <a:buNone/>
+            </a:pPr>
+            <a:r>
+              <a:rPr lang="en-US" altLang="zh-CN" dirty="0" err="1" smtClean="0"/>
+              <a:t>pageViews</a:t>
+            </a:r>
+            <a:r>
+              <a:rPr lang="en-US" altLang="zh-CN" dirty="0" smtClean="0"/>
+              <a:t> = </a:t>
+            </a:r>
+            <a:r>
+              <a:rPr lang="en-US" altLang="zh-CN" dirty="0" err="1" smtClean="0"/>
+              <a:t>readStream</a:t>
+            </a:r>
+            <a:r>
+              <a:rPr lang="en-US" altLang="zh-CN" dirty="0" smtClean="0"/>
+              <a:t>(“http://a.com”,  “</a:t>
+            </a:r>
+            <a:r>
+              <a:rPr lang="en-US" altLang="zh-CN" dirty="0" err="1" smtClean="0"/>
+              <a:t>ls</a:t>
+            </a:r>
+            <a:r>
+              <a:rPr lang="en-US" altLang="zh-CN" dirty="0" smtClean="0"/>
+              <a:t>”)</a:t>
+            </a:r>
+          </a:p>
+          <a:p>
+            <a:pPr marL="0" indent="0">
+              <a:buNone/>
+            </a:pPr>
+            <a:r>
+              <a:rPr lang="en-US" altLang="zh-CN" dirty="0" smtClean="0"/>
+              <a:t>ones = </a:t>
+            </a:r>
+            <a:r>
+              <a:rPr lang="en-US" altLang="zh-CN" dirty="0" err="1" smtClean="0"/>
+              <a:t>pageViews.map</a:t>
+            </a:r>
+            <a:r>
+              <a:rPr lang="en-US" altLang="zh-CN" dirty="0" smtClean="0"/>
+              <a:t>(event =&gt; (event.url, 1))</a:t>
+            </a:r>
+          </a:p>
+          <a:p>
+            <a:pPr marL="0" indent="0">
+              <a:buNone/>
+            </a:pPr>
+            <a:r>
+              <a:rPr lang="en-US" altLang="zh-CN" dirty="0" smtClean="0"/>
+              <a:t>Counts = </a:t>
+            </a:r>
+            <a:r>
+              <a:rPr lang="en-US" altLang="zh-CN" dirty="0" err="1" smtClean="0"/>
+              <a:t>ones.runningReduce</a:t>
+            </a:r>
+            <a:r>
+              <a:rPr lang="en-US" altLang="zh-CN" dirty="0" smtClean="0"/>
+              <a:t>((</a:t>
+            </a:r>
+            <a:r>
+              <a:rPr lang="en-US" altLang="zh-CN" dirty="0" err="1" smtClean="0"/>
+              <a:t>a,b</a:t>
+            </a:r>
+            <a:r>
+              <a:rPr lang="en-US" altLang="zh-CN" dirty="0" smtClean="0"/>
+              <a:t>) =&gt; </a:t>
+            </a:r>
+            <a:r>
+              <a:rPr lang="en-US" altLang="zh-CN" dirty="0" err="1" smtClean="0"/>
+              <a:t>a+b</a:t>
+            </a:r>
+            <a:r>
+              <a:rPr lang="en-US" altLang="zh-CN" dirty="0" smtClean="0"/>
+              <a:t>)</a:t>
+            </a:r>
+          </a:p>
+          <a:p>
+            <a:pPr marL="0" indent="0">
+              <a:buNone/>
+            </a:pPr>
+            <a:endParaRPr lang="en-US" altLang="zh-CN" dirty="0"/>
+          </a:p>
+          <a:p>
+            <a:pPr marL="0" indent="0">
+              <a:buNone/>
+            </a:pPr>
+            <a:r>
+              <a:rPr lang="en-US" altLang="zh-CN" dirty="0" err="1" smtClean="0"/>
+              <a:t>Stateful</a:t>
+            </a:r>
+            <a:r>
+              <a:rPr lang="en-US" altLang="zh-CN" dirty="0" smtClean="0"/>
+              <a:t> operators:</a:t>
+            </a:r>
+          </a:p>
+          <a:p>
+            <a:pPr marL="0" indent="0">
+              <a:buNone/>
+            </a:pPr>
+            <a:r>
+              <a:rPr lang="en-US" altLang="zh-CN" dirty="0" smtClean="0"/>
+              <a:t>a) Windowing</a:t>
+            </a:r>
+          </a:p>
+          <a:p>
+            <a:pPr marL="0" indent="0">
+              <a:buNone/>
+            </a:pPr>
+            <a:r>
+              <a:rPr lang="en-US" altLang="zh-CN" dirty="0" err="1" smtClean="0"/>
+              <a:t>Pairs.window</a:t>
+            </a:r>
+            <a:r>
+              <a:rPr lang="en-US" altLang="zh-CN" dirty="0" smtClean="0"/>
+              <a:t>(“5s”).</a:t>
+            </a:r>
+            <a:r>
+              <a:rPr lang="en-US" altLang="zh-CN" dirty="0" err="1" smtClean="0"/>
+              <a:t>reduceByKey</a:t>
+            </a:r>
+            <a:r>
+              <a:rPr lang="en-US" altLang="zh-CN" dirty="0" smtClean="0"/>
+              <a:t>(_+_)</a:t>
+            </a:r>
+          </a:p>
+          <a:p>
+            <a:pPr marL="0" indent="0">
+              <a:buNone/>
+            </a:pPr>
+            <a:r>
+              <a:rPr lang="en-US" altLang="zh-CN" dirty="0" smtClean="0"/>
+              <a:t>b) Incremental aggregation:</a:t>
+            </a:r>
+          </a:p>
+          <a:p>
+            <a:pPr marL="0" indent="0">
+              <a:buNone/>
+            </a:pPr>
+            <a:r>
+              <a:rPr lang="en-US" altLang="zh-CN" dirty="0" err="1" smtClean="0"/>
+              <a:t>Pairs.reduceByWindow</a:t>
+            </a:r>
+            <a:r>
+              <a:rPr lang="en-US" altLang="zh-CN" dirty="0" smtClean="0"/>
+              <a:t>(“5s”, (</a:t>
+            </a:r>
+            <a:r>
+              <a:rPr lang="en-US" altLang="zh-CN" dirty="0" err="1" smtClean="0"/>
+              <a:t>a,b</a:t>
+            </a:r>
+            <a:r>
+              <a:rPr lang="en-US" altLang="zh-CN" dirty="0" smtClean="0"/>
+              <a:t>)=&gt;</a:t>
+            </a:r>
+            <a:r>
+              <a:rPr lang="en-US" altLang="zh-CN" dirty="0" err="1" smtClean="0"/>
+              <a:t>a+b</a:t>
+            </a:r>
+            <a:r>
+              <a:rPr lang="en-US" altLang="zh-CN" dirty="0" smtClean="0"/>
+              <a:t>)</a:t>
+            </a:r>
+          </a:p>
+          <a:p>
+            <a:pPr marL="0" indent="0">
+              <a:buNone/>
+            </a:pPr>
+            <a:r>
+              <a:rPr lang="en-US" altLang="zh-CN" dirty="0" smtClean="0"/>
+              <a:t>c) </a:t>
+            </a:r>
+            <a:r>
+              <a:rPr lang="en-US" altLang="zh-CN" dirty="0"/>
+              <a:t>T</a:t>
+            </a:r>
+            <a:r>
+              <a:rPr lang="en-US" altLang="zh-CN" dirty="0" smtClean="0"/>
+              <a:t>ime-skewed joins</a:t>
+            </a:r>
+          </a:p>
+          <a:p>
+            <a:pPr marL="0" indent="0">
+              <a:buNone/>
+            </a:pPr>
+            <a:endParaRPr lang="en-US" altLang="zh-CN" dirty="0" smtClean="0"/>
+          </a:p>
+          <a:p>
+            <a:pPr marL="0" indent="0">
+              <a:buNone/>
+            </a:pPr>
+            <a:endParaRPr lang="en-US" altLang="zh-CN" dirty="0" smtClean="0"/>
+          </a:p>
+          <a:p>
+            <a:endParaRPr lang="en-US" altLang="zh-CN" dirty="0" smtClean="0"/>
+          </a:p>
+          <a:p>
+            <a:endParaRPr lang="en-US" altLang="zh-CN" dirty="0" smtClean="0"/>
+          </a:p>
+          <a:p>
+            <a:endParaRPr lang="zh-CN" altLang="en-US" dirty="0"/>
+          </a:p>
+        </p:txBody>
+      </p:sp>
+    </p:spTree>
+    <p:extLst>
+      <p:ext uri="{BB962C8B-B14F-4D97-AF65-F5344CB8AC3E}">
+        <p14:creationId xmlns:p14="http://schemas.microsoft.com/office/powerpoint/2010/main" val="121755027"/>
+      </p:ext>
+    </p:extLst>
+  </p:cSld>
+  <p:clrMapOvr>
+    <a:masterClrMapping/>
+  </p:clrMapOvr>
+  <p:timing>
+    <p:tnLst>
+      <p:par>
+        <p:cTn id="1" dur="indefinite" restart="never" nodeType="tmRoot"/>
+      </p:par>
+    </p:tnLst>
+  </p:timing>
+</p:sld>
+</file>
+
+<file path=ppt/slides/slide18.xml><?xml version="1.0" encoding="utf-8"?>
+<p:sld xmlns:a="http://schemas.openxmlformats.org/drawingml/2006/main" xmlns:r="http://schemas.openxmlformats.org/officeDocument/2006/relationships" xmlns:p="http://schemas.openxmlformats.org/presentationml/2006/main">
+  <p:cSld>
+    <p:spTree>
+      <p:nvGrpSpPr>
+        <p:cNvPr id="1" name=""/>
+        <p:cNvGrpSpPr/>
+        <p:nvPr/>
+      </p:nvGrpSpPr>
+      <p:grpSpPr>
+        <a:xfrm>
+          <a:off x="0" y="0"/>
+          <a:ext cx="0" cy="0"/>
+          <a:chOff x="0" y="0"/>
+          <a:chExt cx="0" cy="0"/>
+        </a:xfrm>
+      </p:grpSpPr>
+      <p:sp>
+        <p:nvSpPr>
+          <p:cNvPr id="2" name="标题 1"/>
+          <p:cNvSpPr>
+            <a:spLocks noGrp="1"/>
+          </p:cNvSpPr>
+          <p:nvPr>
+            <p:ph type="title"/>
+          </p:nvPr>
+        </p:nvSpPr>
+        <p:spPr/>
+        <p:txBody>
+          <a:bodyPr/>
+          <a:lstStyle/>
+          <a:p>
+            <a:r>
               <a:rPr lang="en-US" altLang="zh-CN" dirty="0" smtClean="0"/>
               <a:t>Spark stream -- </a:t>
             </a:r>
@@ -5672,6 +8858,128 @@
   <p:clrMapOvr>
     <a:masterClrMapping/>
   </p:clrMapOvr>
+  <p:timing>
+    <p:tnLst>
+      <p:par>
+        <p:cTn id="1" dur="indefinite" restart="never" nodeType="tmRoot"/>
+      </p:par>
+    </p:tnLst>
+  </p:timing>
+</p:sld>
+</file>
+
+<file path=ppt/slides/slide19.xml><?xml version="1.0" encoding="utf-8"?>
+<p:sld xmlns:a="http://schemas.openxmlformats.org/drawingml/2006/main" xmlns:r="http://schemas.openxmlformats.org/officeDocument/2006/relationships" xmlns:p="http://schemas.openxmlformats.org/presentationml/2006/main">
+  <p:cSld>
+    <p:spTree>
+      <p:nvGrpSpPr>
+        <p:cNvPr id="1" name=""/>
+        <p:cNvGrpSpPr/>
+        <p:nvPr/>
+      </p:nvGrpSpPr>
+      <p:grpSpPr>
+        <a:xfrm>
+          <a:off x="0" y="0"/>
+          <a:ext cx="0" cy="0"/>
+          <a:chOff x="0" y="0"/>
+          <a:chExt cx="0" cy="0"/>
+        </a:xfrm>
+      </p:grpSpPr>
+      <p:sp>
+        <p:nvSpPr>
+          <p:cNvPr id="2" name="标题 1"/>
+          <p:cNvSpPr>
+            <a:spLocks noGrp="1"/>
+          </p:cNvSpPr>
+          <p:nvPr>
+            <p:ph type="title"/>
+          </p:nvPr>
+        </p:nvSpPr>
+        <p:spPr/>
+        <p:txBody>
+          <a:bodyPr/>
+          <a:lstStyle/>
+          <a:p>
+            <a:endParaRPr lang="zh-CN" altLang="en-US"/>
+          </a:p>
+        </p:txBody>
+      </p:sp>
+      <p:sp>
+        <p:nvSpPr>
+          <p:cNvPr id="3" name="内容占位符 2"/>
+          <p:cNvSpPr>
+            <a:spLocks noGrp="1"/>
+          </p:cNvSpPr>
+          <p:nvPr>
+            <p:ph sz="quarter" idx="1"/>
+          </p:nvPr>
+        </p:nvSpPr>
+        <p:spPr/>
+        <p:txBody>
+          <a:bodyPr/>
+          <a:lstStyle/>
+          <a:p>
+            <a:endParaRPr lang="en-US" altLang="zh-CN" dirty="0" smtClean="0"/>
+          </a:p>
+          <a:p>
+            <a:endParaRPr lang="en-US" altLang="zh-CN" dirty="0"/>
+          </a:p>
+          <a:p>
+            <a:endParaRPr lang="en-US" altLang="zh-CN" dirty="0" smtClean="0"/>
+          </a:p>
+          <a:p>
+            <a:pPr marL="0" indent="0">
+              <a:buNone/>
+            </a:pPr>
+            <a:r>
+              <a:rPr lang="en-US" altLang="zh-CN" dirty="0" smtClean="0"/>
+              <a:t>                           </a:t>
+            </a:r>
+            <a:r>
+              <a:rPr lang="zh-CN" altLang="en-US" sz="6600" dirty="0" smtClean="0">
+                <a:solidFill>
+                  <a:schemeClr val="accent1"/>
+                </a:solidFill>
+              </a:rPr>
+              <a:t>谢  谢！</a:t>
+            </a:r>
+            <a:endParaRPr lang="en-US" altLang="zh-CN" sz="6600" dirty="0" smtClean="0">
+              <a:solidFill>
+                <a:schemeClr val="accent1"/>
+              </a:solidFill>
+            </a:endParaRPr>
+          </a:p>
+          <a:p>
+            <a:endParaRPr lang="en-US" altLang="zh-CN" dirty="0"/>
+          </a:p>
+          <a:p>
+            <a:endParaRPr lang="en-US" altLang="zh-CN" dirty="0" smtClean="0"/>
+          </a:p>
+          <a:p>
+            <a:endParaRPr lang="en-US" altLang="zh-CN" dirty="0"/>
+          </a:p>
+          <a:p>
+            <a:endParaRPr lang="zh-CN" altLang="en-US" dirty="0"/>
+          </a:p>
+        </p:txBody>
+      </p:sp>
+    </p:spTree>
+    <p:extLst>
+      <p:ext uri="{BB962C8B-B14F-4D97-AF65-F5344CB8AC3E}">
+        <p14:creationId xmlns:p14="http://schemas.microsoft.com/office/powerpoint/2010/main" val="2825244525"/>
+      </p:ext>
+    </p:extLst>
+  </p:cSld>
+  <p:clrMapOvr>
+    <a:masterClrMapping/>
+  </p:clrMapOvr>
+  <p:timing>
+    <p:tnLst>
+      <p:par>
+        <p:cTn id="1" dur="indefinite" restart="never" nodeType="tmRoot"/>
+      </p:par>
+    </p:tnLst>
+  </p:timing>
 </p:sld>
 </file>
 
@@ -6133,7 +9441,7 @@
             </a:r>
             <a:r>
               <a:rPr lang="en-US" altLang="zh-CN" dirty="0" smtClean="0"/>
-              <a:t>           .map(_.split(‘\t\)(4))</a:t>
+              <a:t>           .map(_.split(‘\t’)(4))</a:t>
             </a:r>
           </a:p>
           <a:p>
@@ -6375,30 +9683,53 @@
               <a:rPr lang="en-US" altLang="zh-CN" dirty="0" err="1" smtClean="0"/>
               <a:t>MappedRDD</a:t>
             </a:r>
-            <a:endParaRPr lang="en-US" altLang="zh-CN" dirty="0" smtClean="0"/>
+            <a:r>
+              <a:rPr lang="en-US" altLang="zh-CN" dirty="0" smtClean="0"/>
+              <a:t> </a:t>
+            </a:r>
           </a:p>
           <a:p>
             <a:pPr marL="0" indent="0">
               <a:buNone/>
             </a:pPr>
             <a:r>
-              <a:rPr lang="en-US" altLang="zh-CN" dirty="0" smtClean="0"/>
+              <a:rPr lang="en-US" altLang="zh-CN" dirty="0" smtClean="0">
+                <a:solidFill>
+                  <a:schemeClr val="accent3"/>
+                </a:solidFill>
+              </a:rPr>
               <a:t>override </a:t>
             </a:r>
             <a:r>
-              <a:rPr lang="en-US" altLang="zh-CN" dirty="0" err="1" smtClean="0"/>
+              <a:rPr lang="en-US" altLang="zh-CN" dirty="0" err="1" smtClean="0">
+                <a:solidFill>
+                  <a:schemeClr val="accent3"/>
+                </a:solidFill>
+              </a:rPr>
               <a:t>def</a:t>
             </a:r>
             <a:r>
-              <a:rPr lang="en-US" altLang="zh-CN" dirty="0" smtClean="0"/>
+              <a:rPr lang="en-US" altLang="zh-CN" dirty="0" smtClean="0">
+                <a:solidFill>
+                  <a:schemeClr val="accent3"/>
+                </a:solidFill>
+              </a:rPr>
               <a:t> compute(split: Partition, context: </a:t>
             </a:r>
             <a:r>
-              <a:rPr lang="en-US" altLang="zh-CN" dirty="0" err="1" smtClean="0"/>
+              <a:rPr lang="en-US" altLang="zh-CN" dirty="0" err="1" smtClean="0">
+                <a:solidFill>
+                  <a:schemeClr val="accent3"/>
+                </a:solidFill>
+              </a:rPr>
               <a:t>TaskContext</a:t>
             </a:r>
             <a:r>
-              <a:rPr lang="en-US" altLang="zh-CN" dirty="0" smtClean="0"/>
+              <a:rPr lang="en-US" altLang="zh-CN" dirty="0" smtClean="0">
+                <a:solidFill>
+                  <a:schemeClr val="accent3"/>
+                </a:solidFill>
+              </a:rPr>
               <a:t>) </a:t>
             </a:r>
           </a:p>
@@ -6407,15 +9738,27 @@
               <a:buNone/>
             </a:pPr>
             <a:r>
-              <a:rPr lang="en-US" altLang="zh-CN" dirty="0" smtClean="0"/>
+              <a:rPr lang="en-US" altLang="zh-CN" dirty="0" smtClean="0">
+                <a:solidFill>
+                  <a:schemeClr val="accent3"/>
+                </a:solidFill>
+              </a:rPr>
               <a:t>=  </a:t>
             </a:r>
             <a:r>
-              <a:rPr lang="en-US" altLang="zh-CN" dirty="0" err="1" smtClean="0"/>
+              <a:rPr lang="en-US" altLang="zh-CN" dirty="0" err="1" smtClean="0">
+                <a:solidFill>
+                  <a:schemeClr val="accent3"/>
+                </a:solidFill>
+              </a:rPr>
               <a:t>firstParent</a:t>
             </a:r>
             <a:r>
-              <a:rPr lang="en-US" altLang="zh-CN" dirty="0" smtClean="0"/>
+              <a:rPr lang="en-US" altLang="zh-CN" dirty="0" smtClean="0">
+                <a:solidFill>
+                  <a:schemeClr val="accent3"/>
+                </a:solidFill>
+              </a:rPr>
               <a:t>[T].iterator(split, context).map(f)</a:t>
             </a:r>
           </a:p>
@@ -6440,23 +9783,43 @@
               <a:buNone/>
             </a:pPr>
             <a:r>
-              <a:rPr lang="en-US" altLang="zh-CN" dirty="0" smtClean="0"/>
+              <a:rPr lang="en-US" altLang="zh-CN" dirty="0" smtClean="0">
+                <a:solidFill>
+                  <a:schemeClr val="accent3"/>
+                </a:solidFill>
+              </a:rPr>
               <a:t>override </a:t>
             </a:r>
             <a:r>
-              <a:rPr lang="en-US" altLang="zh-CN" dirty="0" err="1" smtClean="0"/>
+              <a:rPr lang="en-US" altLang="zh-CN" dirty="0" err="1" smtClean="0">
+                <a:solidFill>
+                  <a:schemeClr val="accent3"/>
+                </a:solidFill>
+              </a:rPr>
               <a:t>def</a:t>
             </a:r>
             <a:r>
-              <a:rPr lang="en-US" altLang="zh-CN" dirty="0" smtClean="0"/>
+              <a:rPr lang="en-US" altLang="zh-CN" dirty="0" smtClean="0">
+                <a:solidFill>
+                  <a:schemeClr val="accent3"/>
+                </a:solidFill>
+              </a:rPr>
               <a:t> compute(split: Partition, context: </a:t>
             </a:r>
             <a:r>
-              <a:rPr lang="en-US" altLang="zh-CN" dirty="0" err="1" smtClean="0"/>
+              <a:rPr lang="en-US" altLang="zh-CN" dirty="0" err="1" smtClean="0">
+                <a:solidFill>
+                  <a:schemeClr val="accent3"/>
+                </a:solidFill>
+              </a:rPr>
               <a:t>TaskContext</a:t>
             </a:r>
             <a:r>
-              <a:rPr lang="en-US" altLang="zh-CN" dirty="0" smtClean="0"/>
+              <a:rPr lang="en-US" altLang="zh-CN" dirty="0" smtClean="0">
+                <a:solidFill>
+                  <a:schemeClr val="accent3"/>
+                </a:solidFill>
+              </a:rPr>
               <a:t>)</a:t>
             </a:r>
           </a:p>
@@ -6465,18 +9828,34 @@
               <a:buNone/>
             </a:pPr>
             <a:r>
-              <a:rPr lang="en-US" altLang="zh-CN" dirty="0" smtClean="0"/>
+              <a:rPr lang="en-US" altLang="zh-CN" dirty="0" smtClean="0">
+                <a:solidFill>
+                  <a:schemeClr val="accent3"/>
+                </a:solidFill>
+              </a:rPr>
               <a:t>= </a:t>
             </a:r>
             <a:r>
-              <a:rPr lang="en-US" altLang="zh-CN" dirty="0" err="1" smtClean="0"/>
+              <a:rPr lang="en-US" altLang="zh-CN" dirty="0" err="1" smtClean="0">
+                <a:solidFill>
+                  <a:schemeClr val="accent3"/>
+                </a:solidFill>
+              </a:rPr>
               <a:t>firstParent</a:t>
             </a:r>
             <a:r>
-              <a:rPr lang="en-US" altLang="zh-CN" dirty="0" smtClean="0"/>
+              <a:rPr lang="en-US" altLang="zh-CN" dirty="0" smtClean="0">
+                <a:solidFill>
+                  <a:schemeClr val="accent3"/>
+                </a:solidFill>
+              </a:rPr>
               <a:t>[T].iterator(split, context).filter(f)</a:t>
             </a:r>
-            <a:endParaRPr lang="en-US" altLang="zh-CN" dirty="0"/>
+            <a:endParaRPr lang="en-US" altLang="zh-CN" dirty="0">
+              <a:solidFill>
+                <a:schemeClr val="accent3"/>
+              </a:solidFill>
+            </a:endParaRPr>
           </a:p>
           <a:p>
             <a:endParaRPr lang="en-US" altLang="zh-CN" dirty="0" smtClean="0"/>
@@ -6567,7 +9946,7 @@
           <a:p>
             <a:r>
               <a:rPr lang="en-US" altLang="zh-CN" dirty="0" smtClean="0"/>
-              <a:t>Two type of dependencies: </a:t>
+              <a:t>Two types of dependencies: </a:t>
             </a:r>
           </a:p>
           <a:p>
@@ -6741,11 +10120,7 @@
           <a:p>
             <a:r>
               <a:rPr lang="en-US" altLang="zh-CN" dirty="0" smtClean="0"/>
-              <a:t>Boundary of the stages are the shuffle operations required for wide dependencies ore cached </a:t>
-            </a:r>
-            <a:r>
-              <a:rPr lang="en-US" altLang="zh-CN" dirty="0" smtClean="0"/>
-              <a:t>partitions</a:t>
+              <a:t>Boundary of the stages are the shuffle operations required for wide dependencies or cached partitions</a:t>
             </a:r>
           </a:p>
           <a:p>
@@ -9194,7 +12569,7 @@
         </p:nvSpPr>
         <p:spPr>
           <a:xfrm>
-            <a:off x="2699792" y="3284984"/>
+            <a:off x="2836403" y="3284984"/>
             <a:ext cx="1190640" cy="369332"/>
           </a:xfrm>
           <a:prstGeom prst="rect">
@@ -9284,7 +12659,7 @@
         </p:nvSpPr>
         <p:spPr>
           <a:xfrm>
-            <a:off x="5527104" y="5714430"/>
+            <a:off x="5632831" y="5531391"/>
             <a:ext cx="720080" cy="369332"/>
           </a:xfrm>
           <a:prstGeom prst="rect">
@@ -9315,7 +12690,7 @@
         <p:spPr>
           <a:xfrm>
             <a:off x="112391" y="1509844"/>
-            <a:ext cx="2906746" cy="2054116"/>
+            <a:ext cx="2724012" cy="2043174"/>
           </a:xfrm>
           <a:prstGeom prst="roundRect">
             <a:avLst/>
@@ -9325,7 +12700,7 @@
               <a:alpha val="0"/>
             </a:schemeClr>
           </a:solidFill>
-          <a:ln cmpd="dbl">
+          <a:ln w="12700" cmpd="sng">
             <a:solidFill>
               <a:schemeClr val="accent1">
                 <a:shade val="50000"/>
@@ -9412,8 +12787,8 @@
         </p:nvSpPr>
         <p:spPr>
           <a:xfrm>
-            <a:off x="0" y="1340768"/>
-            <a:ext cx="8028384" cy="5328592"/>
+            <a:off x="-51322" y="1400562"/>
+            <a:ext cx="8079706" cy="5073389"/>
           </a:xfrm>
           <a:prstGeom prst="roundRect">
             <a:avLst/>
